--- a/20241018 NAF Update (multigrid).pptx
+++ b/20241018 NAF Update (multigrid).pptx
@@ -5,12 +5,20 @@
     <p:sldMasterId id="2147483648" r:id="rId1"/>
   </p:sldMasterIdLst>
   <p:notesMasterIdLst>
-    <p:notesMasterId r:id="rId5"/>
+    <p:notesMasterId r:id="rId13"/>
   </p:notesMasterIdLst>
   <p:sldIdLst>
     <p:sldId id="258" r:id="rId2"/>
     <p:sldId id="257" r:id="rId3"/>
     <p:sldId id="259" r:id="rId4"/>
+    <p:sldId id="260" r:id="rId5"/>
+    <p:sldId id="261" r:id="rId6"/>
+    <p:sldId id="262" r:id="rId7"/>
+    <p:sldId id="275" r:id="rId8"/>
+    <p:sldId id="270" r:id="rId9"/>
+    <p:sldId id="271" r:id="rId10"/>
+    <p:sldId id="274" r:id="rId11"/>
+    <p:sldId id="273" r:id="rId12"/>
   </p:sldIdLst>
   <p:sldSz cx="12192000" cy="6858000"/>
   <p:notesSz cx="6858000" cy="9144000"/>
@@ -1878,7 +1886,7 @@
       <p:sp>
         <p:nvSpPr>
           <p:cNvPr id="7" name="Double Bracket 6">
-            <a:hlinkClick r:id="" action="ppaction://noaction"/>
+            <a:hlinkClick r:id="rId8" action="ppaction://hlinksldjump"/>
             <a:extLst>
               <a:ext uri="{FF2B5EF4-FFF2-40B4-BE49-F238E27FC236}">
                 <a16:creationId xmlns:a16="http://schemas.microsoft.com/office/drawing/2014/main" id="{5D492677-861D-1835-796E-816F874DF12C}"/>
@@ -2848,6 +2856,1662 @@
 </p:sld>
 </file>
 
+<file path=ppt/slides/slide10.xml><?xml version="1.0" encoding="utf-8"?>
+<p:sld xmlns:a="http://schemas.openxmlformats.org/drawingml/2006/main" xmlns:r="http://schemas.openxmlformats.org/officeDocument/2006/relationships" xmlns:p="http://schemas.openxmlformats.org/presentationml/2006/main">
+  <p:cSld>
+    <p:spTree>
+      <p:nvGrpSpPr>
+        <p:cNvPr id="1" name="">
+          <a:extLst>
+            <a:ext uri="{FF2B5EF4-FFF2-40B4-BE49-F238E27FC236}">
+              <a16:creationId xmlns:a16="http://schemas.microsoft.com/office/drawing/2014/main" id="{F2C427B7-831A-502E-BD6D-0D7F0BCBB797}"/>
+            </a:ext>
+          </a:extLst>
+        </p:cNvPr>
+        <p:cNvGrpSpPr/>
+        <p:nvPr/>
+      </p:nvGrpSpPr>
+      <p:grpSpPr>
+        <a:xfrm>
+          <a:off x="0" y="0"/>
+          <a:ext cx="0" cy="0"/>
+          <a:chOff x="0" y="0"/>
+          <a:chExt cx="0" cy="0"/>
+        </a:xfrm>
+      </p:grpSpPr>
+      <p:pic>
+        <p:nvPicPr>
+          <p:cNvPr id="4106" name="Picture 10">
+            <a:extLst>
+              <a:ext uri="{FF2B5EF4-FFF2-40B4-BE49-F238E27FC236}">
+                <a16:creationId xmlns:a16="http://schemas.microsoft.com/office/drawing/2014/main" id="{6BF90413-C0D7-19BE-630F-2C31106F5E69}"/>
+              </a:ext>
+            </a:extLst>
+          </p:cNvPr>
+          <p:cNvPicPr>
+            <a:picLocks noChangeAspect="1" noChangeArrowheads="1"/>
+          </p:cNvPicPr>
+          <p:nvPr/>
+        </p:nvPicPr>
+        <p:blipFill>
+          <a:blip r:embed="rId2">
+            <a:extLst>
+              <a:ext uri="{28A0092B-C50C-407E-A947-70E740481C1C}">
+                <a14:useLocalDpi xmlns:a14="http://schemas.microsoft.com/office/drawing/2010/main" val="0"/>
+              </a:ext>
+            </a:extLst>
+          </a:blip>
+          <a:srcRect/>
+          <a:stretch>
+            <a:fillRect/>
+          </a:stretch>
+        </p:blipFill>
+        <p:spPr bwMode="auto">
+          <a:xfrm>
+            <a:off x="1181285" y="1323301"/>
+            <a:ext cx="2016820" cy="1482956"/>
+          </a:xfrm>
+          <a:prstGeom prst="rect">
+            <a:avLst/>
+          </a:prstGeom>
+          <a:noFill/>
+          <a:extLst>
+            <a:ext uri="{909E8E84-426E-40DD-AFC4-6F175D3DCCD1}">
+              <a14:hiddenFill xmlns:a14="http://schemas.microsoft.com/office/drawing/2010/main">
+                <a:solidFill>
+                  <a:srgbClr val="FFFFFF"/>
+                </a:solidFill>
+              </a14:hiddenFill>
+            </a:ext>
+          </a:extLst>
+        </p:spPr>
+      </p:pic>
+      <p:sp>
+        <p:nvSpPr>
+          <p:cNvPr id="2" name="Title 1">
+            <a:extLst>
+              <a:ext uri="{FF2B5EF4-FFF2-40B4-BE49-F238E27FC236}">
+                <a16:creationId xmlns:a16="http://schemas.microsoft.com/office/drawing/2014/main" id="{C628C490-9822-0282-F834-C6D8A233956F}"/>
+              </a:ext>
+            </a:extLst>
+          </p:cNvPr>
+          <p:cNvSpPr>
+            <a:spLocks noGrp="1"/>
+          </p:cNvSpPr>
+          <p:nvPr>
+            <p:ph type="title"/>
+          </p:nvPr>
+        </p:nvSpPr>
+        <p:spPr/>
+        <p:txBody>
+          <a:bodyPr/>
+          <a:lstStyle/>
+          <a:p>
+            <a:r>
+              <a:rPr lang="en-US" dirty="0"/>
+              <a:t>Uneven grid (Lx, right)</a:t>
+            </a:r>
+          </a:p>
+        </p:txBody>
+      </p:sp>
+      <p:sp>
+        <p:nvSpPr>
+          <p:cNvPr id="3" name="Slide Number Placeholder 2">
+            <a:extLst>
+              <a:ext uri="{FF2B5EF4-FFF2-40B4-BE49-F238E27FC236}">
+                <a16:creationId xmlns:a16="http://schemas.microsoft.com/office/drawing/2014/main" id="{3E7A7FC9-1511-4948-8B25-372C0B8A71FB}"/>
+              </a:ext>
+            </a:extLst>
+          </p:cNvPr>
+          <p:cNvSpPr>
+            <a:spLocks noGrp="1"/>
+          </p:cNvSpPr>
+          <p:nvPr>
+            <p:ph type="sldNum" sz="quarter" idx="12"/>
+          </p:nvPr>
+        </p:nvSpPr>
+        <p:spPr/>
+        <p:txBody>
+          <a:bodyPr/>
+          <a:lstStyle/>
+          <a:p>
+            <a:fld id="{5911C0E6-D9CE-431C-92CB-BB39B872F930}" type="slidenum">
+              <a:rPr lang="en-US" smtClean="0"/>
+              <a:t>10</a:t>
+            </a:fld>
+            <a:endParaRPr lang="en-US"/>
+          </a:p>
+        </p:txBody>
+      </p:sp>
+      <p:sp>
+        <p:nvSpPr>
+          <p:cNvPr id="4" name="TextBox 3">
+            <a:extLst>
+              <a:ext uri="{FF2B5EF4-FFF2-40B4-BE49-F238E27FC236}">
+                <a16:creationId xmlns:a16="http://schemas.microsoft.com/office/drawing/2014/main" id="{C5FE713C-DE14-86E9-0794-012B044AC44C}"/>
+              </a:ext>
+            </a:extLst>
+          </p:cNvPr>
+          <p:cNvSpPr txBox="1"/>
+          <p:nvPr/>
+        </p:nvSpPr>
+        <p:spPr>
+          <a:xfrm>
+            <a:off x="101600" y="3204148"/>
+            <a:ext cx="1109762" cy="646331"/>
+          </a:xfrm>
+          <a:prstGeom prst="rect">
+            <a:avLst/>
+          </a:prstGeom>
+          <a:noFill/>
+        </p:spPr>
+        <p:txBody>
+          <a:bodyPr wrap="square" rtlCol="0">
+            <a:spAutoFit/>
+          </a:bodyPr>
+          <a:lstStyle/>
+          <a:p>
+            <a:pPr algn="ctr"/>
+            <a:r>
+              <a:rPr lang="en-US" dirty="0"/>
+              <a:t>L = 100</a:t>
+            </a:r>
+          </a:p>
+          <a:p>
+            <a:pPr algn="ctr"/>
+            <a:r>
+              <a:rPr lang="en-US" dirty="0"/>
+              <a:t>(N=1000)</a:t>
+            </a:r>
+          </a:p>
+        </p:txBody>
+      </p:sp>
+      <p:sp>
+        <p:nvSpPr>
+          <p:cNvPr id="5" name="TextBox 4">
+            <a:extLst>
+              <a:ext uri="{FF2B5EF4-FFF2-40B4-BE49-F238E27FC236}">
+                <a16:creationId xmlns:a16="http://schemas.microsoft.com/office/drawing/2014/main" id="{405457FB-153D-2D18-B8E0-BCF76D4214C1}"/>
+              </a:ext>
+            </a:extLst>
+          </p:cNvPr>
+          <p:cNvSpPr txBox="1"/>
+          <p:nvPr/>
+        </p:nvSpPr>
+        <p:spPr>
+          <a:xfrm>
+            <a:off x="101600" y="4568369"/>
+            <a:ext cx="1109762" cy="646331"/>
+          </a:xfrm>
+          <a:prstGeom prst="rect">
+            <a:avLst/>
+          </a:prstGeom>
+          <a:noFill/>
+        </p:spPr>
+        <p:txBody>
+          <a:bodyPr wrap="square" rtlCol="0">
+            <a:spAutoFit/>
+          </a:bodyPr>
+          <a:lstStyle/>
+          <a:p>
+            <a:pPr algn="ctr"/>
+            <a:r>
+              <a:rPr lang="en-US" dirty="0"/>
+              <a:t>L = 101</a:t>
+            </a:r>
+          </a:p>
+          <a:p>
+            <a:pPr algn="ctr"/>
+            <a:r>
+              <a:rPr lang="en-US" dirty="0"/>
+              <a:t>(N=1051)</a:t>
+            </a:r>
+          </a:p>
+        </p:txBody>
+      </p:sp>
+      <p:sp>
+        <p:nvSpPr>
+          <p:cNvPr id="6" name="TextBox 5">
+            <a:extLst>
+              <a:ext uri="{FF2B5EF4-FFF2-40B4-BE49-F238E27FC236}">
+                <a16:creationId xmlns:a16="http://schemas.microsoft.com/office/drawing/2014/main" id="{E918215F-E6D1-1CD6-F5CD-C3125D2C6F5F}"/>
+              </a:ext>
+            </a:extLst>
+          </p:cNvPr>
+          <p:cNvSpPr txBox="1"/>
+          <p:nvPr/>
+        </p:nvSpPr>
+        <p:spPr>
+          <a:xfrm>
+            <a:off x="101600" y="5840976"/>
+            <a:ext cx="1109762" cy="646331"/>
+          </a:xfrm>
+          <a:prstGeom prst="rect">
+            <a:avLst/>
+          </a:prstGeom>
+          <a:noFill/>
+        </p:spPr>
+        <p:txBody>
+          <a:bodyPr wrap="square" rtlCol="0">
+            <a:spAutoFit/>
+          </a:bodyPr>
+          <a:lstStyle/>
+          <a:p>
+            <a:pPr algn="ctr"/>
+            <a:r>
+              <a:rPr lang="en-US" dirty="0"/>
+              <a:t>L = 110</a:t>
+            </a:r>
+          </a:p>
+          <a:p>
+            <a:pPr algn="ctr"/>
+            <a:r>
+              <a:rPr lang="en-US" dirty="0"/>
+              <a:t>(N=1508)</a:t>
+            </a:r>
+          </a:p>
+        </p:txBody>
+      </p:sp>
+      <p:sp>
+        <p:nvSpPr>
+          <p:cNvPr id="7" name="TextBox 6">
+            <a:extLst>
+              <a:ext uri="{FF2B5EF4-FFF2-40B4-BE49-F238E27FC236}">
+                <a16:creationId xmlns:a16="http://schemas.microsoft.com/office/drawing/2014/main" id="{F6723146-A752-C947-F39A-268B97D6546D}"/>
+              </a:ext>
+            </a:extLst>
+          </p:cNvPr>
+          <p:cNvSpPr txBox="1"/>
+          <p:nvPr/>
+        </p:nvSpPr>
+        <p:spPr>
+          <a:xfrm>
+            <a:off x="3365486" y="3204148"/>
+            <a:ext cx="1109762" cy="369332"/>
+          </a:xfrm>
+          <a:prstGeom prst="rect">
+            <a:avLst/>
+          </a:prstGeom>
+          <a:noFill/>
+        </p:spPr>
+        <p:txBody>
+          <a:bodyPr wrap="square" rtlCol="0">
+            <a:spAutoFit/>
+          </a:bodyPr>
+          <a:lstStyle/>
+          <a:p>
+            <a:pPr algn="ctr"/>
+            <a:r>
+              <a:rPr lang="en-US" dirty="0"/>
+              <a:t>Original</a:t>
+            </a:r>
+          </a:p>
+        </p:txBody>
+      </p:sp>
+      <p:sp>
+        <p:nvSpPr>
+          <p:cNvPr id="8" name="TextBox 7">
+            <a:extLst>
+              <a:ext uri="{FF2B5EF4-FFF2-40B4-BE49-F238E27FC236}">
+                <a16:creationId xmlns:a16="http://schemas.microsoft.com/office/drawing/2014/main" id="{39179A5E-92EE-BC0D-08CE-182AFC392093}"/>
+              </a:ext>
+            </a:extLst>
+          </p:cNvPr>
+          <p:cNvSpPr txBox="1"/>
+          <p:nvPr/>
+        </p:nvSpPr>
+        <p:spPr>
+          <a:xfrm>
+            <a:off x="3267227" y="4429869"/>
+            <a:ext cx="1400023" cy="646331"/>
+          </a:xfrm>
+          <a:prstGeom prst="rect">
+            <a:avLst/>
+          </a:prstGeom>
+          <a:noFill/>
+        </p:spPr>
+        <p:txBody>
+          <a:bodyPr wrap="square" rtlCol="0">
+            <a:spAutoFit/>
+          </a:bodyPr>
+          <a:lstStyle/>
+          <a:p>
+            <a:pPr algn="ctr"/>
+            <a:r>
+              <a:rPr lang="en-US" dirty="0"/>
+              <a:t>Extend right (evenly)</a:t>
+            </a:r>
+          </a:p>
+        </p:txBody>
+      </p:sp>
+      <p:sp>
+        <p:nvSpPr>
+          <p:cNvPr id="11" name="TextBox 10">
+            <a:extLst>
+              <a:ext uri="{FF2B5EF4-FFF2-40B4-BE49-F238E27FC236}">
+                <a16:creationId xmlns:a16="http://schemas.microsoft.com/office/drawing/2014/main" id="{B7093B4A-16B4-6D86-E88E-86553260D17A}"/>
+              </a:ext>
+            </a:extLst>
+          </p:cNvPr>
+          <p:cNvSpPr txBox="1"/>
+          <p:nvPr/>
+        </p:nvSpPr>
+        <p:spPr>
+          <a:xfrm>
+            <a:off x="101600" y="1934402"/>
+            <a:ext cx="1109762" cy="646331"/>
+          </a:xfrm>
+          <a:prstGeom prst="rect">
+            <a:avLst/>
+          </a:prstGeom>
+          <a:noFill/>
+        </p:spPr>
+        <p:txBody>
+          <a:bodyPr wrap="square" rtlCol="0">
+            <a:spAutoFit/>
+          </a:bodyPr>
+          <a:lstStyle/>
+          <a:p>
+            <a:pPr algn="ctr"/>
+            <a:r>
+              <a:rPr lang="en-US" dirty="0"/>
+              <a:t>L = 95</a:t>
+            </a:r>
+          </a:p>
+          <a:p>
+            <a:pPr algn="ctr"/>
+            <a:r>
+              <a:rPr lang="en-US" dirty="0"/>
+              <a:t>(N=746)</a:t>
+            </a:r>
+          </a:p>
+        </p:txBody>
+      </p:sp>
+      <p:sp>
+        <p:nvSpPr>
+          <p:cNvPr id="12" name="TextBox 11">
+            <a:extLst>
+              <a:ext uri="{FF2B5EF4-FFF2-40B4-BE49-F238E27FC236}">
+                <a16:creationId xmlns:a16="http://schemas.microsoft.com/office/drawing/2014/main" id="{F72917ED-6D01-1C14-24C9-D84D5E76F117}"/>
+              </a:ext>
+            </a:extLst>
+          </p:cNvPr>
+          <p:cNvSpPr txBox="1"/>
+          <p:nvPr/>
+        </p:nvSpPr>
+        <p:spPr>
+          <a:xfrm>
+            <a:off x="3365486" y="1885734"/>
+            <a:ext cx="1301764" cy="646331"/>
+          </a:xfrm>
+          <a:prstGeom prst="rect">
+            <a:avLst/>
+          </a:prstGeom>
+          <a:noFill/>
+        </p:spPr>
+        <p:txBody>
+          <a:bodyPr wrap="square" rtlCol="0">
+            <a:spAutoFit/>
+          </a:bodyPr>
+          <a:lstStyle/>
+          <a:p>
+            <a:pPr algn="ctr"/>
+            <a:r>
+              <a:rPr lang="en-US" dirty="0"/>
+              <a:t>Chop from right</a:t>
+            </a:r>
+          </a:p>
+        </p:txBody>
+      </p:sp>
+      <p:pic>
+        <p:nvPicPr>
+          <p:cNvPr id="2050" name="Picture 2">
+            <a:extLst>
+              <a:ext uri="{FF2B5EF4-FFF2-40B4-BE49-F238E27FC236}">
+                <a16:creationId xmlns:a16="http://schemas.microsoft.com/office/drawing/2014/main" id="{45C5C52B-B28A-29CE-2989-B4580E418E20}"/>
+              </a:ext>
+            </a:extLst>
+          </p:cNvPr>
+          <p:cNvPicPr>
+            <a:picLocks noChangeAspect="1" noChangeArrowheads="1"/>
+          </p:cNvPicPr>
+          <p:nvPr/>
+        </p:nvPicPr>
+        <p:blipFill>
+          <a:blip r:embed="rId3">
+            <a:extLst>
+              <a:ext uri="{28A0092B-C50C-407E-A947-70E740481C1C}">
+                <a14:useLocalDpi xmlns:a14="http://schemas.microsoft.com/office/drawing/2010/main" val="0"/>
+              </a:ext>
+            </a:extLst>
+          </a:blip>
+          <a:srcRect/>
+          <a:stretch>
+            <a:fillRect/>
+          </a:stretch>
+        </p:blipFill>
+        <p:spPr bwMode="auto">
+          <a:xfrm>
+            <a:off x="1181754" y="2687522"/>
+            <a:ext cx="2016820" cy="1482956"/>
+          </a:xfrm>
+          <a:prstGeom prst="rect">
+            <a:avLst/>
+          </a:prstGeom>
+          <a:noFill/>
+          <a:extLst>
+            <a:ext uri="{909E8E84-426E-40DD-AFC4-6F175D3DCCD1}">
+              <a14:hiddenFill xmlns:a14="http://schemas.microsoft.com/office/drawing/2010/main">
+                <a:solidFill>
+                  <a:srgbClr val="FFFFFF"/>
+                </a:solidFill>
+              </a14:hiddenFill>
+            </a:ext>
+          </a:extLst>
+        </p:spPr>
+      </p:pic>
+      <p:pic>
+        <p:nvPicPr>
+          <p:cNvPr id="4098" name="Picture 2">
+            <a:extLst>
+              <a:ext uri="{FF2B5EF4-FFF2-40B4-BE49-F238E27FC236}">
+                <a16:creationId xmlns:a16="http://schemas.microsoft.com/office/drawing/2014/main" id="{7563E86B-FD9E-8AEA-B2D6-2F9C4595DA11}"/>
+              </a:ext>
+            </a:extLst>
+          </p:cNvPr>
+          <p:cNvPicPr>
+            <a:picLocks noChangeAspect="1" noChangeArrowheads="1"/>
+          </p:cNvPicPr>
+          <p:nvPr/>
+        </p:nvPicPr>
+        <p:blipFill>
+          <a:blip r:embed="rId4">
+            <a:extLst>
+              <a:ext uri="{28A0092B-C50C-407E-A947-70E740481C1C}">
+                <a14:useLocalDpi xmlns:a14="http://schemas.microsoft.com/office/drawing/2010/main" val="0"/>
+              </a:ext>
+            </a:extLst>
+          </a:blip>
+          <a:srcRect/>
+          <a:stretch>
+            <a:fillRect/>
+          </a:stretch>
+        </p:blipFill>
+        <p:spPr bwMode="auto">
+          <a:xfrm>
+            <a:off x="1181753" y="4037938"/>
+            <a:ext cx="2016821" cy="1482957"/>
+          </a:xfrm>
+          <a:prstGeom prst="rect">
+            <a:avLst/>
+          </a:prstGeom>
+          <a:noFill/>
+          <a:extLst>
+            <a:ext uri="{909E8E84-426E-40DD-AFC4-6F175D3DCCD1}">
+              <a14:hiddenFill xmlns:a14="http://schemas.microsoft.com/office/drawing/2010/main">
+                <a:solidFill>
+                  <a:srgbClr val="FFFFFF"/>
+                </a:solidFill>
+              </a14:hiddenFill>
+            </a:ext>
+          </a:extLst>
+        </p:spPr>
+      </p:pic>
+      <p:pic>
+        <p:nvPicPr>
+          <p:cNvPr id="4100" name="Picture 4">
+            <a:extLst>
+              <a:ext uri="{FF2B5EF4-FFF2-40B4-BE49-F238E27FC236}">
+                <a16:creationId xmlns:a16="http://schemas.microsoft.com/office/drawing/2014/main" id="{70F0142E-1D3B-B972-6B43-14D3C8BE6353}"/>
+              </a:ext>
+            </a:extLst>
+          </p:cNvPr>
+          <p:cNvPicPr>
+            <a:picLocks noChangeAspect="1" noChangeArrowheads="1"/>
+          </p:cNvPicPr>
+          <p:nvPr/>
+        </p:nvPicPr>
+        <p:blipFill>
+          <a:blip r:embed="rId5">
+            <a:extLst>
+              <a:ext uri="{28A0092B-C50C-407E-A947-70E740481C1C}">
+                <a14:useLocalDpi xmlns:a14="http://schemas.microsoft.com/office/drawing/2010/main" val="0"/>
+              </a:ext>
+            </a:extLst>
+          </a:blip>
+          <a:srcRect/>
+          <a:stretch>
+            <a:fillRect/>
+          </a:stretch>
+        </p:blipFill>
+        <p:spPr bwMode="auto">
+          <a:xfrm>
+            <a:off x="1181752" y="5388355"/>
+            <a:ext cx="2016820" cy="1482956"/>
+          </a:xfrm>
+          <a:prstGeom prst="rect">
+            <a:avLst/>
+          </a:prstGeom>
+          <a:noFill/>
+          <a:extLst>
+            <a:ext uri="{909E8E84-426E-40DD-AFC4-6F175D3DCCD1}">
+              <a14:hiddenFill xmlns:a14="http://schemas.microsoft.com/office/drawing/2010/main">
+                <a:solidFill>
+                  <a:srgbClr val="FFFFFF"/>
+                </a:solidFill>
+              </a14:hiddenFill>
+            </a:ext>
+          </a:extLst>
+        </p:spPr>
+      </p:pic>
+      <p:grpSp>
+        <p:nvGrpSpPr>
+          <p:cNvPr id="23" name="Group 22">
+            <a:extLst>
+              <a:ext uri="{FF2B5EF4-FFF2-40B4-BE49-F238E27FC236}">
+                <a16:creationId xmlns:a16="http://schemas.microsoft.com/office/drawing/2014/main" id="{E1FD5EB4-586A-FF33-8924-068230D8A9A4}"/>
+              </a:ext>
+            </a:extLst>
+          </p:cNvPr>
+          <p:cNvGrpSpPr/>
+          <p:nvPr/>
+        </p:nvGrpSpPr>
+        <p:grpSpPr>
+          <a:xfrm>
+            <a:off x="4972936" y="2257567"/>
+            <a:ext cx="7117464" cy="3091965"/>
+            <a:chOff x="5079128" y="2117963"/>
+            <a:chExt cx="7117464" cy="3091965"/>
+          </a:xfrm>
+        </p:grpSpPr>
+        <p:sp>
+          <p:nvSpPr>
+            <p:cNvPr id="21" name="TextBox 20">
+              <a:extLst>
+                <a:ext uri="{FF2B5EF4-FFF2-40B4-BE49-F238E27FC236}">
+                  <a16:creationId xmlns:a16="http://schemas.microsoft.com/office/drawing/2014/main" id="{664971D9-FEB3-D2C5-FCEB-1DEBB68A5778}"/>
+                </a:ext>
+              </a:extLst>
+            </p:cNvPr>
+            <p:cNvSpPr txBox="1"/>
+            <p:nvPr/>
+          </p:nvSpPr>
+          <p:spPr>
+            <a:xfrm>
+              <a:off x="7232054" y="2117963"/>
+              <a:ext cx="3213594" cy="369332"/>
+            </a:xfrm>
+            <a:prstGeom prst="rect">
+              <a:avLst/>
+            </a:prstGeom>
+            <a:noFill/>
+          </p:spPr>
+          <p:txBody>
+            <a:bodyPr wrap="square" rtlCol="0">
+              <a:spAutoFit/>
+            </a:bodyPr>
+            <a:lstStyle/>
+            <a:p>
+              <a:pPr algn="ctr"/>
+              <a:r>
+                <a:rPr lang="en-US" dirty="0"/>
+                <a:t>s = −20e-20</a:t>
+              </a:r>
+            </a:p>
+          </p:txBody>
+        </p:sp>
+        <p:pic>
+          <p:nvPicPr>
+            <p:cNvPr id="4110" name="Picture 14">
+              <a:extLst>
+                <a:ext uri="{FF2B5EF4-FFF2-40B4-BE49-F238E27FC236}">
+                  <a16:creationId xmlns:a16="http://schemas.microsoft.com/office/drawing/2014/main" id="{8AB00CEA-1D3A-C687-5D38-922D9420FDDC}"/>
+                </a:ext>
+              </a:extLst>
+            </p:cNvPr>
+            <p:cNvPicPr>
+              <a:picLocks noChangeAspect="1" noChangeArrowheads="1"/>
+            </p:cNvPicPr>
+            <p:nvPr/>
+          </p:nvPicPr>
+          <p:blipFill>
+            <a:blip r:embed="rId6">
+              <a:extLst>
+                <a:ext uri="{28A0092B-C50C-407E-A947-70E740481C1C}">
+                  <a14:useLocalDpi xmlns:a14="http://schemas.microsoft.com/office/drawing/2010/main" val="0"/>
+                </a:ext>
+              </a:extLst>
+            </a:blip>
+            <a:srcRect/>
+            <a:stretch>
+              <a:fillRect/>
+            </a:stretch>
+          </p:blipFill>
+          <p:spPr bwMode="auto">
+            <a:xfrm>
+              <a:off x="5079128" y="2580733"/>
+              <a:ext cx="3579097" cy="2629195"/>
+            </a:xfrm>
+            <a:prstGeom prst="rect">
+              <a:avLst/>
+            </a:prstGeom>
+            <a:noFill/>
+            <a:extLst>
+              <a:ext uri="{909E8E84-426E-40DD-AFC4-6F175D3DCCD1}">
+                <a14:hiddenFill xmlns:a14="http://schemas.microsoft.com/office/drawing/2010/main">
+                  <a:solidFill>
+                    <a:srgbClr val="FFFFFF"/>
+                  </a:solidFill>
+                </a14:hiddenFill>
+              </a:ext>
+            </a:extLst>
+          </p:spPr>
+        </p:pic>
+        <p:pic>
+          <p:nvPicPr>
+            <p:cNvPr id="4112" name="Picture 16">
+              <a:extLst>
+                <a:ext uri="{FF2B5EF4-FFF2-40B4-BE49-F238E27FC236}">
+                  <a16:creationId xmlns:a16="http://schemas.microsoft.com/office/drawing/2014/main" id="{F6BE39ED-D089-0B06-354D-78E31B723F79}"/>
+                </a:ext>
+              </a:extLst>
+            </p:cNvPr>
+            <p:cNvPicPr>
+              <a:picLocks noChangeAspect="1" noChangeArrowheads="1"/>
+            </p:cNvPicPr>
+            <p:nvPr/>
+          </p:nvPicPr>
+          <p:blipFill>
+            <a:blip r:embed="rId7">
+              <a:extLst>
+                <a:ext uri="{28A0092B-C50C-407E-A947-70E740481C1C}">
+                  <a14:useLocalDpi xmlns:a14="http://schemas.microsoft.com/office/drawing/2010/main" val="0"/>
+                </a:ext>
+              </a:extLst>
+            </a:blip>
+            <a:srcRect/>
+            <a:stretch>
+              <a:fillRect/>
+            </a:stretch>
+          </p:blipFill>
+          <p:spPr bwMode="auto">
+            <a:xfrm>
+              <a:off x="8694704" y="2532065"/>
+              <a:ext cx="3501888" cy="2629195"/>
+            </a:xfrm>
+            <a:prstGeom prst="rect">
+              <a:avLst/>
+            </a:prstGeom>
+            <a:noFill/>
+            <a:extLst>
+              <a:ext uri="{909E8E84-426E-40DD-AFC4-6F175D3DCCD1}">
+                <a14:hiddenFill xmlns:a14="http://schemas.microsoft.com/office/drawing/2010/main">
+                  <a:solidFill>
+                    <a:srgbClr val="FFFFFF"/>
+                  </a:solidFill>
+                </a14:hiddenFill>
+              </a:ext>
+            </a:extLst>
+          </p:spPr>
+        </p:pic>
+        <p:sp>
+          <p:nvSpPr>
+            <p:cNvPr id="22" name="Rectangle 21">
+              <a:extLst>
+                <a:ext uri="{FF2B5EF4-FFF2-40B4-BE49-F238E27FC236}">
+                  <a16:creationId xmlns:a16="http://schemas.microsoft.com/office/drawing/2014/main" id="{A1868C48-3E08-0544-536B-17A2A58F7BB2}"/>
+                </a:ext>
+              </a:extLst>
+            </p:cNvPr>
+            <p:cNvSpPr/>
+            <p:nvPr/>
+          </p:nvSpPr>
+          <p:spPr>
+            <a:xfrm>
+              <a:off x="8560595" y="2600264"/>
+              <a:ext cx="73818" cy="2152711"/>
+            </a:xfrm>
+            <a:prstGeom prst="rect">
+              <a:avLst/>
+            </a:prstGeom>
+            <a:noFill/>
+            <a:ln w="19050">
+              <a:solidFill>
+                <a:srgbClr val="FF0000"/>
+              </a:solidFill>
+            </a:ln>
+          </p:spPr>
+          <p:style>
+            <a:lnRef idx="2">
+              <a:schemeClr val="accent1">
+                <a:shade val="15000"/>
+              </a:schemeClr>
+            </a:lnRef>
+            <a:fillRef idx="1">
+              <a:schemeClr val="accent1"/>
+            </a:fillRef>
+            <a:effectRef idx="0">
+              <a:schemeClr val="accent1"/>
+            </a:effectRef>
+            <a:fontRef idx="minor">
+              <a:schemeClr val="lt1"/>
+            </a:fontRef>
+          </p:style>
+          <p:txBody>
+            <a:bodyPr rtlCol="0" anchor="ctr"/>
+            <a:lstStyle/>
+            <a:p>
+              <a:pPr algn="ctr"/>
+              <a:endParaRPr lang="en-US"/>
+            </a:p>
+          </p:txBody>
+        </p:sp>
+      </p:grpSp>
+    </p:spTree>
+    <p:extLst>
+      <p:ext uri="{BB962C8B-B14F-4D97-AF65-F5344CB8AC3E}">
+        <p14:creationId xmlns:p14="http://schemas.microsoft.com/office/powerpoint/2010/main" val="2267607462"/>
+      </p:ext>
+    </p:extLst>
+  </p:cSld>
+  <p:clrMapOvr>
+    <a:masterClrMapping/>
+  </p:clrMapOvr>
+</p:sld>
+</file>
+
+<file path=ppt/slides/slide11.xml><?xml version="1.0" encoding="utf-8"?>
+<p:sld xmlns:a="http://schemas.openxmlformats.org/drawingml/2006/main" xmlns:r="http://schemas.openxmlformats.org/officeDocument/2006/relationships" xmlns:p="http://schemas.openxmlformats.org/presentationml/2006/main">
+  <p:cSld>
+    <p:spTree>
+      <p:nvGrpSpPr>
+        <p:cNvPr id="1" name=""/>
+        <p:cNvGrpSpPr/>
+        <p:nvPr/>
+      </p:nvGrpSpPr>
+      <p:grpSpPr>
+        <a:xfrm>
+          <a:off x="0" y="0"/>
+          <a:ext cx="0" cy="0"/>
+          <a:chOff x="0" y="0"/>
+          <a:chExt cx="0" cy="0"/>
+        </a:xfrm>
+      </p:grpSpPr>
+      <p:sp>
+        <p:nvSpPr>
+          <p:cNvPr id="2" name="Title 1">
+            <a:extLst>
+              <a:ext uri="{FF2B5EF4-FFF2-40B4-BE49-F238E27FC236}">
+                <a16:creationId xmlns:a16="http://schemas.microsoft.com/office/drawing/2014/main" id="{51EE6E43-0725-3B88-DC7A-CB09649B4EBD}"/>
+              </a:ext>
+            </a:extLst>
+          </p:cNvPr>
+          <p:cNvSpPr>
+            <a:spLocks noGrp="1"/>
+          </p:cNvSpPr>
+          <p:nvPr>
+            <p:ph type="title"/>
+          </p:nvPr>
+        </p:nvSpPr>
+        <p:spPr>
+          <a:xfrm>
+            <a:off x="0" y="136525"/>
+            <a:ext cx="11480800" cy="800128"/>
+          </a:xfrm>
+        </p:spPr>
+        <p:txBody>
+          <a:bodyPr>
+            <a:normAutofit fontScale="90000"/>
+          </a:bodyPr>
+          <a:lstStyle/>
+          <a:p>
+            <a:r>
+              <a:rPr lang="en-US" dirty="0"/>
+              <a:t>Uneven grid + homo “polymer” (neg/pos surf)</a:t>
+            </a:r>
+          </a:p>
+        </p:txBody>
+      </p:sp>
+      <p:sp>
+        <p:nvSpPr>
+          <p:cNvPr id="3" name="Slide Number Placeholder 2">
+            <a:extLst>
+              <a:ext uri="{FF2B5EF4-FFF2-40B4-BE49-F238E27FC236}">
+                <a16:creationId xmlns:a16="http://schemas.microsoft.com/office/drawing/2014/main" id="{86729100-60DF-93DD-FE95-4A614BBCF0F1}"/>
+              </a:ext>
+            </a:extLst>
+          </p:cNvPr>
+          <p:cNvSpPr>
+            <a:spLocks noGrp="1"/>
+          </p:cNvSpPr>
+          <p:nvPr>
+            <p:ph type="sldNum" sz="quarter" idx="12"/>
+          </p:nvPr>
+        </p:nvSpPr>
+        <p:spPr/>
+        <p:txBody>
+          <a:bodyPr/>
+          <a:lstStyle/>
+          <a:p>
+            <a:fld id="{5911C0E6-D9CE-431C-92CB-BB39B872F930}" type="slidenum">
+              <a:rPr lang="en-US" smtClean="0"/>
+              <a:t>11</a:t>
+            </a:fld>
+            <a:endParaRPr lang="en-US"/>
+          </a:p>
+        </p:txBody>
+      </p:sp>
+      <p:grpSp>
+        <p:nvGrpSpPr>
+          <p:cNvPr id="41" name="Group 40">
+            <a:extLst>
+              <a:ext uri="{FF2B5EF4-FFF2-40B4-BE49-F238E27FC236}">
+                <a16:creationId xmlns:a16="http://schemas.microsoft.com/office/drawing/2014/main" id="{3AA0B2CA-305D-0102-6853-106CFC8B0CD8}"/>
+              </a:ext>
+            </a:extLst>
+          </p:cNvPr>
+          <p:cNvGrpSpPr/>
+          <p:nvPr/>
+        </p:nvGrpSpPr>
+        <p:grpSpPr>
+          <a:xfrm>
+            <a:off x="38100" y="1216437"/>
+            <a:ext cx="4043015" cy="5029791"/>
+            <a:chOff x="2594" y="1399811"/>
+            <a:chExt cx="4043015" cy="5029791"/>
+          </a:xfrm>
+        </p:grpSpPr>
+        <p:pic>
+          <p:nvPicPr>
+            <p:cNvPr id="3098" name="Picture 26">
+              <a:extLst>
+                <a:ext uri="{FF2B5EF4-FFF2-40B4-BE49-F238E27FC236}">
+                  <a16:creationId xmlns:a16="http://schemas.microsoft.com/office/drawing/2014/main" id="{7AD77E36-B196-31B3-9EDE-249884DE59EA}"/>
+                </a:ext>
+              </a:extLst>
+            </p:cNvPr>
+            <p:cNvPicPr>
+              <a:picLocks noChangeAspect="1" noChangeArrowheads="1"/>
+            </p:cNvPicPr>
+            <p:nvPr/>
+          </p:nvPicPr>
+          <p:blipFill>
+            <a:blip r:embed="rId2">
+              <a:extLst>
+                <a:ext uri="{28A0092B-C50C-407E-A947-70E740481C1C}">
+                  <a14:useLocalDpi xmlns:a14="http://schemas.microsoft.com/office/drawing/2010/main" val="0"/>
+                </a:ext>
+              </a:extLst>
+            </a:blip>
+            <a:srcRect/>
+            <a:stretch>
+              <a:fillRect/>
+            </a:stretch>
+          </p:blipFill>
+          <p:spPr bwMode="auto">
+            <a:xfrm>
+              <a:off x="11948" y="1741661"/>
+              <a:ext cx="3032261" cy="1862368"/>
+            </a:xfrm>
+            <a:prstGeom prst="rect">
+              <a:avLst/>
+            </a:prstGeom>
+            <a:noFill/>
+            <a:extLst>
+              <a:ext uri="{909E8E84-426E-40DD-AFC4-6F175D3DCCD1}">
+                <a14:hiddenFill xmlns:a14="http://schemas.microsoft.com/office/drawing/2010/main">
+                  <a:solidFill>
+                    <a:srgbClr val="FFFFFF"/>
+                  </a:solidFill>
+                </a14:hiddenFill>
+              </a:ext>
+            </a:extLst>
+          </p:spPr>
+        </p:pic>
+        <p:sp>
+          <p:nvSpPr>
+            <p:cNvPr id="4" name="TextBox 3">
+              <a:extLst>
+                <a:ext uri="{FF2B5EF4-FFF2-40B4-BE49-F238E27FC236}">
+                  <a16:creationId xmlns:a16="http://schemas.microsoft.com/office/drawing/2014/main" id="{10EAA61F-C9A7-2F94-8192-BDE86166A5F8}"/>
+                </a:ext>
+              </a:extLst>
+            </p:cNvPr>
+            <p:cNvSpPr txBox="1"/>
+            <p:nvPr/>
+          </p:nvSpPr>
+          <p:spPr>
+            <a:xfrm>
+              <a:off x="531494" y="1399811"/>
+              <a:ext cx="2032000" cy="369332"/>
+            </a:xfrm>
+            <a:prstGeom prst="rect">
+              <a:avLst/>
+            </a:prstGeom>
+            <a:noFill/>
+          </p:spPr>
+          <p:txBody>
+            <a:bodyPr wrap="square" rtlCol="0">
+              <a:spAutoFit/>
+            </a:bodyPr>
+            <a:lstStyle/>
+            <a:p>
+              <a:pPr algn="ctr"/>
+              <a:r>
+                <a:rPr lang="en-US" dirty="0"/>
+                <a:t>s = −1e-20</a:t>
+              </a:r>
+            </a:p>
+          </p:txBody>
+        </p:sp>
+        <p:pic>
+          <p:nvPicPr>
+            <p:cNvPr id="8" name="Picture 2">
+              <a:extLst>
+                <a:ext uri="{FF2B5EF4-FFF2-40B4-BE49-F238E27FC236}">
+                  <a16:creationId xmlns:a16="http://schemas.microsoft.com/office/drawing/2014/main" id="{7C2BBEAC-412B-E65E-4C06-8C8C2CEB96EE}"/>
+                </a:ext>
+              </a:extLst>
+            </p:cNvPr>
+            <p:cNvPicPr>
+              <a:picLocks noChangeAspect="1" noChangeArrowheads="1"/>
+            </p:cNvPicPr>
+            <p:nvPr/>
+          </p:nvPicPr>
+          <p:blipFill>
+            <a:blip r:embed="rId3">
+              <a:extLst>
+                <a:ext uri="{28A0092B-C50C-407E-A947-70E740481C1C}">
+                  <a14:useLocalDpi xmlns:a14="http://schemas.microsoft.com/office/drawing/2010/main" val="0"/>
+                </a:ext>
+              </a:extLst>
+            </a:blip>
+            <a:srcRect/>
+            <a:stretch>
+              <a:fillRect/>
+            </a:stretch>
+          </p:blipFill>
+          <p:spPr bwMode="auto">
+            <a:xfrm>
+              <a:off x="2594" y="4116961"/>
+              <a:ext cx="4043015" cy="1862368"/>
+            </a:xfrm>
+            <a:prstGeom prst="rect">
+              <a:avLst/>
+            </a:prstGeom>
+            <a:noFill/>
+            <a:extLst>
+              <a:ext uri="{909E8E84-426E-40DD-AFC4-6F175D3DCCD1}">
+                <a14:hiddenFill xmlns:a14="http://schemas.microsoft.com/office/drawing/2010/main">
+                  <a:solidFill>
+                    <a:srgbClr val="FFFFFF"/>
+                  </a:solidFill>
+                </a14:hiddenFill>
+              </a:ext>
+            </a:extLst>
+          </p:spPr>
+        </p:pic>
+        <p:sp>
+          <p:nvSpPr>
+            <p:cNvPr id="9" name="TextBox 8">
+              <a:extLst>
+                <a:ext uri="{FF2B5EF4-FFF2-40B4-BE49-F238E27FC236}">
+                  <a16:creationId xmlns:a16="http://schemas.microsoft.com/office/drawing/2014/main" id="{D1B07469-E52A-F2DA-DE11-1149B5990346}"/>
+                </a:ext>
+              </a:extLst>
+            </p:cNvPr>
+            <p:cNvSpPr txBox="1"/>
+            <p:nvPr/>
+          </p:nvSpPr>
+          <p:spPr>
+            <a:xfrm>
+              <a:off x="511297" y="3786815"/>
+              <a:ext cx="2066486" cy="375600"/>
+            </a:xfrm>
+            <a:prstGeom prst="rect">
+              <a:avLst/>
+            </a:prstGeom>
+            <a:noFill/>
+          </p:spPr>
+          <p:txBody>
+            <a:bodyPr wrap="square" rtlCol="0">
+              <a:spAutoFit/>
+            </a:bodyPr>
+            <a:lstStyle/>
+            <a:p>
+              <a:pPr algn="ctr"/>
+              <a:r>
+                <a:rPr lang="en-US" dirty="0"/>
+                <a:t>s = +1e-20</a:t>
+              </a:r>
+            </a:p>
+          </p:txBody>
+        </p:sp>
+        <p:cxnSp>
+          <p:nvCxnSpPr>
+            <p:cNvPr id="10" name="Straight Connector 9">
+              <a:extLst>
+                <a:ext uri="{FF2B5EF4-FFF2-40B4-BE49-F238E27FC236}">
+                  <a16:creationId xmlns:a16="http://schemas.microsoft.com/office/drawing/2014/main" id="{484806ED-8471-FA2C-B8D3-0461A19634EF}"/>
+                </a:ext>
+              </a:extLst>
+            </p:cNvPr>
+            <p:cNvCxnSpPr>
+              <a:cxnSpLocks/>
+            </p:cNvCxnSpPr>
+            <p:nvPr/>
+          </p:nvCxnSpPr>
+          <p:spPr>
+            <a:xfrm>
+              <a:off x="2089657" y="1801104"/>
+              <a:ext cx="0" cy="3961521"/>
+            </a:xfrm>
+            <a:prstGeom prst="line">
+              <a:avLst/>
+            </a:prstGeom>
+            <a:ln w="19050">
+              <a:solidFill>
+                <a:schemeClr val="tx1"/>
+              </a:solidFill>
+            </a:ln>
+          </p:spPr>
+          <p:style>
+            <a:lnRef idx="1">
+              <a:schemeClr val="accent1"/>
+            </a:lnRef>
+            <a:fillRef idx="0">
+              <a:schemeClr val="accent1"/>
+            </a:fillRef>
+            <a:effectRef idx="0">
+              <a:schemeClr val="accent1"/>
+            </a:effectRef>
+            <a:fontRef idx="minor">
+              <a:schemeClr val="tx1"/>
+            </a:fontRef>
+          </p:style>
+        </p:cxnSp>
+        <p:sp>
+          <p:nvSpPr>
+            <p:cNvPr id="14" name="TextBox 13">
+              <a:extLst>
+                <a:ext uri="{FF2B5EF4-FFF2-40B4-BE49-F238E27FC236}">
+                  <a16:creationId xmlns:a16="http://schemas.microsoft.com/office/drawing/2014/main" id="{743E073F-6E9D-9A14-91D1-B6026BD55BB3}"/>
+                </a:ext>
+              </a:extLst>
+            </p:cNvPr>
+            <p:cNvSpPr txBox="1"/>
+            <p:nvPr/>
+          </p:nvSpPr>
+          <p:spPr>
+            <a:xfrm>
+              <a:off x="1910309" y="5897502"/>
+              <a:ext cx="918664" cy="532100"/>
+            </a:xfrm>
+            <a:prstGeom prst="rect">
+              <a:avLst/>
+            </a:prstGeom>
+            <a:noFill/>
+          </p:spPr>
+          <p:txBody>
+            <a:bodyPr wrap="square" rtlCol="0">
+              <a:spAutoFit/>
+            </a:bodyPr>
+            <a:lstStyle/>
+            <a:p>
+              <a:pPr algn="ctr"/>
+              <a:r>
+                <a:rPr lang="en-US" sz="1400" dirty="0"/>
+                <a:t>Homo charge</a:t>
+              </a:r>
+            </a:p>
+          </p:txBody>
+        </p:sp>
+      </p:grpSp>
+      <p:grpSp>
+        <p:nvGrpSpPr>
+          <p:cNvPr id="42" name="Group 41">
+            <a:extLst>
+              <a:ext uri="{FF2B5EF4-FFF2-40B4-BE49-F238E27FC236}">
+                <a16:creationId xmlns:a16="http://schemas.microsoft.com/office/drawing/2014/main" id="{A6641566-DD5F-69AA-C2D0-D168E4C884B4}"/>
+              </a:ext>
+            </a:extLst>
+          </p:cNvPr>
+          <p:cNvGrpSpPr/>
+          <p:nvPr/>
+        </p:nvGrpSpPr>
+        <p:grpSpPr>
+          <a:xfrm>
+            <a:off x="4070849" y="1216437"/>
+            <a:ext cx="4043016" cy="5040230"/>
+            <a:chOff x="4005811" y="1396741"/>
+            <a:chExt cx="4043016" cy="5040230"/>
+          </a:xfrm>
+        </p:grpSpPr>
+        <p:pic>
+          <p:nvPicPr>
+            <p:cNvPr id="3100" name="Picture 28">
+              <a:extLst>
+                <a:ext uri="{FF2B5EF4-FFF2-40B4-BE49-F238E27FC236}">
+                  <a16:creationId xmlns:a16="http://schemas.microsoft.com/office/drawing/2014/main" id="{3A758434-8039-8F74-A1C7-B5FA9614407D}"/>
+                </a:ext>
+              </a:extLst>
+            </p:cNvPr>
+            <p:cNvPicPr>
+              <a:picLocks noChangeAspect="1" noChangeArrowheads="1"/>
+            </p:cNvPicPr>
+            <p:nvPr/>
+          </p:nvPicPr>
+          <p:blipFill>
+            <a:blip r:embed="rId4">
+              <a:extLst>
+                <a:ext uri="{28A0092B-C50C-407E-A947-70E740481C1C}">
+                  <a14:useLocalDpi xmlns:a14="http://schemas.microsoft.com/office/drawing/2010/main" val="0"/>
+                </a:ext>
+              </a:extLst>
+            </a:blip>
+            <a:srcRect/>
+            <a:stretch>
+              <a:fillRect/>
+            </a:stretch>
+          </p:blipFill>
+          <p:spPr bwMode="auto">
+            <a:xfrm>
+              <a:off x="4016077" y="1731041"/>
+              <a:ext cx="3032262" cy="1862368"/>
+            </a:xfrm>
+            <a:prstGeom prst="rect">
+              <a:avLst/>
+            </a:prstGeom>
+            <a:noFill/>
+            <a:extLst>
+              <a:ext uri="{909E8E84-426E-40DD-AFC4-6F175D3DCCD1}">
+                <a14:hiddenFill xmlns:a14="http://schemas.microsoft.com/office/drawing/2010/main">
+                  <a:solidFill>
+                    <a:srgbClr val="FFFFFF"/>
+                  </a:solidFill>
+                </a14:hiddenFill>
+              </a:ext>
+            </a:extLst>
+          </p:spPr>
+        </p:pic>
+        <p:sp>
+          <p:nvSpPr>
+            <p:cNvPr id="11" name="TextBox 10">
+              <a:extLst>
+                <a:ext uri="{FF2B5EF4-FFF2-40B4-BE49-F238E27FC236}">
+                  <a16:creationId xmlns:a16="http://schemas.microsoft.com/office/drawing/2014/main" id="{6942C621-68DF-33B8-5F7B-2CC583A193D5}"/>
+                </a:ext>
+              </a:extLst>
+            </p:cNvPr>
+            <p:cNvSpPr txBox="1"/>
+            <p:nvPr/>
+          </p:nvSpPr>
+          <p:spPr>
+            <a:xfrm>
+              <a:off x="4534665" y="1396741"/>
+              <a:ext cx="2032000" cy="369332"/>
+            </a:xfrm>
+            <a:prstGeom prst="rect">
+              <a:avLst/>
+            </a:prstGeom>
+            <a:noFill/>
+          </p:spPr>
+          <p:txBody>
+            <a:bodyPr wrap="square" rtlCol="0">
+              <a:spAutoFit/>
+            </a:bodyPr>
+            <a:lstStyle/>
+            <a:p>
+              <a:pPr algn="ctr"/>
+              <a:r>
+                <a:rPr lang="en-US" dirty="0"/>
+                <a:t>s = −5e-20</a:t>
+              </a:r>
+            </a:p>
+          </p:txBody>
+        </p:sp>
+        <p:pic>
+          <p:nvPicPr>
+            <p:cNvPr id="16" name="Picture 4">
+              <a:extLst>
+                <a:ext uri="{FF2B5EF4-FFF2-40B4-BE49-F238E27FC236}">
+                  <a16:creationId xmlns:a16="http://schemas.microsoft.com/office/drawing/2014/main" id="{AFB2799D-062A-8A7A-8981-71709FFF4142}"/>
+                </a:ext>
+              </a:extLst>
+            </p:cNvPr>
+            <p:cNvPicPr>
+              <a:picLocks noChangeAspect="1" noChangeArrowheads="1"/>
+            </p:cNvPicPr>
+            <p:nvPr/>
+          </p:nvPicPr>
+          <p:blipFill>
+            <a:blip r:embed="rId5">
+              <a:extLst>
+                <a:ext uri="{28A0092B-C50C-407E-A947-70E740481C1C}">
+                  <a14:useLocalDpi xmlns:a14="http://schemas.microsoft.com/office/drawing/2010/main" val="0"/>
+                </a:ext>
+              </a:extLst>
+            </a:blip>
+            <a:srcRect/>
+            <a:stretch>
+              <a:fillRect/>
+            </a:stretch>
+          </p:blipFill>
+          <p:spPr bwMode="auto">
+            <a:xfrm>
+              <a:off x="4005811" y="4116961"/>
+              <a:ext cx="4043016" cy="1862368"/>
+            </a:xfrm>
+            <a:prstGeom prst="rect">
+              <a:avLst/>
+            </a:prstGeom>
+            <a:noFill/>
+            <a:extLst>
+              <a:ext uri="{909E8E84-426E-40DD-AFC4-6F175D3DCCD1}">
+                <a14:hiddenFill xmlns:a14="http://schemas.microsoft.com/office/drawing/2010/main">
+                  <a:solidFill>
+                    <a:srgbClr val="FFFFFF"/>
+                  </a:solidFill>
+                </a14:hiddenFill>
+              </a:ext>
+            </a:extLst>
+          </p:spPr>
+        </p:pic>
+        <p:sp>
+          <p:nvSpPr>
+            <p:cNvPr id="23" name="TextBox 22">
+              <a:extLst>
+                <a:ext uri="{FF2B5EF4-FFF2-40B4-BE49-F238E27FC236}">
+                  <a16:creationId xmlns:a16="http://schemas.microsoft.com/office/drawing/2014/main" id="{D9435957-E2B9-1C82-3B69-D3EFAC94CD69}"/>
+                </a:ext>
+              </a:extLst>
+            </p:cNvPr>
+            <p:cNvSpPr txBox="1"/>
+            <p:nvPr/>
+          </p:nvSpPr>
+          <p:spPr>
+            <a:xfrm>
+              <a:off x="4518063" y="3753433"/>
+              <a:ext cx="2048602" cy="372350"/>
+            </a:xfrm>
+            <a:prstGeom prst="rect">
+              <a:avLst/>
+            </a:prstGeom>
+            <a:noFill/>
+          </p:spPr>
+          <p:txBody>
+            <a:bodyPr wrap="square" rtlCol="0">
+              <a:spAutoFit/>
+            </a:bodyPr>
+            <a:lstStyle/>
+            <a:p>
+              <a:pPr algn="ctr"/>
+              <a:r>
+                <a:rPr lang="en-US" dirty="0"/>
+                <a:t>s = +5e-20</a:t>
+              </a:r>
+            </a:p>
+          </p:txBody>
+        </p:sp>
+        <p:cxnSp>
+          <p:nvCxnSpPr>
+            <p:cNvPr id="24" name="Straight Connector 23">
+              <a:extLst>
+                <a:ext uri="{FF2B5EF4-FFF2-40B4-BE49-F238E27FC236}">
+                  <a16:creationId xmlns:a16="http://schemas.microsoft.com/office/drawing/2014/main" id="{CC973081-85A4-087A-99E6-2DE0E3571307}"/>
+                </a:ext>
+              </a:extLst>
+            </p:cNvPr>
+            <p:cNvCxnSpPr>
+              <a:cxnSpLocks/>
+            </p:cNvCxnSpPr>
+            <p:nvPr/>
+          </p:nvCxnSpPr>
+          <p:spPr>
+            <a:xfrm>
+              <a:off x="6086475" y="1801104"/>
+              <a:ext cx="0" cy="3961521"/>
+            </a:xfrm>
+            <a:prstGeom prst="line">
+              <a:avLst/>
+            </a:prstGeom>
+            <a:ln w="19050">
+              <a:solidFill>
+                <a:schemeClr val="tx1"/>
+              </a:solidFill>
+            </a:ln>
+          </p:spPr>
+          <p:style>
+            <a:lnRef idx="1">
+              <a:schemeClr val="accent1"/>
+            </a:lnRef>
+            <a:fillRef idx="0">
+              <a:schemeClr val="accent1"/>
+            </a:fillRef>
+            <a:effectRef idx="0">
+              <a:schemeClr val="accent1"/>
+            </a:effectRef>
+            <a:fontRef idx="minor">
+              <a:schemeClr val="tx1"/>
+            </a:fontRef>
+          </p:style>
+        </p:cxnSp>
+        <p:sp>
+          <p:nvSpPr>
+            <p:cNvPr id="25" name="TextBox 24">
+              <a:extLst>
+                <a:ext uri="{FF2B5EF4-FFF2-40B4-BE49-F238E27FC236}">
+                  <a16:creationId xmlns:a16="http://schemas.microsoft.com/office/drawing/2014/main" id="{71F8F801-BC9C-F6E3-E4E6-36591D8E991A}"/>
+                </a:ext>
+              </a:extLst>
+            </p:cNvPr>
+            <p:cNvSpPr txBox="1"/>
+            <p:nvPr/>
+          </p:nvSpPr>
+          <p:spPr>
+            <a:xfrm>
+              <a:off x="5905165" y="5909476"/>
+              <a:ext cx="910713" cy="527495"/>
+            </a:xfrm>
+            <a:prstGeom prst="rect">
+              <a:avLst/>
+            </a:prstGeom>
+            <a:noFill/>
+          </p:spPr>
+          <p:txBody>
+            <a:bodyPr wrap="square" rtlCol="0">
+              <a:spAutoFit/>
+            </a:bodyPr>
+            <a:lstStyle/>
+            <a:p>
+              <a:pPr algn="ctr"/>
+              <a:r>
+                <a:rPr lang="en-US" sz="1400" dirty="0"/>
+                <a:t>Homo charge</a:t>
+              </a:r>
+            </a:p>
+          </p:txBody>
+        </p:sp>
+      </p:grpSp>
+      <p:grpSp>
+        <p:nvGrpSpPr>
+          <p:cNvPr id="44" name="Group 43">
+            <a:extLst>
+              <a:ext uri="{FF2B5EF4-FFF2-40B4-BE49-F238E27FC236}">
+                <a16:creationId xmlns:a16="http://schemas.microsoft.com/office/drawing/2014/main" id="{153BA095-2AE5-BF87-E89E-F3A8CC9B0A7A}"/>
+              </a:ext>
+            </a:extLst>
+          </p:cNvPr>
+          <p:cNvGrpSpPr/>
+          <p:nvPr/>
+        </p:nvGrpSpPr>
+        <p:grpSpPr>
+          <a:xfrm>
+            <a:off x="8063397" y="1251542"/>
+            <a:ext cx="4043016" cy="5015524"/>
+            <a:chOff x="8025028" y="1399811"/>
+            <a:chExt cx="4043016" cy="5015524"/>
+          </a:xfrm>
+        </p:grpSpPr>
+        <p:pic>
+          <p:nvPicPr>
+            <p:cNvPr id="3106" name="Picture 34">
+              <a:extLst>
+                <a:ext uri="{FF2B5EF4-FFF2-40B4-BE49-F238E27FC236}">
+                  <a16:creationId xmlns:a16="http://schemas.microsoft.com/office/drawing/2014/main" id="{B5062D8F-CDFF-67E4-0C01-A5B1144E63EA}"/>
+                </a:ext>
+              </a:extLst>
+            </p:cNvPr>
+            <p:cNvPicPr>
+              <a:picLocks noChangeAspect="1" noChangeArrowheads="1"/>
+            </p:cNvPicPr>
+            <p:nvPr/>
+          </p:nvPicPr>
+          <p:blipFill>
+            <a:blip r:embed="rId6">
+              <a:extLst>
+                <a:ext uri="{28A0092B-C50C-407E-A947-70E740481C1C}">
+                  <a14:useLocalDpi xmlns:a14="http://schemas.microsoft.com/office/drawing/2010/main" val="0"/>
+                </a:ext>
+              </a:extLst>
+            </a:blip>
+            <a:srcRect/>
+            <a:stretch>
+              <a:fillRect/>
+            </a:stretch>
+          </p:blipFill>
+          <p:spPr bwMode="auto">
+            <a:xfrm>
+              <a:off x="8066892" y="1760932"/>
+              <a:ext cx="3032260" cy="1862367"/>
+            </a:xfrm>
+            <a:prstGeom prst="rect">
+              <a:avLst/>
+            </a:prstGeom>
+            <a:noFill/>
+            <a:extLst>
+              <a:ext uri="{909E8E84-426E-40DD-AFC4-6F175D3DCCD1}">
+                <a14:hiddenFill xmlns:a14="http://schemas.microsoft.com/office/drawing/2010/main">
+                  <a:solidFill>
+                    <a:srgbClr val="FFFFFF"/>
+                  </a:solidFill>
+                </a14:hiddenFill>
+              </a:ext>
+            </a:extLst>
+          </p:spPr>
+        </p:pic>
+        <p:sp>
+          <p:nvSpPr>
+            <p:cNvPr id="19" name="TextBox 18">
+              <a:extLst>
+                <a:ext uri="{FF2B5EF4-FFF2-40B4-BE49-F238E27FC236}">
+                  <a16:creationId xmlns:a16="http://schemas.microsoft.com/office/drawing/2014/main" id="{E90F31E7-15E3-E10F-8DC8-922EDA6C6D73}"/>
+                </a:ext>
+              </a:extLst>
+            </p:cNvPr>
+            <p:cNvSpPr txBox="1"/>
+            <p:nvPr/>
+          </p:nvSpPr>
+          <p:spPr>
+            <a:xfrm>
+              <a:off x="8610600" y="1399811"/>
+              <a:ext cx="2032000" cy="369332"/>
+            </a:xfrm>
+            <a:prstGeom prst="rect">
+              <a:avLst/>
+            </a:prstGeom>
+            <a:noFill/>
+          </p:spPr>
+          <p:txBody>
+            <a:bodyPr wrap="square" rtlCol="0">
+              <a:spAutoFit/>
+            </a:bodyPr>
+            <a:lstStyle/>
+            <a:p>
+              <a:pPr algn="ctr"/>
+              <a:r>
+                <a:rPr lang="en-US" dirty="0"/>
+                <a:t>s = −10e-20</a:t>
+              </a:r>
+            </a:p>
+          </p:txBody>
+        </p:sp>
+        <p:pic>
+          <p:nvPicPr>
+            <p:cNvPr id="27" name="Picture 6">
+              <a:extLst>
+                <a:ext uri="{FF2B5EF4-FFF2-40B4-BE49-F238E27FC236}">
+                  <a16:creationId xmlns:a16="http://schemas.microsoft.com/office/drawing/2014/main" id="{48F6D043-A69D-8932-0D21-8E9DE329B15B}"/>
+                </a:ext>
+              </a:extLst>
+            </p:cNvPr>
+            <p:cNvPicPr>
+              <a:picLocks noChangeAspect="1" noChangeArrowheads="1"/>
+            </p:cNvPicPr>
+            <p:nvPr/>
+          </p:nvPicPr>
+          <p:blipFill>
+            <a:blip r:embed="rId7">
+              <a:extLst>
+                <a:ext uri="{28A0092B-C50C-407E-A947-70E740481C1C}">
+                  <a14:useLocalDpi xmlns:a14="http://schemas.microsoft.com/office/drawing/2010/main" val="0"/>
+                </a:ext>
+              </a:extLst>
+            </a:blip>
+            <a:srcRect/>
+            <a:stretch>
+              <a:fillRect/>
+            </a:stretch>
+          </p:blipFill>
+          <p:spPr bwMode="auto">
+            <a:xfrm>
+              <a:off x="8025028" y="4133798"/>
+              <a:ext cx="4043016" cy="1829285"/>
+            </a:xfrm>
+            <a:prstGeom prst="rect">
+              <a:avLst/>
+            </a:prstGeom>
+            <a:noFill/>
+            <a:extLst>
+              <a:ext uri="{909E8E84-426E-40DD-AFC4-6F175D3DCCD1}">
+                <a14:hiddenFill xmlns:a14="http://schemas.microsoft.com/office/drawing/2010/main">
+                  <a:solidFill>
+                    <a:srgbClr val="FFFFFF"/>
+                  </a:solidFill>
+                </a14:hiddenFill>
+              </a:ext>
+            </a:extLst>
+          </p:spPr>
+        </p:pic>
+        <p:sp>
+          <p:nvSpPr>
+            <p:cNvPr id="28" name="TextBox 27">
+              <a:extLst>
+                <a:ext uri="{FF2B5EF4-FFF2-40B4-BE49-F238E27FC236}">
+                  <a16:creationId xmlns:a16="http://schemas.microsoft.com/office/drawing/2014/main" id="{DFB5647D-51CD-F09B-37DC-533C823D4678}"/>
+                </a:ext>
+              </a:extLst>
+            </p:cNvPr>
+            <p:cNvSpPr txBox="1"/>
+            <p:nvPr/>
+          </p:nvSpPr>
+          <p:spPr>
+            <a:xfrm>
+              <a:off x="8818077" y="3780766"/>
+              <a:ext cx="1740488" cy="316347"/>
+            </a:xfrm>
+            <a:prstGeom prst="rect">
+              <a:avLst/>
+            </a:prstGeom>
+            <a:noFill/>
+          </p:spPr>
+          <p:txBody>
+            <a:bodyPr wrap="square" rtlCol="0">
+              <a:spAutoFit/>
+            </a:bodyPr>
+            <a:lstStyle/>
+            <a:p>
+              <a:pPr algn="ctr"/>
+              <a:r>
+                <a:rPr lang="en-US" dirty="0"/>
+                <a:t>s = +10e-20</a:t>
+              </a:r>
+            </a:p>
+          </p:txBody>
+        </p:sp>
+        <p:cxnSp>
+          <p:nvCxnSpPr>
+            <p:cNvPr id="29" name="Straight Connector 28">
+              <a:extLst>
+                <a:ext uri="{FF2B5EF4-FFF2-40B4-BE49-F238E27FC236}">
+                  <a16:creationId xmlns:a16="http://schemas.microsoft.com/office/drawing/2014/main" id="{B980E16F-FBEE-D204-A7FD-95EE2E0A02B5}"/>
+                </a:ext>
+              </a:extLst>
+            </p:cNvPr>
+            <p:cNvCxnSpPr>
+              <a:cxnSpLocks/>
+            </p:cNvCxnSpPr>
+            <p:nvPr/>
+          </p:nvCxnSpPr>
+          <p:spPr>
+            <a:xfrm>
+              <a:off x="10142386" y="1834882"/>
+              <a:ext cx="0" cy="3935009"/>
+            </a:xfrm>
+            <a:prstGeom prst="line">
+              <a:avLst/>
+            </a:prstGeom>
+            <a:ln w="19050">
+              <a:solidFill>
+                <a:schemeClr val="tx1"/>
+              </a:solidFill>
+            </a:ln>
+          </p:spPr>
+          <p:style>
+            <a:lnRef idx="1">
+              <a:schemeClr val="accent1"/>
+            </a:lnRef>
+            <a:fillRef idx="0">
+              <a:schemeClr val="accent1"/>
+            </a:fillRef>
+            <a:effectRef idx="0">
+              <a:schemeClr val="accent1"/>
+            </a:effectRef>
+            <a:fontRef idx="minor">
+              <a:schemeClr val="tx1"/>
+            </a:fontRef>
+          </p:style>
+        </p:cxnSp>
+        <p:sp>
+          <p:nvSpPr>
+            <p:cNvPr id="30" name="TextBox 29">
+              <a:extLst>
+                <a:ext uri="{FF2B5EF4-FFF2-40B4-BE49-F238E27FC236}">
+                  <a16:creationId xmlns:a16="http://schemas.microsoft.com/office/drawing/2014/main" id="{5967C212-CC99-BE85-7EF6-1B239232F7D7}"/>
+                </a:ext>
+              </a:extLst>
+            </p:cNvPr>
+            <p:cNvSpPr txBox="1"/>
+            <p:nvPr/>
+          </p:nvSpPr>
+          <p:spPr>
+            <a:xfrm>
+              <a:off x="10151911" y="5967177"/>
+              <a:ext cx="773740" cy="448158"/>
+            </a:xfrm>
+            <a:prstGeom prst="rect">
+              <a:avLst/>
+            </a:prstGeom>
+            <a:noFill/>
+          </p:spPr>
+          <p:txBody>
+            <a:bodyPr wrap="square" rtlCol="0">
+              <a:spAutoFit/>
+            </a:bodyPr>
+            <a:lstStyle/>
+            <a:p>
+              <a:pPr algn="ctr"/>
+              <a:r>
+                <a:rPr lang="en-US" sz="1400" dirty="0"/>
+                <a:t>Homo charge</a:t>
+              </a:r>
+            </a:p>
+          </p:txBody>
+        </p:sp>
+      </p:grpSp>
+    </p:spTree>
+    <p:extLst>
+      <p:ext uri="{BB962C8B-B14F-4D97-AF65-F5344CB8AC3E}">
+        <p14:creationId xmlns:p14="http://schemas.microsoft.com/office/powerpoint/2010/main" val="1173165859"/>
+      </p:ext>
+    </p:extLst>
+  </p:cSld>
+  <p:clrMapOvr>
+    <a:masterClrMapping/>
+  </p:clrMapOvr>
+</p:sld>
+</file>
+
 <file path=ppt/slides/slide2.xml><?xml version="1.0" encoding="utf-8"?>
 <p:sld xmlns:a="http://schemas.openxmlformats.org/drawingml/2006/main" xmlns:r="http://schemas.openxmlformats.org/officeDocument/2006/relationships" xmlns:p="http://schemas.openxmlformats.org/presentationml/2006/main">
   <p:cSld>
@@ -2888,7 +4552,7 @@
           <a:p>
             <a:r>
               <a:rPr lang="en-US" dirty="0"/>
-              <a:t>Previous attempts (1 of 4)</a:t>
+              <a:t>Previous attempts (1 of 3)</a:t>
             </a:r>
           </a:p>
         </p:txBody>
@@ -3137,7 +4801,7 @@
             </a:r>
             <a:r>
               <a:rPr lang="en-US" sz="1400" dirty="0"/>
-              <a:t>/nm2, cannot provide natural boundary for higher surface charge densities even for very high N</a:t>
+              <a:t>/cm2, cannot provide natural boundary for higher surface charge densities even for very high N</a:t>
             </a:r>
           </a:p>
         </p:txBody>
@@ -3201,7 +4865,7 @@
           <a:p>
             <a:r>
               <a:rPr lang="en-US" dirty="0"/>
-              <a:t>Previous attempts (2 of 4)</a:t>
+              <a:t>Previous attempts (2 of 3)</a:t>
             </a:r>
           </a:p>
         </p:txBody>
@@ -3637,6 +5301,4201 @@
     <p:extLst>
       <p:ext uri="{BB962C8B-B14F-4D97-AF65-F5344CB8AC3E}">
         <p14:creationId xmlns:p14="http://schemas.microsoft.com/office/powerpoint/2010/main" val="1913113250"/>
+      </p:ext>
+    </p:extLst>
+  </p:cSld>
+  <p:clrMapOvr>
+    <a:masterClrMapping/>
+  </p:clrMapOvr>
+</p:sld>
+</file>
+
+<file path=ppt/slides/slide4.xml><?xml version="1.0" encoding="utf-8"?>
+<p:sld xmlns:a="http://schemas.openxmlformats.org/drawingml/2006/main" xmlns:r="http://schemas.openxmlformats.org/officeDocument/2006/relationships" xmlns:p="http://schemas.openxmlformats.org/presentationml/2006/main">
+  <p:cSld>
+    <p:spTree>
+      <p:nvGrpSpPr>
+        <p:cNvPr id="1" name="">
+          <a:extLst>
+            <a:ext uri="{FF2B5EF4-FFF2-40B4-BE49-F238E27FC236}">
+              <a16:creationId xmlns:a16="http://schemas.microsoft.com/office/drawing/2014/main" id="{03802D25-2A72-492F-50C7-C967EF93A924}"/>
+            </a:ext>
+          </a:extLst>
+        </p:cNvPr>
+        <p:cNvGrpSpPr/>
+        <p:nvPr/>
+      </p:nvGrpSpPr>
+      <p:grpSpPr>
+        <a:xfrm>
+          <a:off x="0" y="0"/>
+          <a:ext cx="0" cy="0"/>
+          <a:chOff x="0" y="0"/>
+          <a:chExt cx="0" cy="0"/>
+        </a:xfrm>
+      </p:grpSpPr>
+      <p:sp>
+        <p:nvSpPr>
+          <p:cNvPr id="2" name="Title 1">
+            <a:extLst>
+              <a:ext uri="{FF2B5EF4-FFF2-40B4-BE49-F238E27FC236}">
+                <a16:creationId xmlns:a16="http://schemas.microsoft.com/office/drawing/2014/main" id="{EAE4F7EE-3373-8622-2E82-335098D49F34}"/>
+              </a:ext>
+            </a:extLst>
+          </p:cNvPr>
+          <p:cNvSpPr>
+            <a:spLocks noGrp="1"/>
+          </p:cNvSpPr>
+          <p:nvPr>
+            <p:ph type="title"/>
+          </p:nvPr>
+        </p:nvSpPr>
+        <p:spPr/>
+        <p:txBody>
+          <a:bodyPr/>
+          <a:lstStyle/>
+          <a:p>
+            <a:r>
+              <a:rPr lang="en-US" dirty="0"/>
+              <a:t>Previous attempts (3 of 3)</a:t>
+            </a:r>
+          </a:p>
+        </p:txBody>
+      </p:sp>
+      <p:sp>
+        <p:nvSpPr>
+          <p:cNvPr id="4" name="Slide Number Placeholder 3">
+            <a:extLst>
+              <a:ext uri="{FF2B5EF4-FFF2-40B4-BE49-F238E27FC236}">
+                <a16:creationId xmlns:a16="http://schemas.microsoft.com/office/drawing/2014/main" id="{096AD7BB-0E99-FDE8-55DF-C8A1DB073E3F}"/>
+              </a:ext>
+            </a:extLst>
+          </p:cNvPr>
+          <p:cNvSpPr>
+            <a:spLocks noGrp="1"/>
+          </p:cNvSpPr>
+          <p:nvPr>
+            <p:ph type="sldNum" sz="quarter" idx="12"/>
+          </p:nvPr>
+        </p:nvSpPr>
+        <p:spPr/>
+        <p:txBody>
+          <a:bodyPr/>
+          <a:lstStyle/>
+          <a:p>
+            <a:fld id="{5911C0E6-D9CE-431C-92CB-BB39B872F930}" type="slidenum">
+              <a:rPr lang="en-US" smtClean="0"/>
+              <a:t>4</a:t>
+            </a:fld>
+            <a:endParaRPr lang="en-US"/>
+          </a:p>
+        </p:txBody>
+      </p:sp>
+      <p:sp>
+        <p:nvSpPr>
+          <p:cNvPr id="9" name="TextBox 8">
+            <a:extLst>
+              <a:ext uri="{FF2B5EF4-FFF2-40B4-BE49-F238E27FC236}">
+                <a16:creationId xmlns:a16="http://schemas.microsoft.com/office/drawing/2014/main" id="{897EEC96-FDBF-B95E-2C84-AEFFE4283461}"/>
+              </a:ext>
+            </a:extLst>
+          </p:cNvPr>
+          <p:cNvSpPr txBox="1"/>
+          <p:nvPr/>
+        </p:nvSpPr>
+        <p:spPr>
+          <a:xfrm>
+            <a:off x="511970" y="1291832"/>
+            <a:ext cx="7281334" cy="369332"/>
+          </a:xfrm>
+          <a:prstGeom prst="rect">
+            <a:avLst/>
+          </a:prstGeom>
+          <a:noFill/>
+        </p:spPr>
+        <p:txBody>
+          <a:bodyPr wrap="square" rtlCol="0">
+            <a:spAutoFit/>
+          </a:bodyPr>
+          <a:lstStyle/>
+          <a:p>
+            <a:r>
+              <a:rPr lang="en-US" dirty="0"/>
+              <a:t>“Heat” equation</a:t>
+            </a:r>
+          </a:p>
+        </p:txBody>
+      </p:sp>
+      <p:sp>
+        <p:nvSpPr>
+          <p:cNvPr id="10" name="TextBox 9">
+            <a:extLst>
+              <a:ext uri="{FF2B5EF4-FFF2-40B4-BE49-F238E27FC236}">
+                <a16:creationId xmlns:a16="http://schemas.microsoft.com/office/drawing/2014/main" id="{F2811AAB-FF28-5B21-D0ED-4BFD1946AFBD}"/>
+              </a:ext>
+            </a:extLst>
+          </p:cNvPr>
+          <p:cNvSpPr txBox="1"/>
+          <p:nvPr/>
+        </p:nvSpPr>
+        <p:spPr>
+          <a:xfrm>
+            <a:off x="723637" y="1818493"/>
+            <a:ext cx="9791963" cy="307777"/>
+          </a:xfrm>
+          <a:prstGeom prst="rect">
+            <a:avLst/>
+          </a:prstGeom>
+          <a:noFill/>
+        </p:spPr>
+        <p:txBody>
+          <a:bodyPr wrap="square" rtlCol="0">
+            <a:spAutoFit/>
+          </a:bodyPr>
+          <a:lstStyle/>
+          <a:p>
+            <a:r>
+              <a:rPr lang="en-US" sz="1400" dirty="0"/>
+              <a:t>Neumann on both sides but iterate until “steady state”</a:t>
+            </a:r>
+          </a:p>
+        </p:txBody>
+      </p:sp>
+      <p:sp>
+        <p:nvSpPr>
+          <p:cNvPr id="13" name="TextBox 12">
+            <a:extLst>
+              <a:ext uri="{FF2B5EF4-FFF2-40B4-BE49-F238E27FC236}">
+                <a16:creationId xmlns:a16="http://schemas.microsoft.com/office/drawing/2014/main" id="{7AF65B33-7A50-3629-EF45-4D1D8307774C}"/>
+              </a:ext>
+            </a:extLst>
+          </p:cNvPr>
+          <p:cNvSpPr txBox="1"/>
+          <p:nvPr/>
+        </p:nvSpPr>
+        <p:spPr>
+          <a:xfrm>
+            <a:off x="1158973" y="4686179"/>
+            <a:ext cx="8921290" cy="307777"/>
+          </a:xfrm>
+          <a:prstGeom prst="rect">
+            <a:avLst/>
+          </a:prstGeom>
+          <a:noFill/>
+        </p:spPr>
+        <p:txBody>
+          <a:bodyPr wrap="square" rtlCol="0">
+            <a:spAutoFit/>
+          </a:bodyPr>
+          <a:lstStyle/>
+          <a:p>
+            <a:pPr algn="ctr"/>
+            <a:r>
+              <a:rPr lang="en-US" sz="1400" dirty="0"/>
+              <a:t>Natural boundary condition not met</a:t>
+            </a:r>
+          </a:p>
+        </p:txBody>
+      </p:sp>
+      <p:pic>
+        <p:nvPicPr>
+          <p:cNvPr id="5" name="Picture 6">
+            <a:extLst>
+              <a:ext uri="{FF2B5EF4-FFF2-40B4-BE49-F238E27FC236}">
+                <a16:creationId xmlns:a16="http://schemas.microsoft.com/office/drawing/2014/main" id="{2AED19B8-3A67-5CAA-E6FD-DD65C6C1E27D}"/>
+              </a:ext>
+            </a:extLst>
+          </p:cNvPr>
+          <p:cNvPicPr>
+            <a:picLocks noChangeAspect="1" noChangeArrowheads="1"/>
+          </p:cNvPicPr>
+          <p:nvPr/>
+        </p:nvPicPr>
+        <p:blipFill>
+          <a:blip r:embed="rId2">
+            <a:extLst>
+              <a:ext uri="{28A0092B-C50C-407E-A947-70E740481C1C}">
+                <a14:useLocalDpi xmlns:a14="http://schemas.microsoft.com/office/drawing/2010/main" val="0"/>
+              </a:ext>
+            </a:extLst>
+          </a:blip>
+          <a:srcRect/>
+          <a:stretch>
+            <a:fillRect/>
+          </a:stretch>
+        </p:blipFill>
+        <p:spPr bwMode="auto">
+          <a:xfrm>
+            <a:off x="3128174" y="2488165"/>
+            <a:ext cx="2616204" cy="1851635"/>
+          </a:xfrm>
+          <a:prstGeom prst="rect">
+            <a:avLst/>
+          </a:prstGeom>
+          <a:noFill/>
+          <a:extLst>
+            <a:ext uri="{909E8E84-426E-40DD-AFC4-6F175D3DCCD1}">
+              <a14:hiddenFill xmlns:a14="http://schemas.microsoft.com/office/drawing/2010/main">
+                <a:solidFill>
+                  <a:srgbClr val="FFFFFF"/>
+                </a:solidFill>
+              </a14:hiddenFill>
+            </a:ext>
+          </a:extLst>
+        </p:spPr>
+      </p:pic>
+      <p:pic>
+        <p:nvPicPr>
+          <p:cNvPr id="6" name="Picture 4">
+            <a:extLst>
+              <a:ext uri="{FF2B5EF4-FFF2-40B4-BE49-F238E27FC236}">
+                <a16:creationId xmlns:a16="http://schemas.microsoft.com/office/drawing/2014/main" id="{3E60ECA8-A3D1-FDB3-21BB-D97C4CEAEB58}"/>
+              </a:ext>
+            </a:extLst>
+          </p:cNvPr>
+          <p:cNvPicPr>
+            <a:picLocks noChangeAspect="1" noChangeArrowheads="1"/>
+          </p:cNvPicPr>
+          <p:nvPr/>
+        </p:nvPicPr>
+        <p:blipFill>
+          <a:blip r:embed="rId3">
+            <a:extLst>
+              <a:ext uri="{28A0092B-C50C-407E-A947-70E740481C1C}">
+                <a14:useLocalDpi xmlns:a14="http://schemas.microsoft.com/office/drawing/2010/main" val="0"/>
+              </a:ext>
+            </a:extLst>
+          </a:blip>
+          <a:srcRect/>
+          <a:stretch>
+            <a:fillRect/>
+          </a:stretch>
+        </p:blipFill>
+        <p:spPr bwMode="auto">
+          <a:xfrm>
+            <a:off x="8422183" y="2488164"/>
+            <a:ext cx="2554604" cy="1851635"/>
+          </a:xfrm>
+          <a:prstGeom prst="rect">
+            <a:avLst/>
+          </a:prstGeom>
+          <a:noFill/>
+          <a:extLst>
+            <a:ext uri="{909E8E84-426E-40DD-AFC4-6F175D3DCCD1}">
+              <a14:hiddenFill xmlns:a14="http://schemas.microsoft.com/office/drawing/2010/main">
+                <a:solidFill>
+                  <a:srgbClr val="FFFFFF"/>
+                </a:solidFill>
+              </a14:hiddenFill>
+            </a:ext>
+          </a:extLst>
+        </p:spPr>
+      </p:pic>
+      <p:pic>
+        <p:nvPicPr>
+          <p:cNvPr id="7" name="Picture 2">
+            <a:extLst>
+              <a:ext uri="{FF2B5EF4-FFF2-40B4-BE49-F238E27FC236}">
+                <a16:creationId xmlns:a16="http://schemas.microsoft.com/office/drawing/2014/main" id="{7029EE86-9DA5-F671-6ECE-99C78B714F70}"/>
+              </a:ext>
+            </a:extLst>
+          </p:cNvPr>
+          <p:cNvPicPr>
+            <a:picLocks noChangeAspect="1" noChangeArrowheads="1"/>
+          </p:cNvPicPr>
+          <p:nvPr/>
+        </p:nvPicPr>
+        <p:blipFill>
+          <a:blip r:embed="rId4">
+            <a:extLst>
+              <a:ext uri="{28A0092B-C50C-407E-A947-70E740481C1C}">
+                <a14:useLocalDpi xmlns:a14="http://schemas.microsoft.com/office/drawing/2010/main" val="0"/>
+              </a:ext>
+            </a:extLst>
+          </a:blip>
+          <a:srcRect/>
+          <a:stretch>
+            <a:fillRect/>
+          </a:stretch>
+        </p:blipFill>
+        <p:spPr bwMode="auto">
+          <a:xfrm>
+            <a:off x="511970" y="2472649"/>
+            <a:ext cx="2616204" cy="1867151"/>
+          </a:xfrm>
+          <a:prstGeom prst="rect">
+            <a:avLst/>
+          </a:prstGeom>
+          <a:noFill/>
+          <a:extLst>
+            <a:ext uri="{909E8E84-426E-40DD-AFC4-6F175D3DCCD1}">
+              <a14:hiddenFill xmlns:a14="http://schemas.microsoft.com/office/drawing/2010/main">
+                <a:solidFill>
+                  <a:srgbClr val="FFFFFF"/>
+                </a:solidFill>
+              </a14:hiddenFill>
+            </a:ext>
+          </a:extLst>
+        </p:spPr>
+      </p:pic>
+      <p:pic>
+        <p:nvPicPr>
+          <p:cNvPr id="17" name="Picture 8">
+            <a:extLst>
+              <a:ext uri="{FF2B5EF4-FFF2-40B4-BE49-F238E27FC236}">
+                <a16:creationId xmlns:a16="http://schemas.microsoft.com/office/drawing/2014/main" id="{F1946930-9C3F-CB17-791D-E7B837162DD6}"/>
+              </a:ext>
+            </a:extLst>
+          </p:cNvPr>
+          <p:cNvPicPr>
+            <a:picLocks noChangeAspect="1" noChangeArrowheads="1"/>
+          </p:cNvPicPr>
+          <p:nvPr/>
+        </p:nvPicPr>
+        <p:blipFill>
+          <a:blip r:embed="rId5">
+            <a:extLst>
+              <a:ext uri="{28A0092B-C50C-407E-A947-70E740481C1C}">
+                <a14:useLocalDpi xmlns:a14="http://schemas.microsoft.com/office/drawing/2010/main" val="0"/>
+              </a:ext>
+            </a:extLst>
+          </a:blip>
+          <a:srcRect/>
+          <a:stretch>
+            <a:fillRect/>
+          </a:stretch>
+        </p:blipFill>
+        <p:spPr bwMode="auto">
+          <a:xfrm>
+            <a:off x="5744378" y="2488164"/>
+            <a:ext cx="2616205" cy="1851635"/>
+          </a:xfrm>
+          <a:prstGeom prst="rect">
+            <a:avLst/>
+          </a:prstGeom>
+          <a:noFill/>
+          <a:extLst>
+            <a:ext uri="{909E8E84-426E-40DD-AFC4-6F175D3DCCD1}">
+              <a14:hiddenFill xmlns:a14="http://schemas.microsoft.com/office/drawing/2010/main">
+                <a:solidFill>
+                  <a:srgbClr val="FFFFFF"/>
+                </a:solidFill>
+              </a14:hiddenFill>
+            </a:ext>
+          </a:extLst>
+        </p:spPr>
+      </p:pic>
+    </p:spTree>
+    <p:extLst>
+      <p:ext uri="{BB962C8B-B14F-4D97-AF65-F5344CB8AC3E}">
+        <p14:creationId xmlns:p14="http://schemas.microsoft.com/office/powerpoint/2010/main" val="2086508236"/>
+      </p:ext>
+    </p:extLst>
+  </p:cSld>
+  <p:clrMapOvr>
+    <a:masterClrMapping/>
+  </p:clrMapOvr>
+</p:sld>
+</file>
+
+<file path=ppt/slides/slide5.xml><?xml version="1.0" encoding="utf-8"?>
+<p:sld xmlns:a="http://schemas.openxmlformats.org/drawingml/2006/main" xmlns:r="http://schemas.openxmlformats.org/officeDocument/2006/relationships" xmlns:p="http://schemas.openxmlformats.org/presentationml/2006/main">
+  <p:cSld>
+    <p:spTree>
+      <p:nvGrpSpPr>
+        <p:cNvPr id="1" name="">
+          <a:extLst>
+            <a:ext uri="{FF2B5EF4-FFF2-40B4-BE49-F238E27FC236}">
+              <a16:creationId xmlns:a16="http://schemas.microsoft.com/office/drawing/2014/main" id="{BC0EBBBF-F380-B640-D4F2-AA1A33916654}"/>
+            </a:ext>
+          </a:extLst>
+        </p:cNvPr>
+        <p:cNvGrpSpPr/>
+        <p:nvPr/>
+      </p:nvGrpSpPr>
+      <p:grpSpPr>
+        <a:xfrm>
+          <a:off x="0" y="0"/>
+          <a:ext cx="0" cy="0"/>
+          <a:chOff x="0" y="0"/>
+          <a:chExt cx="0" cy="0"/>
+        </a:xfrm>
+      </p:grpSpPr>
+      <p:sp>
+        <p:nvSpPr>
+          <p:cNvPr id="2" name="Title 1">
+            <a:extLst>
+              <a:ext uri="{FF2B5EF4-FFF2-40B4-BE49-F238E27FC236}">
+                <a16:creationId xmlns:a16="http://schemas.microsoft.com/office/drawing/2014/main" id="{61E192BF-C9A2-4ACD-8FC1-E057CDC8F5FD}"/>
+              </a:ext>
+            </a:extLst>
+          </p:cNvPr>
+          <p:cNvSpPr>
+            <a:spLocks noGrp="1"/>
+          </p:cNvSpPr>
+          <p:nvPr>
+            <p:ph type="title"/>
+          </p:nvPr>
+        </p:nvSpPr>
+        <p:spPr/>
+        <p:txBody>
+          <a:bodyPr/>
+          <a:lstStyle/>
+          <a:p>
+            <a:r>
+              <a:rPr lang="en-US" dirty="0"/>
+              <a:t>Non-uniform grid</a:t>
+            </a:r>
+          </a:p>
+        </p:txBody>
+      </p:sp>
+      <p:sp>
+        <p:nvSpPr>
+          <p:cNvPr id="4" name="Slide Number Placeholder 3">
+            <a:extLst>
+              <a:ext uri="{FF2B5EF4-FFF2-40B4-BE49-F238E27FC236}">
+                <a16:creationId xmlns:a16="http://schemas.microsoft.com/office/drawing/2014/main" id="{ED6D7261-C633-6242-90A1-F564051B9F65}"/>
+              </a:ext>
+            </a:extLst>
+          </p:cNvPr>
+          <p:cNvSpPr>
+            <a:spLocks noGrp="1"/>
+          </p:cNvSpPr>
+          <p:nvPr>
+            <p:ph type="sldNum" sz="quarter" idx="12"/>
+          </p:nvPr>
+        </p:nvSpPr>
+        <p:spPr/>
+        <p:txBody>
+          <a:bodyPr/>
+          <a:lstStyle/>
+          <a:p>
+            <a:fld id="{5911C0E6-D9CE-431C-92CB-BB39B872F930}" type="slidenum">
+              <a:rPr lang="en-US" smtClean="0"/>
+              <a:t>5</a:t>
+            </a:fld>
+            <a:endParaRPr lang="en-US"/>
+          </a:p>
+        </p:txBody>
+      </p:sp>
+      <p:sp>
+        <p:nvSpPr>
+          <p:cNvPr id="3" name="Content Placeholder 2">
+            <a:extLst>
+              <a:ext uri="{FF2B5EF4-FFF2-40B4-BE49-F238E27FC236}">
+                <a16:creationId xmlns:a16="http://schemas.microsoft.com/office/drawing/2014/main" id="{10E11D51-830A-8BA3-49DD-2769B4FA9702}"/>
+              </a:ext>
+            </a:extLst>
+          </p:cNvPr>
+          <p:cNvSpPr>
+            <a:spLocks noGrp="1"/>
+          </p:cNvSpPr>
+          <p:nvPr>
+            <p:ph idx="1"/>
+          </p:nvPr>
+        </p:nvSpPr>
+        <p:spPr>
+          <a:xfrm>
+            <a:off x="838200" y="1081156"/>
+            <a:ext cx="10515600" cy="3948043"/>
+          </a:xfrm>
+        </p:spPr>
+        <p:txBody>
+          <a:bodyPr>
+            <a:normAutofit/>
+          </a:bodyPr>
+          <a:lstStyle/>
+          <a:p>
+            <a:r>
+              <a:rPr lang="en-US" sz="2000" dirty="0"/>
+              <a:t>So far, all uniform grid (space between points equal along line) finite difference</a:t>
+            </a:r>
+          </a:p>
+          <a:p>
+            <a:r>
+              <a:rPr lang="en-US" sz="2000" dirty="0"/>
+              <a:t>However, solution changes drastically at one interface and slowly at another (log function)</a:t>
+            </a:r>
+          </a:p>
+          <a:p>
+            <a:r>
+              <a:rPr lang="en-US" sz="2000" dirty="0"/>
+              <a:t>Finite difference is amenable to grid stretching, but must follow some rules</a:t>
+            </a:r>
+          </a:p>
+          <a:p>
+            <a:pPr lvl="1"/>
+            <a:r>
+              <a:rPr lang="en-US" sz="1600" dirty="0"/>
+              <a:t>Mapping needs to be 1-to-1 (easy to accomplish)</a:t>
+            </a:r>
+          </a:p>
+          <a:p>
+            <a:pPr lvl="1"/>
+            <a:r>
+              <a:rPr lang="en-US" sz="1600" dirty="0"/>
+              <a:t>Stretching must be smooth and continuous (adds some limitations)</a:t>
+            </a:r>
+          </a:p>
+          <a:p>
+            <a:pPr lvl="1"/>
+            <a:r>
+              <a:rPr lang="en-US" sz="1600" dirty="0"/>
+              <a:t>For numerical accuracy, stretching function low slope when solution high slope (requires some expectation of solution)</a:t>
+            </a:r>
+          </a:p>
+          <a:p>
+            <a:r>
+              <a:rPr lang="en-US" sz="2000" dirty="0"/>
+              <a:t>For the remaining slides:</a:t>
+            </a:r>
+          </a:p>
+          <a:p>
+            <a:pPr lvl="1"/>
+            <a:endParaRPr lang="en-US" sz="1600" dirty="0"/>
+          </a:p>
+        </p:txBody>
+      </p:sp>
+      <p:pic>
+        <p:nvPicPr>
+          <p:cNvPr id="11" name="Picture 10">
+            <a:extLst>
+              <a:ext uri="{FF2B5EF4-FFF2-40B4-BE49-F238E27FC236}">
+                <a16:creationId xmlns:a16="http://schemas.microsoft.com/office/drawing/2014/main" id="{063669C3-6507-2110-8470-5681385DC38A}"/>
+              </a:ext>
+            </a:extLst>
+          </p:cNvPr>
+          <p:cNvPicPr>
+            <a:picLocks noChangeAspect="1"/>
+          </p:cNvPicPr>
+          <p:nvPr/>
+        </p:nvPicPr>
+        <p:blipFill>
+          <a:blip r:embed="rId2"/>
+          <a:stretch>
+            <a:fillRect/>
+          </a:stretch>
+        </p:blipFill>
+        <p:spPr>
+          <a:xfrm>
+            <a:off x="1487173" y="5129913"/>
+            <a:ext cx="3629940" cy="720972"/>
+          </a:xfrm>
+          <a:prstGeom prst="rect">
+            <a:avLst/>
+          </a:prstGeom>
+        </p:spPr>
+      </p:pic>
+      <p:cxnSp>
+        <p:nvCxnSpPr>
+          <p:cNvPr id="16" name="Straight Arrow Connector 15">
+            <a:extLst>
+              <a:ext uri="{FF2B5EF4-FFF2-40B4-BE49-F238E27FC236}">
+                <a16:creationId xmlns:a16="http://schemas.microsoft.com/office/drawing/2014/main" id="{2B1813F2-66FD-D5BF-0763-B058B523625D}"/>
+              </a:ext>
+            </a:extLst>
+          </p:cNvPr>
+          <p:cNvCxnSpPr/>
+          <p:nvPr/>
+        </p:nvCxnSpPr>
+        <p:spPr>
+          <a:xfrm>
+            <a:off x="5397500" y="5541540"/>
+            <a:ext cx="1397000" cy="0"/>
+          </a:xfrm>
+          <a:prstGeom prst="straightConnector1">
+            <a:avLst/>
+          </a:prstGeom>
+          <a:ln w="19050">
+            <a:solidFill>
+              <a:schemeClr val="tx1"/>
+            </a:solidFill>
+            <a:tailEnd type="triangle"/>
+          </a:ln>
+        </p:spPr>
+        <p:style>
+          <a:lnRef idx="1">
+            <a:schemeClr val="accent1"/>
+          </a:lnRef>
+          <a:fillRef idx="0">
+            <a:schemeClr val="accent1"/>
+          </a:fillRef>
+          <a:effectRef idx="0">
+            <a:schemeClr val="accent1"/>
+          </a:effectRef>
+          <a:fontRef idx="minor">
+            <a:schemeClr val="tx1"/>
+          </a:fontRef>
+        </p:style>
+      </p:cxnSp>
+      <p:sp>
+        <p:nvSpPr>
+          <p:cNvPr id="18" name="TextBox 17">
+            <a:extLst>
+              <a:ext uri="{FF2B5EF4-FFF2-40B4-BE49-F238E27FC236}">
+                <a16:creationId xmlns:a16="http://schemas.microsoft.com/office/drawing/2014/main" id="{372786CB-221C-3255-1D9A-3B13D3756B6B}"/>
+              </a:ext>
+            </a:extLst>
+          </p:cNvPr>
+          <p:cNvSpPr txBox="1"/>
+          <p:nvPr/>
+        </p:nvSpPr>
+        <p:spPr>
+          <a:xfrm>
+            <a:off x="4980037" y="5131481"/>
+            <a:ext cx="2231927" cy="307777"/>
+          </a:xfrm>
+          <a:prstGeom prst="rect">
+            <a:avLst/>
+          </a:prstGeom>
+          <a:noFill/>
+        </p:spPr>
+        <p:txBody>
+          <a:bodyPr wrap="square" rtlCol="0">
+            <a:spAutoFit/>
+          </a:bodyPr>
+          <a:lstStyle/>
+          <a:p>
+            <a:pPr algn="ctr"/>
+            <a:r>
+              <a:rPr lang="en-US" sz="1400" dirty="0"/>
+              <a:t>m = 0.08, D = 0.5</a:t>
+            </a:r>
+          </a:p>
+        </p:txBody>
+      </p:sp>
+      <p:sp>
+        <p:nvSpPr>
+          <p:cNvPr id="19" name="TextBox 18">
+            <a:extLst>
+              <a:ext uri="{FF2B5EF4-FFF2-40B4-BE49-F238E27FC236}">
+                <a16:creationId xmlns:a16="http://schemas.microsoft.com/office/drawing/2014/main" id="{0F068CC5-65F1-55A2-3839-29DC701FD2F7}"/>
+              </a:ext>
+            </a:extLst>
+          </p:cNvPr>
+          <p:cNvSpPr txBox="1"/>
+          <p:nvPr/>
+        </p:nvSpPr>
+        <p:spPr>
+          <a:xfrm>
+            <a:off x="1992443" y="6405606"/>
+            <a:ext cx="3531380" cy="307777"/>
+          </a:xfrm>
+          <a:prstGeom prst="rect">
+            <a:avLst/>
+          </a:prstGeom>
+          <a:noFill/>
+        </p:spPr>
+        <p:txBody>
+          <a:bodyPr wrap="square" rtlCol="0">
+            <a:spAutoFit/>
+          </a:bodyPr>
+          <a:lstStyle/>
+          <a:p>
+            <a:pPr algn="ctr"/>
+            <a:r>
+              <a:rPr lang="en-US" sz="1400" dirty="0"/>
+              <a:t>Can do more in-depth explanations later</a:t>
+            </a:r>
+          </a:p>
+        </p:txBody>
+      </p:sp>
+      <p:grpSp>
+        <p:nvGrpSpPr>
+          <p:cNvPr id="47" name="Group 46">
+            <a:extLst>
+              <a:ext uri="{FF2B5EF4-FFF2-40B4-BE49-F238E27FC236}">
+                <a16:creationId xmlns:a16="http://schemas.microsoft.com/office/drawing/2014/main" id="{004E8232-3CF1-B852-F8C4-B71D85DC4359}"/>
+              </a:ext>
+            </a:extLst>
+          </p:cNvPr>
+          <p:cNvGrpSpPr/>
+          <p:nvPr/>
+        </p:nvGrpSpPr>
+        <p:grpSpPr>
+          <a:xfrm>
+            <a:off x="7509154" y="4431451"/>
+            <a:ext cx="3006446" cy="1842146"/>
+            <a:chOff x="7525853" y="4620467"/>
+            <a:chExt cx="3006446" cy="1842146"/>
+          </a:xfrm>
+        </p:grpSpPr>
+        <p:pic>
+          <p:nvPicPr>
+            <p:cNvPr id="14" name="Picture 13">
+              <a:extLst>
+                <a:ext uri="{FF2B5EF4-FFF2-40B4-BE49-F238E27FC236}">
+                  <a16:creationId xmlns:a16="http://schemas.microsoft.com/office/drawing/2014/main" id="{8650F166-CCDD-4666-E7F2-B63709F1AF90}"/>
+                </a:ext>
+              </a:extLst>
+            </p:cNvPr>
+            <p:cNvPicPr>
+              <a:picLocks noChangeAspect="1"/>
+            </p:cNvPicPr>
+            <p:nvPr/>
+          </p:nvPicPr>
+          <p:blipFill>
+            <a:blip r:embed="rId3"/>
+            <a:stretch>
+              <a:fillRect/>
+            </a:stretch>
+          </p:blipFill>
+          <p:spPr>
+            <a:xfrm>
+              <a:off x="7525853" y="4620467"/>
+              <a:ext cx="3006446" cy="1842146"/>
+            </a:xfrm>
+            <a:prstGeom prst="rect">
+              <a:avLst/>
+            </a:prstGeom>
+          </p:spPr>
+        </p:pic>
+        <p:cxnSp>
+          <p:nvCxnSpPr>
+            <p:cNvPr id="21" name="Straight Connector 20">
+              <a:extLst>
+                <a:ext uri="{FF2B5EF4-FFF2-40B4-BE49-F238E27FC236}">
+                  <a16:creationId xmlns:a16="http://schemas.microsoft.com/office/drawing/2014/main" id="{C59D9CFA-7275-FFEF-8208-E205046DA0DF}"/>
+                </a:ext>
+              </a:extLst>
+            </p:cNvPr>
+            <p:cNvCxnSpPr/>
+            <p:nvPr/>
+          </p:nvCxnSpPr>
+          <p:spPr>
+            <a:xfrm>
+              <a:off x="7704667" y="6079065"/>
+              <a:ext cx="304800" cy="0"/>
+            </a:xfrm>
+            <a:prstGeom prst="line">
+              <a:avLst/>
+            </a:prstGeom>
+            <a:ln w="12700">
+              <a:solidFill>
+                <a:schemeClr val="tx1"/>
+              </a:solidFill>
+            </a:ln>
+          </p:spPr>
+          <p:style>
+            <a:lnRef idx="1">
+              <a:schemeClr val="accent1"/>
+            </a:lnRef>
+            <a:fillRef idx="0">
+              <a:schemeClr val="accent1"/>
+            </a:fillRef>
+            <a:effectRef idx="0">
+              <a:schemeClr val="accent1"/>
+            </a:effectRef>
+            <a:fontRef idx="minor">
+              <a:schemeClr val="tx1"/>
+            </a:fontRef>
+          </p:style>
+        </p:cxnSp>
+        <p:cxnSp>
+          <p:nvCxnSpPr>
+            <p:cNvPr id="22" name="Straight Connector 21">
+              <a:extLst>
+                <a:ext uri="{FF2B5EF4-FFF2-40B4-BE49-F238E27FC236}">
+                  <a16:creationId xmlns:a16="http://schemas.microsoft.com/office/drawing/2014/main" id="{F630D226-0969-1E16-3F55-B6F1C7EF42BC}"/>
+                </a:ext>
+              </a:extLst>
+            </p:cNvPr>
+            <p:cNvCxnSpPr>
+              <a:cxnSpLocks/>
+            </p:cNvCxnSpPr>
+            <p:nvPr/>
+          </p:nvCxnSpPr>
+          <p:spPr>
+            <a:xfrm>
+              <a:off x="7747000" y="5844402"/>
+              <a:ext cx="524934" cy="0"/>
+            </a:xfrm>
+            <a:prstGeom prst="line">
+              <a:avLst/>
+            </a:prstGeom>
+            <a:ln w="12700">
+              <a:solidFill>
+                <a:schemeClr val="tx1"/>
+              </a:solidFill>
+            </a:ln>
+          </p:spPr>
+          <p:style>
+            <a:lnRef idx="1">
+              <a:schemeClr val="accent1"/>
+            </a:lnRef>
+            <a:fillRef idx="0">
+              <a:schemeClr val="accent1"/>
+            </a:fillRef>
+            <a:effectRef idx="0">
+              <a:schemeClr val="accent1"/>
+            </a:effectRef>
+            <a:fontRef idx="minor">
+              <a:schemeClr val="tx1"/>
+            </a:fontRef>
+          </p:style>
+        </p:cxnSp>
+        <p:cxnSp>
+          <p:nvCxnSpPr>
+            <p:cNvPr id="24" name="Straight Connector 23">
+              <a:extLst>
+                <a:ext uri="{FF2B5EF4-FFF2-40B4-BE49-F238E27FC236}">
+                  <a16:creationId xmlns:a16="http://schemas.microsoft.com/office/drawing/2014/main" id="{70EF85B6-F632-2ABE-4680-7869FE4F739E}"/>
+                </a:ext>
+              </a:extLst>
+            </p:cNvPr>
+            <p:cNvCxnSpPr>
+              <a:cxnSpLocks/>
+            </p:cNvCxnSpPr>
+            <p:nvPr/>
+          </p:nvCxnSpPr>
+          <p:spPr>
+            <a:xfrm>
+              <a:off x="7704667" y="5600806"/>
+              <a:ext cx="829733" cy="0"/>
+            </a:xfrm>
+            <a:prstGeom prst="line">
+              <a:avLst/>
+            </a:prstGeom>
+            <a:ln w="12700">
+              <a:solidFill>
+                <a:schemeClr val="tx1"/>
+              </a:solidFill>
+            </a:ln>
+          </p:spPr>
+          <p:style>
+            <a:lnRef idx="1">
+              <a:schemeClr val="accent1"/>
+            </a:lnRef>
+            <a:fillRef idx="0">
+              <a:schemeClr val="accent1"/>
+            </a:fillRef>
+            <a:effectRef idx="0">
+              <a:schemeClr val="accent1"/>
+            </a:effectRef>
+            <a:fontRef idx="minor">
+              <a:schemeClr val="tx1"/>
+            </a:fontRef>
+          </p:style>
+        </p:cxnSp>
+        <p:cxnSp>
+          <p:nvCxnSpPr>
+            <p:cNvPr id="27" name="Straight Connector 26">
+              <a:extLst>
+                <a:ext uri="{FF2B5EF4-FFF2-40B4-BE49-F238E27FC236}">
+                  <a16:creationId xmlns:a16="http://schemas.microsoft.com/office/drawing/2014/main" id="{1E71C67B-103C-A1B3-A092-C53C7363AC22}"/>
+                </a:ext>
+              </a:extLst>
+            </p:cNvPr>
+            <p:cNvCxnSpPr>
+              <a:cxnSpLocks/>
+            </p:cNvCxnSpPr>
+            <p:nvPr/>
+          </p:nvCxnSpPr>
+          <p:spPr>
+            <a:xfrm>
+              <a:off x="7704667" y="5363740"/>
+              <a:ext cx="1083733" cy="0"/>
+            </a:xfrm>
+            <a:prstGeom prst="line">
+              <a:avLst/>
+            </a:prstGeom>
+            <a:ln w="12700">
+              <a:solidFill>
+                <a:schemeClr val="tx1"/>
+              </a:solidFill>
+            </a:ln>
+          </p:spPr>
+          <p:style>
+            <a:lnRef idx="1">
+              <a:schemeClr val="accent1"/>
+            </a:lnRef>
+            <a:fillRef idx="0">
+              <a:schemeClr val="accent1"/>
+            </a:fillRef>
+            <a:effectRef idx="0">
+              <a:schemeClr val="accent1"/>
+            </a:effectRef>
+            <a:fontRef idx="minor">
+              <a:schemeClr val="tx1"/>
+            </a:fontRef>
+          </p:style>
+        </p:cxnSp>
+        <p:cxnSp>
+          <p:nvCxnSpPr>
+            <p:cNvPr id="29" name="Straight Connector 28">
+              <a:extLst>
+                <a:ext uri="{FF2B5EF4-FFF2-40B4-BE49-F238E27FC236}">
+                  <a16:creationId xmlns:a16="http://schemas.microsoft.com/office/drawing/2014/main" id="{55869E36-07C7-E20C-5B1E-C32D09CC5838}"/>
+                </a:ext>
+              </a:extLst>
+            </p:cNvPr>
+            <p:cNvCxnSpPr>
+              <a:cxnSpLocks/>
+            </p:cNvCxnSpPr>
+            <p:nvPr/>
+          </p:nvCxnSpPr>
+          <p:spPr>
+            <a:xfrm>
+              <a:off x="7704667" y="5131481"/>
+              <a:ext cx="1430866" cy="0"/>
+            </a:xfrm>
+            <a:prstGeom prst="line">
+              <a:avLst/>
+            </a:prstGeom>
+            <a:ln w="12700">
+              <a:solidFill>
+                <a:schemeClr val="tx1"/>
+              </a:solidFill>
+            </a:ln>
+          </p:spPr>
+          <p:style>
+            <a:lnRef idx="1">
+              <a:schemeClr val="accent1"/>
+            </a:lnRef>
+            <a:fillRef idx="0">
+              <a:schemeClr val="accent1"/>
+            </a:fillRef>
+            <a:effectRef idx="0">
+              <a:schemeClr val="accent1"/>
+            </a:effectRef>
+            <a:fontRef idx="minor">
+              <a:schemeClr val="tx1"/>
+            </a:fontRef>
+          </p:style>
+        </p:cxnSp>
+        <p:cxnSp>
+          <p:nvCxnSpPr>
+            <p:cNvPr id="31" name="Straight Connector 30">
+              <a:extLst>
+                <a:ext uri="{FF2B5EF4-FFF2-40B4-BE49-F238E27FC236}">
+                  <a16:creationId xmlns:a16="http://schemas.microsoft.com/office/drawing/2014/main" id="{AF6A9E09-6085-95D6-3F09-6B865C9533FA}"/>
+                </a:ext>
+              </a:extLst>
+            </p:cNvPr>
+            <p:cNvCxnSpPr>
+              <a:cxnSpLocks/>
+            </p:cNvCxnSpPr>
+            <p:nvPr/>
+          </p:nvCxnSpPr>
+          <p:spPr>
+            <a:xfrm>
+              <a:off x="7704667" y="4898073"/>
+              <a:ext cx="2015066" cy="0"/>
+            </a:xfrm>
+            <a:prstGeom prst="line">
+              <a:avLst/>
+            </a:prstGeom>
+            <a:ln w="12700">
+              <a:solidFill>
+                <a:schemeClr val="tx1"/>
+              </a:solidFill>
+            </a:ln>
+          </p:spPr>
+          <p:style>
+            <a:lnRef idx="1">
+              <a:schemeClr val="accent1"/>
+            </a:lnRef>
+            <a:fillRef idx="0">
+              <a:schemeClr val="accent1"/>
+            </a:fillRef>
+            <a:effectRef idx="0">
+              <a:schemeClr val="accent1"/>
+            </a:effectRef>
+            <a:fontRef idx="minor">
+              <a:schemeClr val="tx1"/>
+            </a:fontRef>
+          </p:style>
+        </p:cxnSp>
+        <p:cxnSp>
+          <p:nvCxnSpPr>
+            <p:cNvPr id="33" name="Straight Connector 32">
+              <a:extLst>
+                <a:ext uri="{FF2B5EF4-FFF2-40B4-BE49-F238E27FC236}">
+                  <a16:creationId xmlns:a16="http://schemas.microsoft.com/office/drawing/2014/main" id="{DAE0B808-97E5-06CA-E7F4-8A0934A0754F}"/>
+                </a:ext>
+              </a:extLst>
+            </p:cNvPr>
+            <p:cNvCxnSpPr>
+              <a:cxnSpLocks/>
+            </p:cNvCxnSpPr>
+            <p:nvPr/>
+          </p:nvCxnSpPr>
+          <p:spPr>
+            <a:xfrm flipV="1">
+              <a:off x="8009467" y="6079065"/>
+              <a:ext cx="0" cy="232258"/>
+            </a:xfrm>
+            <a:prstGeom prst="line">
+              <a:avLst/>
+            </a:prstGeom>
+            <a:ln w="12700">
+              <a:solidFill>
+                <a:schemeClr val="tx1"/>
+              </a:solidFill>
+            </a:ln>
+          </p:spPr>
+          <p:style>
+            <a:lnRef idx="1">
+              <a:schemeClr val="accent1"/>
+            </a:lnRef>
+            <a:fillRef idx="0">
+              <a:schemeClr val="accent1"/>
+            </a:fillRef>
+            <a:effectRef idx="0">
+              <a:schemeClr val="accent1"/>
+            </a:effectRef>
+            <a:fontRef idx="minor">
+              <a:schemeClr val="tx1"/>
+            </a:fontRef>
+          </p:style>
+        </p:cxnSp>
+        <p:cxnSp>
+          <p:nvCxnSpPr>
+            <p:cNvPr id="36" name="Straight Connector 35">
+              <a:extLst>
+                <a:ext uri="{FF2B5EF4-FFF2-40B4-BE49-F238E27FC236}">
+                  <a16:creationId xmlns:a16="http://schemas.microsoft.com/office/drawing/2014/main" id="{5FC75BF8-78D1-091C-A1D5-99B5512C90F1}"/>
+                </a:ext>
+              </a:extLst>
+            </p:cNvPr>
+            <p:cNvCxnSpPr>
+              <a:cxnSpLocks/>
+            </p:cNvCxnSpPr>
+            <p:nvPr/>
+          </p:nvCxnSpPr>
+          <p:spPr>
+            <a:xfrm flipV="1">
+              <a:off x="8271934" y="5844402"/>
+              <a:ext cx="0" cy="466921"/>
+            </a:xfrm>
+            <a:prstGeom prst="line">
+              <a:avLst/>
+            </a:prstGeom>
+            <a:ln w="12700">
+              <a:solidFill>
+                <a:schemeClr val="tx1"/>
+              </a:solidFill>
+            </a:ln>
+          </p:spPr>
+          <p:style>
+            <a:lnRef idx="1">
+              <a:schemeClr val="accent1"/>
+            </a:lnRef>
+            <a:fillRef idx="0">
+              <a:schemeClr val="accent1"/>
+            </a:fillRef>
+            <a:effectRef idx="0">
+              <a:schemeClr val="accent1"/>
+            </a:effectRef>
+            <a:fontRef idx="minor">
+              <a:schemeClr val="tx1"/>
+            </a:fontRef>
+          </p:style>
+        </p:cxnSp>
+        <p:cxnSp>
+          <p:nvCxnSpPr>
+            <p:cNvPr id="38" name="Straight Connector 37">
+              <a:extLst>
+                <a:ext uri="{FF2B5EF4-FFF2-40B4-BE49-F238E27FC236}">
+                  <a16:creationId xmlns:a16="http://schemas.microsoft.com/office/drawing/2014/main" id="{7B5D2CBD-4FF7-074F-66E3-5C69CC639D28}"/>
+                </a:ext>
+              </a:extLst>
+            </p:cNvPr>
+            <p:cNvCxnSpPr>
+              <a:cxnSpLocks/>
+            </p:cNvCxnSpPr>
+            <p:nvPr/>
+          </p:nvCxnSpPr>
+          <p:spPr>
+            <a:xfrm flipV="1">
+              <a:off x="8534400" y="5609740"/>
+              <a:ext cx="0" cy="701583"/>
+            </a:xfrm>
+            <a:prstGeom prst="line">
+              <a:avLst/>
+            </a:prstGeom>
+            <a:ln w="12700">
+              <a:solidFill>
+                <a:schemeClr val="tx1"/>
+              </a:solidFill>
+            </a:ln>
+          </p:spPr>
+          <p:style>
+            <a:lnRef idx="1">
+              <a:schemeClr val="accent1"/>
+            </a:lnRef>
+            <a:fillRef idx="0">
+              <a:schemeClr val="accent1"/>
+            </a:fillRef>
+            <a:effectRef idx="0">
+              <a:schemeClr val="accent1"/>
+            </a:effectRef>
+            <a:fontRef idx="minor">
+              <a:schemeClr val="tx1"/>
+            </a:fontRef>
+          </p:style>
+        </p:cxnSp>
+        <p:cxnSp>
+          <p:nvCxnSpPr>
+            <p:cNvPr id="40" name="Straight Connector 39">
+              <a:extLst>
+                <a:ext uri="{FF2B5EF4-FFF2-40B4-BE49-F238E27FC236}">
+                  <a16:creationId xmlns:a16="http://schemas.microsoft.com/office/drawing/2014/main" id="{5FA9EB29-694B-48C8-6935-7E08E75574D3}"/>
+                </a:ext>
+              </a:extLst>
+            </p:cNvPr>
+            <p:cNvCxnSpPr>
+              <a:cxnSpLocks/>
+            </p:cNvCxnSpPr>
+            <p:nvPr/>
+          </p:nvCxnSpPr>
+          <p:spPr>
+            <a:xfrm flipV="1">
+              <a:off x="8788400" y="5377482"/>
+              <a:ext cx="0" cy="933841"/>
+            </a:xfrm>
+            <a:prstGeom prst="line">
+              <a:avLst/>
+            </a:prstGeom>
+            <a:ln w="12700">
+              <a:solidFill>
+                <a:schemeClr val="tx1"/>
+              </a:solidFill>
+            </a:ln>
+          </p:spPr>
+          <p:style>
+            <a:lnRef idx="1">
+              <a:schemeClr val="accent1"/>
+            </a:lnRef>
+            <a:fillRef idx="0">
+              <a:schemeClr val="accent1"/>
+            </a:fillRef>
+            <a:effectRef idx="0">
+              <a:schemeClr val="accent1"/>
+            </a:effectRef>
+            <a:fontRef idx="minor">
+              <a:schemeClr val="tx1"/>
+            </a:fontRef>
+          </p:style>
+        </p:cxnSp>
+        <p:cxnSp>
+          <p:nvCxnSpPr>
+            <p:cNvPr id="42" name="Straight Connector 41">
+              <a:extLst>
+                <a:ext uri="{FF2B5EF4-FFF2-40B4-BE49-F238E27FC236}">
+                  <a16:creationId xmlns:a16="http://schemas.microsoft.com/office/drawing/2014/main" id="{1628610B-EF75-118D-A983-AC94F4191CFC}"/>
+                </a:ext>
+              </a:extLst>
+            </p:cNvPr>
+            <p:cNvCxnSpPr>
+              <a:cxnSpLocks/>
+            </p:cNvCxnSpPr>
+            <p:nvPr/>
+          </p:nvCxnSpPr>
+          <p:spPr>
+            <a:xfrm flipV="1">
+              <a:off x="9135533" y="5158367"/>
+              <a:ext cx="0" cy="1152956"/>
+            </a:xfrm>
+            <a:prstGeom prst="line">
+              <a:avLst/>
+            </a:prstGeom>
+            <a:ln w="12700">
+              <a:solidFill>
+                <a:schemeClr val="tx1"/>
+              </a:solidFill>
+            </a:ln>
+          </p:spPr>
+          <p:style>
+            <a:lnRef idx="1">
+              <a:schemeClr val="accent1"/>
+            </a:lnRef>
+            <a:fillRef idx="0">
+              <a:schemeClr val="accent1"/>
+            </a:fillRef>
+            <a:effectRef idx="0">
+              <a:schemeClr val="accent1"/>
+            </a:effectRef>
+            <a:fontRef idx="minor">
+              <a:schemeClr val="tx1"/>
+            </a:fontRef>
+          </p:style>
+        </p:cxnSp>
+        <p:cxnSp>
+          <p:nvCxnSpPr>
+            <p:cNvPr id="44" name="Straight Connector 43">
+              <a:extLst>
+                <a:ext uri="{FF2B5EF4-FFF2-40B4-BE49-F238E27FC236}">
+                  <a16:creationId xmlns:a16="http://schemas.microsoft.com/office/drawing/2014/main" id="{F00EED51-C3A0-A97C-F1DE-FDCBFB65D267}"/>
+                </a:ext>
+              </a:extLst>
+            </p:cNvPr>
+            <p:cNvCxnSpPr>
+              <a:cxnSpLocks/>
+            </p:cNvCxnSpPr>
+            <p:nvPr/>
+          </p:nvCxnSpPr>
+          <p:spPr>
+            <a:xfrm flipV="1">
+              <a:off x="9719733" y="4927597"/>
+              <a:ext cx="0" cy="1383726"/>
+            </a:xfrm>
+            <a:prstGeom prst="line">
+              <a:avLst/>
+            </a:prstGeom>
+            <a:ln w="12700">
+              <a:solidFill>
+                <a:schemeClr val="tx1"/>
+              </a:solidFill>
+            </a:ln>
+          </p:spPr>
+          <p:style>
+            <a:lnRef idx="1">
+              <a:schemeClr val="accent1"/>
+            </a:lnRef>
+            <a:fillRef idx="0">
+              <a:schemeClr val="accent1"/>
+            </a:fillRef>
+            <a:effectRef idx="0">
+              <a:schemeClr val="accent1"/>
+            </a:effectRef>
+            <a:fontRef idx="minor">
+              <a:schemeClr val="tx1"/>
+            </a:fontRef>
+          </p:style>
+        </p:cxnSp>
+      </p:grpSp>
+      <p:sp>
+        <p:nvSpPr>
+          <p:cNvPr id="48" name="TextBox 47">
+            <a:extLst>
+              <a:ext uri="{FF2B5EF4-FFF2-40B4-BE49-F238E27FC236}">
+                <a16:creationId xmlns:a16="http://schemas.microsoft.com/office/drawing/2014/main" id="{626D9346-0619-CCAD-3FB5-49EF9BD035C6}"/>
+              </a:ext>
+            </a:extLst>
+          </p:cNvPr>
+          <p:cNvSpPr txBox="1"/>
+          <p:nvPr/>
+        </p:nvSpPr>
+        <p:spPr>
+          <a:xfrm>
+            <a:off x="7472793" y="6301181"/>
+            <a:ext cx="1257457" cy="307777"/>
+          </a:xfrm>
+          <a:prstGeom prst="rect">
+            <a:avLst/>
+          </a:prstGeom>
+          <a:noFill/>
+        </p:spPr>
+        <p:txBody>
+          <a:bodyPr wrap="square" rtlCol="0">
+            <a:spAutoFit/>
+          </a:bodyPr>
+          <a:lstStyle/>
+          <a:p>
+            <a:pPr algn="ctr"/>
+            <a:r>
+              <a:rPr lang="en-US" sz="1400" dirty="0"/>
+              <a:t>Fine grid</a:t>
+            </a:r>
+          </a:p>
+        </p:txBody>
+      </p:sp>
+      <p:sp>
+        <p:nvSpPr>
+          <p:cNvPr id="49" name="TextBox 48">
+            <a:extLst>
+              <a:ext uri="{FF2B5EF4-FFF2-40B4-BE49-F238E27FC236}">
+                <a16:creationId xmlns:a16="http://schemas.microsoft.com/office/drawing/2014/main" id="{E873EB7C-C2E3-2684-A2B2-0CC131E75049}"/>
+              </a:ext>
+            </a:extLst>
+          </p:cNvPr>
+          <p:cNvSpPr txBox="1"/>
+          <p:nvPr/>
+        </p:nvSpPr>
+        <p:spPr>
+          <a:xfrm>
+            <a:off x="9096810" y="6310653"/>
+            <a:ext cx="1257457" cy="307777"/>
+          </a:xfrm>
+          <a:prstGeom prst="rect">
+            <a:avLst/>
+          </a:prstGeom>
+          <a:noFill/>
+        </p:spPr>
+        <p:txBody>
+          <a:bodyPr wrap="square" rtlCol="0">
+            <a:spAutoFit/>
+          </a:bodyPr>
+          <a:lstStyle/>
+          <a:p>
+            <a:pPr algn="ctr"/>
+            <a:r>
+              <a:rPr lang="en-US" sz="1400" dirty="0"/>
+              <a:t>Coarse grid</a:t>
+            </a:r>
+          </a:p>
+        </p:txBody>
+      </p:sp>
+      <p:sp>
+        <p:nvSpPr>
+          <p:cNvPr id="50" name="TextBox 49">
+            <a:extLst>
+              <a:ext uri="{FF2B5EF4-FFF2-40B4-BE49-F238E27FC236}">
+                <a16:creationId xmlns:a16="http://schemas.microsoft.com/office/drawing/2014/main" id="{23E5272F-7A5B-7AA3-2368-88AF8D6CBF7A}"/>
+              </a:ext>
+            </a:extLst>
+          </p:cNvPr>
+          <p:cNvSpPr txBox="1"/>
+          <p:nvPr/>
+        </p:nvSpPr>
+        <p:spPr>
+          <a:xfrm>
+            <a:off x="1385220" y="5804318"/>
+            <a:ext cx="4012280" cy="307777"/>
+          </a:xfrm>
+          <a:prstGeom prst="rect">
+            <a:avLst/>
+          </a:prstGeom>
+          <a:noFill/>
+        </p:spPr>
+        <p:txBody>
+          <a:bodyPr wrap="square" rtlCol="0">
+            <a:spAutoFit/>
+          </a:bodyPr>
+          <a:lstStyle/>
+          <a:p>
+            <a:pPr algn="ctr"/>
+            <a:r>
+              <a:rPr lang="en-US" sz="1400" dirty="0"/>
+              <a:t>Fine grid at one boundary, coarse at another</a:t>
+            </a:r>
+          </a:p>
+        </p:txBody>
+      </p:sp>
+    </p:spTree>
+    <p:extLst>
+      <p:ext uri="{BB962C8B-B14F-4D97-AF65-F5344CB8AC3E}">
+        <p14:creationId xmlns:p14="http://schemas.microsoft.com/office/powerpoint/2010/main" val="3624171790"/>
+      </p:ext>
+    </p:extLst>
+  </p:cSld>
+  <p:clrMapOvr>
+    <a:masterClrMapping/>
+  </p:clrMapOvr>
+</p:sld>
+</file>
+
+<file path=ppt/slides/slide6.xml><?xml version="1.0" encoding="utf-8"?>
+<p:sld xmlns:a="http://schemas.openxmlformats.org/drawingml/2006/main" xmlns:r="http://schemas.openxmlformats.org/officeDocument/2006/relationships" xmlns:p="http://schemas.openxmlformats.org/presentationml/2006/main">
+  <p:cSld>
+    <p:spTree>
+      <p:nvGrpSpPr>
+        <p:cNvPr id="1" name=""/>
+        <p:cNvGrpSpPr/>
+        <p:nvPr/>
+      </p:nvGrpSpPr>
+      <p:grpSpPr>
+        <a:xfrm>
+          <a:off x="0" y="0"/>
+          <a:ext cx="0" cy="0"/>
+          <a:chOff x="0" y="0"/>
+          <a:chExt cx="0" cy="0"/>
+        </a:xfrm>
+      </p:grpSpPr>
+      <p:sp>
+        <p:nvSpPr>
+          <p:cNvPr id="2" name="Title 1">
+            <a:extLst>
+              <a:ext uri="{FF2B5EF4-FFF2-40B4-BE49-F238E27FC236}">
+                <a16:creationId xmlns:a16="http://schemas.microsoft.com/office/drawing/2014/main" id="{AACE5023-4573-F8E7-2A17-7AF829FEBD45}"/>
+              </a:ext>
+            </a:extLst>
+          </p:cNvPr>
+          <p:cNvSpPr>
+            <a:spLocks noGrp="1"/>
+          </p:cNvSpPr>
+          <p:nvPr>
+            <p:ph type="title"/>
+          </p:nvPr>
+        </p:nvSpPr>
+        <p:spPr/>
+        <p:txBody>
+          <a:bodyPr/>
+          <a:lstStyle/>
+          <a:p>
+            <a:r>
+              <a:rPr lang="en-US" dirty="0"/>
+              <a:t>Examples</a:t>
+            </a:r>
+          </a:p>
+        </p:txBody>
+      </p:sp>
+      <p:sp>
+        <p:nvSpPr>
+          <p:cNvPr id="4" name="Slide Number Placeholder 3">
+            <a:extLst>
+              <a:ext uri="{FF2B5EF4-FFF2-40B4-BE49-F238E27FC236}">
+                <a16:creationId xmlns:a16="http://schemas.microsoft.com/office/drawing/2014/main" id="{7183C95A-90F3-EE7A-8D56-417C9139A625}"/>
+              </a:ext>
+            </a:extLst>
+          </p:cNvPr>
+          <p:cNvSpPr>
+            <a:spLocks noGrp="1"/>
+          </p:cNvSpPr>
+          <p:nvPr>
+            <p:ph type="sldNum" sz="quarter" idx="12"/>
+          </p:nvPr>
+        </p:nvSpPr>
+        <p:spPr/>
+        <p:txBody>
+          <a:bodyPr/>
+          <a:lstStyle/>
+          <a:p>
+            <a:fld id="{5911C0E6-D9CE-431C-92CB-BB39B872F930}" type="slidenum">
+              <a:rPr lang="en-US" smtClean="0"/>
+              <a:t>6</a:t>
+            </a:fld>
+            <a:endParaRPr lang="en-US"/>
+          </a:p>
+        </p:txBody>
+      </p:sp>
+      <p:pic>
+        <p:nvPicPr>
+          <p:cNvPr id="5" name="Picture 18">
+            <a:extLst>
+              <a:ext uri="{FF2B5EF4-FFF2-40B4-BE49-F238E27FC236}">
+                <a16:creationId xmlns:a16="http://schemas.microsoft.com/office/drawing/2014/main" id="{BC564CD1-82C0-EA4D-3C89-103B2A65CEEE}"/>
+              </a:ext>
+            </a:extLst>
+          </p:cNvPr>
+          <p:cNvPicPr>
+            <a:picLocks noChangeAspect="1" noChangeArrowheads="1"/>
+          </p:cNvPicPr>
+          <p:nvPr/>
+        </p:nvPicPr>
+        <p:blipFill>
+          <a:blip r:embed="rId2">
+            <a:extLst>
+              <a:ext uri="{28A0092B-C50C-407E-A947-70E740481C1C}">
+                <a14:useLocalDpi xmlns:a14="http://schemas.microsoft.com/office/drawing/2010/main" val="0"/>
+              </a:ext>
+            </a:extLst>
+          </a:blip>
+          <a:srcRect/>
+          <a:stretch>
+            <a:fillRect/>
+          </a:stretch>
+        </p:blipFill>
+        <p:spPr bwMode="auto">
+          <a:xfrm>
+            <a:off x="3243369" y="1036745"/>
+            <a:ext cx="1704553" cy="1253348"/>
+          </a:xfrm>
+          <a:prstGeom prst="rect">
+            <a:avLst/>
+          </a:prstGeom>
+          <a:noFill/>
+          <a:extLst>
+            <a:ext uri="{909E8E84-426E-40DD-AFC4-6F175D3DCCD1}">
+              <a14:hiddenFill xmlns:a14="http://schemas.microsoft.com/office/drawing/2010/main">
+                <a:solidFill>
+                  <a:srgbClr val="FFFFFF"/>
+                </a:solidFill>
+              </a14:hiddenFill>
+            </a:ext>
+          </a:extLst>
+        </p:spPr>
+      </p:pic>
+      <p:pic>
+        <p:nvPicPr>
+          <p:cNvPr id="6" name="Picture 20">
+            <a:extLst>
+              <a:ext uri="{FF2B5EF4-FFF2-40B4-BE49-F238E27FC236}">
+                <a16:creationId xmlns:a16="http://schemas.microsoft.com/office/drawing/2014/main" id="{903D5C4B-4038-A9B4-9EE2-C74DD145BA49}"/>
+              </a:ext>
+            </a:extLst>
+          </p:cNvPr>
+          <p:cNvPicPr>
+            <a:picLocks noChangeAspect="1" noChangeArrowheads="1"/>
+          </p:cNvPicPr>
+          <p:nvPr/>
+        </p:nvPicPr>
+        <p:blipFill>
+          <a:blip r:embed="rId3">
+            <a:extLst>
+              <a:ext uri="{28A0092B-C50C-407E-A947-70E740481C1C}">
+                <a14:useLocalDpi xmlns:a14="http://schemas.microsoft.com/office/drawing/2010/main" val="0"/>
+              </a:ext>
+            </a:extLst>
+          </a:blip>
+          <a:srcRect/>
+          <a:stretch>
+            <a:fillRect/>
+          </a:stretch>
+        </p:blipFill>
+        <p:spPr bwMode="auto">
+          <a:xfrm>
+            <a:off x="3226433" y="2179354"/>
+            <a:ext cx="1704553" cy="1253348"/>
+          </a:xfrm>
+          <a:prstGeom prst="rect">
+            <a:avLst/>
+          </a:prstGeom>
+          <a:noFill/>
+          <a:extLst>
+            <a:ext uri="{909E8E84-426E-40DD-AFC4-6F175D3DCCD1}">
+              <a14:hiddenFill xmlns:a14="http://schemas.microsoft.com/office/drawing/2010/main">
+                <a:solidFill>
+                  <a:srgbClr val="FFFFFF"/>
+                </a:solidFill>
+              </a14:hiddenFill>
+            </a:ext>
+          </a:extLst>
+        </p:spPr>
+      </p:pic>
+      <p:pic>
+        <p:nvPicPr>
+          <p:cNvPr id="7" name="Picture 22">
+            <a:extLst>
+              <a:ext uri="{FF2B5EF4-FFF2-40B4-BE49-F238E27FC236}">
+                <a16:creationId xmlns:a16="http://schemas.microsoft.com/office/drawing/2014/main" id="{C2738025-F240-6B03-0474-41EA59EEAEC0}"/>
+              </a:ext>
+            </a:extLst>
+          </p:cNvPr>
+          <p:cNvPicPr>
+            <a:picLocks noChangeAspect="1" noChangeArrowheads="1"/>
+          </p:cNvPicPr>
+          <p:nvPr/>
+        </p:nvPicPr>
+        <p:blipFill>
+          <a:blip r:embed="rId4">
+            <a:extLst>
+              <a:ext uri="{28A0092B-C50C-407E-A947-70E740481C1C}">
+                <a14:useLocalDpi xmlns:a14="http://schemas.microsoft.com/office/drawing/2010/main" val="0"/>
+              </a:ext>
+            </a:extLst>
+          </a:blip>
+          <a:srcRect/>
+          <a:stretch>
+            <a:fillRect/>
+          </a:stretch>
+        </p:blipFill>
+        <p:spPr bwMode="auto">
+          <a:xfrm>
+            <a:off x="3217964" y="3321120"/>
+            <a:ext cx="1704553" cy="1253348"/>
+          </a:xfrm>
+          <a:prstGeom prst="rect">
+            <a:avLst/>
+          </a:prstGeom>
+          <a:noFill/>
+          <a:extLst>
+            <a:ext uri="{909E8E84-426E-40DD-AFC4-6F175D3DCCD1}">
+              <a14:hiddenFill xmlns:a14="http://schemas.microsoft.com/office/drawing/2010/main">
+                <a:solidFill>
+                  <a:srgbClr val="FFFFFF"/>
+                </a:solidFill>
+              </a14:hiddenFill>
+            </a:ext>
+          </a:extLst>
+        </p:spPr>
+      </p:pic>
+      <p:pic>
+        <p:nvPicPr>
+          <p:cNvPr id="8" name="Picture 24">
+            <a:extLst>
+              <a:ext uri="{FF2B5EF4-FFF2-40B4-BE49-F238E27FC236}">
+                <a16:creationId xmlns:a16="http://schemas.microsoft.com/office/drawing/2014/main" id="{56204380-B1DE-6787-60C2-6A12EB76E896}"/>
+              </a:ext>
+            </a:extLst>
+          </p:cNvPr>
+          <p:cNvPicPr>
+            <a:picLocks noChangeAspect="1" noChangeArrowheads="1"/>
+          </p:cNvPicPr>
+          <p:nvPr/>
+        </p:nvPicPr>
+        <p:blipFill>
+          <a:blip r:embed="rId5">
+            <a:extLst>
+              <a:ext uri="{28A0092B-C50C-407E-A947-70E740481C1C}">
+                <a14:useLocalDpi xmlns:a14="http://schemas.microsoft.com/office/drawing/2010/main" val="0"/>
+              </a:ext>
+            </a:extLst>
+          </a:blip>
+          <a:srcRect/>
+          <a:stretch>
+            <a:fillRect/>
+          </a:stretch>
+        </p:blipFill>
+        <p:spPr bwMode="auto">
+          <a:xfrm>
+            <a:off x="3217963" y="4462886"/>
+            <a:ext cx="1704553" cy="1253348"/>
+          </a:xfrm>
+          <a:prstGeom prst="rect">
+            <a:avLst/>
+          </a:prstGeom>
+          <a:noFill/>
+          <a:extLst>
+            <a:ext uri="{909E8E84-426E-40DD-AFC4-6F175D3DCCD1}">
+              <a14:hiddenFill xmlns:a14="http://schemas.microsoft.com/office/drawing/2010/main">
+                <a:solidFill>
+                  <a:srgbClr val="FFFFFF"/>
+                </a:solidFill>
+              </a14:hiddenFill>
+            </a:ext>
+          </a:extLst>
+        </p:spPr>
+      </p:pic>
+      <p:pic>
+        <p:nvPicPr>
+          <p:cNvPr id="9" name="Picture 26">
+            <a:extLst>
+              <a:ext uri="{FF2B5EF4-FFF2-40B4-BE49-F238E27FC236}">
+                <a16:creationId xmlns:a16="http://schemas.microsoft.com/office/drawing/2014/main" id="{53E399FB-05C2-90F8-4631-428986B5B423}"/>
+              </a:ext>
+            </a:extLst>
+          </p:cNvPr>
+          <p:cNvPicPr>
+            <a:picLocks noChangeAspect="1" noChangeArrowheads="1"/>
+          </p:cNvPicPr>
+          <p:nvPr/>
+        </p:nvPicPr>
+        <p:blipFill>
+          <a:blip r:embed="rId6">
+            <a:extLst>
+              <a:ext uri="{28A0092B-C50C-407E-A947-70E740481C1C}">
+                <a14:useLocalDpi xmlns:a14="http://schemas.microsoft.com/office/drawing/2010/main" val="0"/>
+              </a:ext>
+            </a:extLst>
+          </a:blip>
+          <a:srcRect/>
+          <a:stretch>
+            <a:fillRect/>
+          </a:stretch>
+        </p:blipFill>
+        <p:spPr bwMode="auto">
+          <a:xfrm>
+            <a:off x="3217962" y="5604652"/>
+            <a:ext cx="1704553" cy="1253348"/>
+          </a:xfrm>
+          <a:prstGeom prst="rect">
+            <a:avLst/>
+          </a:prstGeom>
+          <a:noFill/>
+          <a:extLst>
+            <a:ext uri="{909E8E84-426E-40DD-AFC4-6F175D3DCCD1}">
+              <a14:hiddenFill xmlns:a14="http://schemas.microsoft.com/office/drawing/2010/main">
+                <a:solidFill>
+                  <a:srgbClr val="FFFFFF"/>
+                </a:solidFill>
+              </a14:hiddenFill>
+            </a:ext>
+          </a:extLst>
+        </p:spPr>
+      </p:pic>
+      <p:sp>
+        <p:nvSpPr>
+          <p:cNvPr id="10" name="TextBox 9">
+            <a:extLst>
+              <a:ext uri="{FF2B5EF4-FFF2-40B4-BE49-F238E27FC236}">
+                <a16:creationId xmlns:a16="http://schemas.microsoft.com/office/drawing/2014/main" id="{EBCC3D3A-DC97-5C26-ED8A-DD38C037D533}"/>
+              </a:ext>
+            </a:extLst>
+          </p:cNvPr>
+          <p:cNvSpPr txBox="1"/>
+          <p:nvPr/>
+        </p:nvSpPr>
+        <p:spPr>
+          <a:xfrm>
+            <a:off x="2286000" y="1482694"/>
+            <a:ext cx="1109762" cy="369332"/>
+          </a:xfrm>
+          <a:prstGeom prst="rect">
+            <a:avLst/>
+          </a:prstGeom>
+          <a:noFill/>
+        </p:spPr>
+        <p:txBody>
+          <a:bodyPr wrap="square" rtlCol="0">
+            <a:spAutoFit/>
+          </a:bodyPr>
+          <a:lstStyle/>
+          <a:p>
+            <a:pPr algn="ctr"/>
+            <a:r>
+              <a:rPr lang="en-US" dirty="0"/>
+              <a:t>N = 50</a:t>
+            </a:r>
+          </a:p>
+        </p:txBody>
+      </p:sp>
+      <p:sp>
+        <p:nvSpPr>
+          <p:cNvPr id="11" name="TextBox 10">
+            <a:extLst>
+              <a:ext uri="{FF2B5EF4-FFF2-40B4-BE49-F238E27FC236}">
+                <a16:creationId xmlns:a16="http://schemas.microsoft.com/office/drawing/2014/main" id="{A07DA8B0-3FBD-9F53-1E92-15F483E64AA6}"/>
+              </a:ext>
+            </a:extLst>
+          </p:cNvPr>
+          <p:cNvSpPr txBox="1"/>
+          <p:nvPr/>
+        </p:nvSpPr>
+        <p:spPr>
+          <a:xfrm>
+            <a:off x="2277535" y="2621362"/>
+            <a:ext cx="1109762" cy="369332"/>
+          </a:xfrm>
+          <a:prstGeom prst="rect">
+            <a:avLst/>
+          </a:prstGeom>
+          <a:noFill/>
+        </p:spPr>
+        <p:txBody>
+          <a:bodyPr wrap="square" rtlCol="0">
+            <a:spAutoFit/>
+          </a:bodyPr>
+          <a:lstStyle/>
+          <a:p>
+            <a:pPr algn="ctr"/>
+            <a:r>
+              <a:rPr lang="en-US" dirty="0"/>
+              <a:t>N = 100</a:t>
+            </a:r>
+          </a:p>
+        </p:txBody>
+      </p:sp>
+      <p:sp>
+        <p:nvSpPr>
+          <p:cNvPr id="12" name="TextBox 11">
+            <a:extLst>
+              <a:ext uri="{FF2B5EF4-FFF2-40B4-BE49-F238E27FC236}">
+                <a16:creationId xmlns:a16="http://schemas.microsoft.com/office/drawing/2014/main" id="{1DD53978-65C3-3EDC-D32C-A327A3287EAD}"/>
+              </a:ext>
+            </a:extLst>
+          </p:cNvPr>
+          <p:cNvSpPr txBox="1"/>
+          <p:nvPr/>
+        </p:nvSpPr>
+        <p:spPr>
+          <a:xfrm>
+            <a:off x="2277533" y="3760030"/>
+            <a:ext cx="1109762" cy="369332"/>
+          </a:xfrm>
+          <a:prstGeom prst="rect">
+            <a:avLst/>
+          </a:prstGeom>
+          <a:noFill/>
+        </p:spPr>
+        <p:txBody>
+          <a:bodyPr wrap="square" rtlCol="0">
+            <a:spAutoFit/>
+          </a:bodyPr>
+          <a:lstStyle/>
+          <a:p>
+            <a:pPr algn="ctr"/>
+            <a:r>
+              <a:rPr lang="en-US" dirty="0"/>
+              <a:t>N = 250</a:t>
+            </a:r>
+          </a:p>
+        </p:txBody>
+      </p:sp>
+      <p:sp>
+        <p:nvSpPr>
+          <p:cNvPr id="13" name="TextBox 12">
+            <a:extLst>
+              <a:ext uri="{FF2B5EF4-FFF2-40B4-BE49-F238E27FC236}">
+                <a16:creationId xmlns:a16="http://schemas.microsoft.com/office/drawing/2014/main" id="{C5B4BD60-9D9C-4CD8-06BC-92F2EEAD9573}"/>
+              </a:ext>
+            </a:extLst>
+          </p:cNvPr>
+          <p:cNvSpPr txBox="1"/>
+          <p:nvPr/>
+        </p:nvSpPr>
+        <p:spPr>
+          <a:xfrm>
+            <a:off x="2277533" y="4867991"/>
+            <a:ext cx="1109762" cy="369332"/>
+          </a:xfrm>
+          <a:prstGeom prst="rect">
+            <a:avLst/>
+          </a:prstGeom>
+          <a:noFill/>
+        </p:spPr>
+        <p:txBody>
+          <a:bodyPr wrap="square" rtlCol="0">
+            <a:spAutoFit/>
+          </a:bodyPr>
+          <a:lstStyle/>
+          <a:p>
+            <a:pPr algn="ctr"/>
+            <a:r>
+              <a:rPr lang="en-US" dirty="0"/>
+              <a:t>N = 500</a:t>
+            </a:r>
+          </a:p>
+        </p:txBody>
+      </p:sp>
+      <p:sp>
+        <p:nvSpPr>
+          <p:cNvPr id="14" name="TextBox 13">
+            <a:extLst>
+              <a:ext uri="{FF2B5EF4-FFF2-40B4-BE49-F238E27FC236}">
+                <a16:creationId xmlns:a16="http://schemas.microsoft.com/office/drawing/2014/main" id="{39964B54-2E22-9E43-9BCF-65340B5312C6}"/>
+              </a:ext>
+            </a:extLst>
+          </p:cNvPr>
+          <p:cNvSpPr txBox="1"/>
+          <p:nvPr/>
+        </p:nvSpPr>
+        <p:spPr>
+          <a:xfrm>
+            <a:off x="2184401" y="5975952"/>
+            <a:ext cx="1202894" cy="369332"/>
+          </a:xfrm>
+          <a:prstGeom prst="rect">
+            <a:avLst/>
+          </a:prstGeom>
+          <a:noFill/>
+        </p:spPr>
+        <p:txBody>
+          <a:bodyPr wrap="square" rtlCol="0">
+            <a:spAutoFit/>
+          </a:bodyPr>
+          <a:lstStyle/>
+          <a:p>
+            <a:pPr algn="ctr"/>
+            <a:r>
+              <a:rPr lang="en-US" dirty="0"/>
+              <a:t>N = 1000</a:t>
+            </a:r>
+          </a:p>
+        </p:txBody>
+      </p:sp>
+      <p:cxnSp>
+        <p:nvCxnSpPr>
+          <p:cNvPr id="15" name="Straight Connector 14">
+            <a:extLst>
+              <a:ext uri="{FF2B5EF4-FFF2-40B4-BE49-F238E27FC236}">
+                <a16:creationId xmlns:a16="http://schemas.microsoft.com/office/drawing/2014/main" id="{3B2E9B9B-39E2-4933-7D8F-FC9AFE900909}"/>
+              </a:ext>
+            </a:extLst>
+          </p:cNvPr>
+          <p:cNvCxnSpPr>
+            <a:cxnSpLocks/>
+          </p:cNvCxnSpPr>
+          <p:nvPr/>
+        </p:nvCxnSpPr>
+        <p:spPr>
+          <a:xfrm>
+            <a:off x="4656669" y="1036745"/>
+            <a:ext cx="0" cy="5684730"/>
+          </a:xfrm>
+          <a:prstGeom prst="line">
+            <a:avLst/>
+          </a:prstGeom>
+          <a:ln w="19050">
+            <a:solidFill>
+              <a:srgbClr val="C00000"/>
+            </a:solidFill>
+            <a:prstDash val="dash"/>
+          </a:ln>
+        </p:spPr>
+        <p:style>
+          <a:lnRef idx="1">
+            <a:schemeClr val="accent1"/>
+          </a:lnRef>
+          <a:fillRef idx="0">
+            <a:schemeClr val="accent1"/>
+          </a:fillRef>
+          <a:effectRef idx="0">
+            <a:schemeClr val="accent1"/>
+          </a:effectRef>
+          <a:fontRef idx="minor">
+            <a:schemeClr val="tx1"/>
+          </a:fontRef>
+        </p:style>
+      </p:cxnSp>
+      <p:sp>
+        <p:nvSpPr>
+          <p:cNvPr id="16" name="TextBox 15">
+            <a:extLst>
+              <a:ext uri="{FF2B5EF4-FFF2-40B4-BE49-F238E27FC236}">
+                <a16:creationId xmlns:a16="http://schemas.microsoft.com/office/drawing/2014/main" id="{4425A7C8-96AC-9C3B-068B-56EA971850A3}"/>
+              </a:ext>
+            </a:extLst>
+          </p:cNvPr>
+          <p:cNvSpPr txBox="1"/>
+          <p:nvPr/>
+        </p:nvSpPr>
+        <p:spPr>
+          <a:xfrm>
+            <a:off x="5579532" y="2619092"/>
+            <a:ext cx="5215468" cy="2616101"/>
+          </a:xfrm>
+          <a:prstGeom prst="rect">
+            <a:avLst/>
+          </a:prstGeom>
+          <a:noFill/>
+        </p:spPr>
+        <p:txBody>
+          <a:bodyPr wrap="square" rtlCol="0">
+            <a:spAutoFit/>
+          </a:bodyPr>
+          <a:lstStyle/>
+          <a:p>
+            <a:pPr marL="285750" indent="-285750">
+              <a:spcAft>
+                <a:spcPts val="800"/>
+              </a:spcAft>
+              <a:buFont typeface="Arial" panose="020B0604020202020204" pitchFamily="34" charset="0"/>
+              <a:buChar char="•"/>
+            </a:pPr>
+            <a:r>
+              <a:rPr lang="en-US" dirty="0"/>
+              <a:t>Vertical lines: grid points (like a number line)</a:t>
+            </a:r>
+          </a:p>
+          <a:p>
+            <a:pPr marL="285750" indent="-285750">
+              <a:spcAft>
+                <a:spcPts val="800"/>
+              </a:spcAft>
+              <a:buFont typeface="Arial" panose="020B0604020202020204" pitchFamily="34" charset="0"/>
+              <a:buChar char="•"/>
+            </a:pPr>
+            <a:r>
+              <a:rPr lang="en-US" dirty="0"/>
+              <a:t>Transition between coarse grid and fine grid occurs at the “knee” (red)</a:t>
+            </a:r>
+          </a:p>
+          <a:p>
+            <a:pPr marL="742950" lvl="1" indent="-285750">
+              <a:spcAft>
+                <a:spcPts val="800"/>
+              </a:spcAft>
+              <a:buFont typeface="Arial" panose="020B0604020202020204" pitchFamily="34" charset="0"/>
+              <a:buChar char="•"/>
+            </a:pPr>
+            <a:r>
+              <a:rPr lang="en-US" dirty="0"/>
+              <a:t>Fraction of points on either side of the knee is the same as N increases</a:t>
+            </a:r>
+          </a:p>
+          <a:p>
+            <a:pPr marL="285750" indent="-285750">
+              <a:spcAft>
+                <a:spcPts val="800"/>
+              </a:spcAft>
+              <a:buFont typeface="Arial" panose="020B0604020202020204" pitchFamily="34" charset="0"/>
+              <a:buChar char="•"/>
+            </a:pPr>
+            <a:r>
+              <a:rPr lang="en-US" dirty="0"/>
+              <a:t>Allows for accurate solution of highly changing potential at right boundary and gradual decay at left boundary</a:t>
+            </a:r>
+          </a:p>
+        </p:txBody>
+      </p:sp>
+    </p:spTree>
+    <p:extLst>
+      <p:ext uri="{BB962C8B-B14F-4D97-AF65-F5344CB8AC3E}">
+        <p14:creationId xmlns:p14="http://schemas.microsoft.com/office/powerpoint/2010/main" val="1489669166"/>
+      </p:ext>
+    </p:extLst>
+  </p:cSld>
+  <p:clrMapOvr>
+    <a:masterClrMapping/>
+  </p:clrMapOvr>
+</p:sld>
+</file>
+
+<file path=ppt/slides/slide7.xml><?xml version="1.0" encoding="utf-8"?>
+<p:sld xmlns:a="http://schemas.openxmlformats.org/drawingml/2006/main" xmlns:r="http://schemas.openxmlformats.org/officeDocument/2006/relationships" xmlns:p="http://schemas.openxmlformats.org/presentationml/2006/main">
+  <p:cSld>
+    <p:spTree>
+      <p:nvGrpSpPr>
+        <p:cNvPr id="1" name=""/>
+        <p:cNvGrpSpPr/>
+        <p:nvPr/>
+      </p:nvGrpSpPr>
+      <p:grpSpPr>
+        <a:xfrm>
+          <a:off x="0" y="0"/>
+          <a:ext cx="0" cy="0"/>
+          <a:chOff x="0" y="0"/>
+          <a:chExt cx="0" cy="0"/>
+        </a:xfrm>
+      </p:grpSpPr>
+      <p:sp>
+        <p:nvSpPr>
+          <p:cNvPr id="2" name="Title 1">
+            <a:extLst>
+              <a:ext uri="{FF2B5EF4-FFF2-40B4-BE49-F238E27FC236}">
+                <a16:creationId xmlns:a16="http://schemas.microsoft.com/office/drawing/2014/main" id="{3F58BA33-6CE8-4C6A-4397-2E8BAE79FFFA}"/>
+              </a:ext>
+            </a:extLst>
+          </p:cNvPr>
+          <p:cNvSpPr>
+            <a:spLocks noGrp="1"/>
+          </p:cNvSpPr>
+          <p:nvPr>
+            <p:ph type="title"/>
+          </p:nvPr>
+        </p:nvSpPr>
+        <p:spPr/>
+        <p:txBody>
+          <a:bodyPr/>
+          <a:lstStyle/>
+          <a:p>
+            <a:r>
+              <a:rPr lang="en-US" dirty="0"/>
+              <a:t>Comparison with analytical results</a:t>
+            </a:r>
+          </a:p>
+        </p:txBody>
+      </p:sp>
+      <p:sp>
+        <p:nvSpPr>
+          <p:cNvPr id="3" name="Slide Number Placeholder 2">
+            <a:extLst>
+              <a:ext uri="{FF2B5EF4-FFF2-40B4-BE49-F238E27FC236}">
+                <a16:creationId xmlns:a16="http://schemas.microsoft.com/office/drawing/2014/main" id="{B4C6B200-B8E2-6E95-7A7F-8E7753C12055}"/>
+              </a:ext>
+            </a:extLst>
+          </p:cNvPr>
+          <p:cNvSpPr>
+            <a:spLocks noGrp="1"/>
+          </p:cNvSpPr>
+          <p:nvPr>
+            <p:ph type="sldNum" sz="quarter" idx="12"/>
+          </p:nvPr>
+        </p:nvSpPr>
+        <p:spPr/>
+        <p:txBody>
+          <a:bodyPr/>
+          <a:lstStyle/>
+          <a:p>
+            <a:fld id="{5911C0E6-D9CE-431C-92CB-BB39B872F930}" type="slidenum">
+              <a:rPr lang="en-US" smtClean="0"/>
+              <a:t>7</a:t>
+            </a:fld>
+            <a:endParaRPr lang="en-US"/>
+          </a:p>
+        </p:txBody>
+      </p:sp>
+      <p:pic>
+        <p:nvPicPr>
+          <p:cNvPr id="5122" name="Picture 2">
+            <a:extLst>
+              <a:ext uri="{FF2B5EF4-FFF2-40B4-BE49-F238E27FC236}">
+                <a16:creationId xmlns:a16="http://schemas.microsoft.com/office/drawing/2014/main" id="{14B33E95-8636-64AA-9F76-53A662868F8C}"/>
+              </a:ext>
+            </a:extLst>
+          </p:cNvPr>
+          <p:cNvPicPr>
+            <a:picLocks noChangeAspect="1" noChangeArrowheads="1"/>
+          </p:cNvPicPr>
+          <p:nvPr/>
+        </p:nvPicPr>
+        <p:blipFill>
+          <a:blip r:embed="rId2">
+            <a:extLst>
+              <a:ext uri="{28A0092B-C50C-407E-A947-70E740481C1C}">
+                <a14:useLocalDpi xmlns:a14="http://schemas.microsoft.com/office/drawing/2010/main" val="0"/>
+              </a:ext>
+            </a:extLst>
+          </a:blip>
+          <a:srcRect/>
+          <a:stretch>
+            <a:fillRect/>
+          </a:stretch>
+        </p:blipFill>
+        <p:spPr bwMode="auto">
+          <a:xfrm>
+            <a:off x="121027" y="2231687"/>
+            <a:ext cx="4716334" cy="3529787"/>
+          </a:xfrm>
+          <a:prstGeom prst="rect">
+            <a:avLst/>
+          </a:prstGeom>
+          <a:noFill/>
+          <a:extLst>
+            <a:ext uri="{909E8E84-426E-40DD-AFC4-6F175D3DCCD1}">
+              <a14:hiddenFill xmlns:a14="http://schemas.microsoft.com/office/drawing/2010/main">
+                <a:solidFill>
+                  <a:srgbClr val="FFFFFF"/>
+                </a:solidFill>
+              </a14:hiddenFill>
+            </a:ext>
+          </a:extLst>
+        </p:spPr>
+      </p:pic>
+      <p:grpSp>
+        <p:nvGrpSpPr>
+          <p:cNvPr id="15" name="Group 14">
+            <a:extLst>
+              <a:ext uri="{FF2B5EF4-FFF2-40B4-BE49-F238E27FC236}">
+                <a16:creationId xmlns:a16="http://schemas.microsoft.com/office/drawing/2014/main" id="{F4558A8F-B6B2-7CA4-0161-044C6CB80145}"/>
+              </a:ext>
+            </a:extLst>
+          </p:cNvPr>
+          <p:cNvGrpSpPr/>
+          <p:nvPr/>
+        </p:nvGrpSpPr>
+        <p:grpSpPr>
+          <a:xfrm>
+            <a:off x="5244599" y="3219969"/>
+            <a:ext cx="4709248" cy="713790"/>
+            <a:chOff x="5134212" y="2736080"/>
+            <a:chExt cx="4709248" cy="713790"/>
+          </a:xfrm>
+        </p:grpSpPr>
+        <p:sp>
+          <p:nvSpPr>
+            <p:cNvPr id="11" name="TextBox 10">
+              <a:extLst>
+                <a:ext uri="{FF2B5EF4-FFF2-40B4-BE49-F238E27FC236}">
+                  <a16:creationId xmlns:a16="http://schemas.microsoft.com/office/drawing/2014/main" id="{BC1866C3-7612-7965-D320-B34EA517051D}"/>
+                </a:ext>
+              </a:extLst>
+            </p:cNvPr>
+            <p:cNvSpPr txBox="1"/>
+            <p:nvPr/>
+          </p:nvSpPr>
+          <p:spPr>
+            <a:xfrm>
+              <a:off x="5134212" y="2736080"/>
+              <a:ext cx="1236134" cy="369332"/>
+            </a:xfrm>
+            <a:prstGeom prst="rect">
+              <a:avLst/>
+            </a:prstGeom>
+            <a:noFill/>
+          </p:spPr>
+          <p:txBody>
+            <a:bodyPr wrap="square" rtlCol="0">
+              <a:spAutoFit/>
+            </a:bodyPr>
+            <a:lstStyle/>
+            <a:p>
+              <a:r>
+                <a:rPr lang="en-US" dirty="0"/>
+                <a:t>Dotted:</a:t>
+              </a:r>
+            </a:p>
+          </p:txBody>
+        </p:sp>
+        <p:pic>
+          <p:nvPicPr>
+            <p:cNvPr id="13" name="Picture 12">
+              <a:extLst>
+                <a:ext uri="{FF2B5EF4-FFF2-40B4-BE49-F238E27FC236}">
+                  <a16:creationId xmlns:a16="http://schemas.microsoft.com/office/drawing/2014/main" id="{DB5D56FF-CA26-7459-7D96-4776181EE968}"/>
+                </a:ext>
+              </a:extLst>
+            </p:cNvPr>
+            <p:cNvPicPr>
+              <a:picLocks noChangeAspect="1"/>
+            </p:cNvPicPr>
+            <p:nvPr/>
+          </p:nvPicPr>
+          <p:blipFill>
+            <a:blip r:embed="rId3"/>
+            <a:stretch>
+              <a:fillRect/>
+            </a:stretch>
+          </p:blipFill>
+          <p:spPr>
+            <a:xfrm>
+              <a:off x="6221626" y="2760427"/>
+              <a:ext cx="3621834" cy="369331"/>
+            </a:xfrm>
+            <a:prstGeom prst="rect">
+              <a:avLst/>
+            </a:prstGeom>
+          </p:spPr>
+        </p:pic>
+        <p:sp>
+          <p:nvSpPr>
+            <p:cNvPr id="14" name="TextBox 13">
+              <a:extLst>
+                <a:ext uri="{FF2B5EF4-FFF2-40B4-BE49-F238E27FC236}">
+                  <a16:creationId xmlns:a16="http://schemas.microsoft.com/office/drawing/2014/main" id="{D8E33595-02C6-CC3B-10F5-6AB7CDED35CA}"/>
+                </a:ext>
+              </a:extLst>
+            </p:cNvPr>
+            <p:cNvSpPr txBox="1"/>
+            <p:nvPr/>
+          </p:nvSpPr>
+          <p:spPr>
+            <a:xfrm>
+              <a:off x="6352279" y="3172871"/>
+              <a:ext cx="3360527" cy="276999"/>
+            </a:xfrm>
+            <a:prstGeom prst="rect">
+              <a:avLst/>
+            </a:prstGeom>
+            <a:noFill/>
+          </p:spPr>
+          <p:txBody>
+            <a:bodyPr wrap="square" rtlCol="0">
+              <a:spAutoFit/>
+            </a:bodyPr>
+            <a:lstStyle/>
+            <a:p>
+              <a:r>
+                <a:rPr lang="en-US" sz="1200" dirty="0"/>
+                <a:t>Infinite boundary condition, log-divergence</a:t>
+              </a:r>
+            </a:p>
+          </p:txBody>
+        </p:sp>
+      </p:grpSp>
+      <p:grpSp>
+        <p:nvGrpSpPr>
+          <p:cNvPr id="17" name="Group 16">
+            <a:extLst>
+              <a:ext uri="{FF2B5EF4-FFF2-40B4-BE49-F238E27FC236}">
+                <a16:creationId xmlns:a16="http://schemas.microsoft.com/office/drawing/2014/main" id="{8C36A51E-6FB0-386C-59CB-4D619D139825}"/>
+              </a:ext>
+            </a:extLst>
+          </p:cNvPr>
+          <p:cNvGrpSpPr/>
+          <p:nvPr/>
+        </p:nvGrpSpPr>
+        <p:grpSpPr>
+          <a:xfrm>
+            <a:off x="5244599" y="4277973"/>
+            <a:ext cx="6947401" cy="1395318"/>
+            <a:chOff x="5134212" y="3794084"/>
+            <a:chExt cx="6947401" cy="1395318"/>
+          </a:xfrm>
+        </p:grpSpPr>
+        <p:pic>
+          <p:nvPicPr>
+            <p:cNvPr id="5" name="Picture 4">
+              <a:extLst>
+                <a:ext uri="{FF2B5EF4-FFF2-40B4-BE49-F238E27FC236}">
+                  <a16:creationId xmlns:a16="http://schemas.microsoft.com/office/drawing/2014/main" id="{14141201-BD02-DBF5-CFAF-72D175EA4B05}"/>
+                </a:ext>
+              </a:extLst>
+            </p:cNvPr>
+            <p:cNvPicPr>
+              <a:picLocks noChangeAspect="1"/>
+            </p:cNvPicPr>
+            <p:nvPr/>
+          </p:nvPicPr>
+          <p:blipFill>
+            <a:blip r:embed="rId4"/>
+            <a:stretch>
+              <a:fillRect/>
+            </a:stretch>
+          </p:blipFill>
+          <p:spPr>
+            <a:xfrm>
+              <a:off x="6096000" y="3812952"/>
+              <a:ext cx="2743201" cy="961828"/>
+            </a:xfrm>
+            <a:prstGeom prst="rect">
+              <a:avLst/>
+            </a:prstGeom>
+          </p:spPr>
+        </p:pic>
+        <p:sp>
+          <p:nvSpPr>
+            <p:cNvPr id="6" name="TextBox 5">
+              <a:extLst>
+                <a:ext uri="{FF2B5EF4-FFF2-40B4-BE49-F238E27FC236}">
+                  <a16:creationId xmlns:a16="http://schemas.microsoft.com/office/drawing/2014/main" id="{70772536-6113-1FAD-AFB3-9A39BCF0E82B}"/>
+                </a:ext>
+              </a:extLst>
+            </p:cNvPr>
+            <p:cNvSpPr txBox="1"/>
+            <p:nvPr/>
+          </p:nvSpPr>
+          <p:spPr>
+            <a:xfrm>
+              <a:off x="9127066" y="4705092"/>
+              <a:ext cx="2743201" cy="276999"/>
+            </a:xfrm>
+            <a:prstGeom prst="rect">
+              <a:avLst/>
+            </a:prstGeom>
+            <a:noFill/>
+          </p:spPr>
+          <p:txBody>
+            <a:bodyPr wrap="square" rtlCol="0">
+              <a:spAutoFit/>
+            </a:bodyPr>
+            <a:lstStyle/>
+            <a:p>
+              <a:r>
+                <a:rPr lang="en-US" sz="1200" dirty="0"/>
+                <a:t>Srinivasan et al. Part I. 2024. </a:t>
+              </a:r>
+              <a:r>
+                <a:rPr lang="en-US" sz="1200" i="1" dirty="0"/>
+                <a:t>Langmuir</a:t>
+              </a:r>
+              <a:endParaRPr lang="en-US" sz="1200" dirty="0"/>
+            </a:p>
+          </p:txBody>
+        </p:sp>
+        <p:sp>
+          <p:nvSpPr>
+            <p:cNvPr id="8" name="TextBox 7">
+              <a:extLst>
+                <a:ext uri="{FF2B5EF4-FFF2-40B4-BE49-F238E27FC236}">
+                  <a16:creationId xmlns:a16="http://schemas.microsoft.com/office/drawing/2014/main" id="{DA10584F-3755-7EBF-F80D-35C85FFF10E7}"/>
+                </a:ext>
+              </a:extLst>
+            </p:cNvPr>
+            <p:cNvSpPr txBox="1"/>
+            <p:nvPr/>
+          </p:nvSpPr>
+          <p:spPr>
+            <a:xfrm>
+              <a:off x="9127066" y="3794084"/>
+              <a:ext cx="2954547" cy="830997"/>
+            </a:xfrm>
+            <a:prstGeom prst="rect">
+              <a:avLst/>
+            </a:prstGeom>
+            <a:noFill/>
+          </p:spPr>
+          <p:txBody>
+            <a:bodyPr wrap="square" rtlCol="0">
+              <a:spAutoFit/>
+            </a:bodyPr>
+            <a:lstStyle/>
+            <a:p>
+              <a:r>
+                <a:rPr lang="en-US" sz="1200" dirty="0"/>
+                <a:t>Note: midpoint concentration can be calculated analytically but wasn’t quite right. In plots, used midpoint concentration obtained with N = 10,000</a:t>
+              </a:r>
+            </a:p>
+          </p:txBody>
+        </p:sp>
+        <p:sp>
+          <p:nvSpPr>
+            <p:cNvPr id="10" name="TextBox 9">
+              <a:extLst>
+                <a:ext uri="{FF2B5EF4-FFF2-40B4-BE49-F238E27FC236}">
+                  <a16:creationId xmlns:a16="http://schemas.microsoft.com/office/drawing/2014/main" id="{8A0B6B1B-1E11-A18F-7F04-5F71BA849150}"/>
+                </a:ext>
+              </a:extLst>
+            </p:cNvPr>
+            <p:cNvSpPr txBox="1"/>
+            <p:nvPr/>
+          </p:nvSpPr>
+          <p:spPr>
+            <a:xfrm>
+              <a:off x="5134212" y="3937254"/>
+              <a:ext cx="1236134" cy="369332"/>
+            </a:xfrm>
+            <a:prstGeom prst="rect">
+              <a:avLst/>
+            </a:prstGeom>
+            <a:noFill/>
+          </p:spPr>
+          <p:txBody>
+            <a:bodyPr wrap="square" rtlCol="0">
+              <a:spAutoFit/>
+            </a:bodyPr>
+            <a:lstStyle/>
+            <a:p>
+              <a:r>
+                <a:rPr lang="en-US" dirty="0"/>
+                <a:t>Dashed:</a:t>
+              </a:r>
+            </a:p>
+          </p:txBody>
+        </p:sp>
+        <p:sp>
+          <p:nvSpPr>
+            <p:cNvPr id="16" name="TextBox 15">
+              <a:extLst>
+                <a:ext uri="{FF2B5EF4-FFF2-40B4-BE49-F238E27FC236}">
+                  <a16:creationId xmlns:a16="http://schemas.microsoft.com/office/drawing/2014/main" id="{A7C655A2-0E61-BE57-D4E2-1A58BF41242B}"/>
+                </a:ext>
+              </a:extLst>
+            </p:cNvPr>
+            <p:cNvSpPr txBox="1"/>
+            <p:nvPr/>
+          </p:nvSpPr>
+          <p:spPr>
+            <a:xfrm>
+              <a:off x="6096000" y="4912403"/>
+              <a:ext cx="3360527" cy="276999"/>
+            </a:xfrm>
+            <a:prstGeom prst="rect">
+              <a:avLst/>
+            </a:prstGeom>
+            <a:noFill/>
+          </p:spPr>
+          <p:txBody>
+            <a:bodyPr wrap="square" rtlCol="0">
+              <a:spAutoFit/>
+            </a:bodyPr>
+            <a:lstStyle/>
+            <a:p>
+              <a:r>
+                <a:rPr lang="en-US" sz="1200" dirty="0"/>
+                <a:t>Finite boundary condition</a:t>
+              </a:r>
+            </a:p>
+          </p:txBody>
+        </p:sp>
+      </p:grpSp>
+      <p:sp>
+        <p:nvSpPr>
+          <p:cNvPr id="4" name="TextBox 3">
+            <a:extLst>
+              <a:ext uri="{FF2B5EF4-FFF2-40B4-BE49-F238E27FC236}">
+                <a16:creationId xmlns:a16="http://schemas.microsoft.com/office/drawing/2014/main" id="{94C07408-F892-3741-7084-598D31A30CE1}"/>
+              </a:ext>
+            </a:extLst>
+          </p:cNvPr>
+          <p:cNvSpPr txBox="1"/>
+          <p:nvPr/>
+        </p:nvSpPr>
+        <p:spPr>
+          <a:xfrm>
+            <a:off x="5244599" y="2364780"/>
+            <a:ext cx="5033175" cy="369332"/>
+          </a:xfrm>
+          <a:prstGeom prst="rect">
+            <a:avLst/>
+          </a:prstGeom>
+          <a:noFill/>
+        </p:spPr>
+        <p:txBody>
+          <a:bodyPr wrap="square" rtlCol="0">
+            <a:spAutoFit/>
+          </a:bodyPr>
+          <a:lstStyle/>
+          <a:p>
+            <a:r>
+              <a:rPr lang="en-US" dirty="0"/>
+              <a:t>Solid: numerical solution using N=5000 points</a:t>
+            </a:r>
+          </a:p>
+        </p:txBody>
+      </p:sp>
+      <p:sp>
+        <p:nvSpPr>
+          <p:cNvPr id="7" name="TextBox 6">
+            <a:extLst>
+              <a:ext uri="{FF2B5EF4-FFF2-40B4-BE49-F238E27FC236}">
+                <a16:creationId xmlns:a16="http://schemas.microsoft.com/office/drawing/2014/main" id="{1D1E2717-118B-9C48-D5F5-25AC96842749}"/>
+              </a:ext>
+            </a:extLst>
+          </p:cNvPr>
+          <p:cNvSpPr txBox="1"/>
+          <p:nvPr/>
+        </p:nvSpPr>
+        <p:spPr>
+          <a:xfrm>
+            <a:off x="709041" y="1893133"/>
+            <a:ext cx="4128320" cy="338554"/>
+          </a:xfrm>
+          <a:prstGeom prst="rect">
+            <a:avLst/>
+          </a:prstGeom>
+          <a:noFill/>
+        </p:spPr>
+        <p:txBody>
+          <a:bodyPr wrap="square" rtlCol="0">
+            <a:spAutoFit/>
+          </a:bodyPr>
+          <a:lstStyle/>
+          <a:p>
+            <a:pPr algn="ctr"/>
+            <a:r>
+              <a:rPr lang="en-US" sz="1600" dirty="0"/>
+              <a:t>Colors: Surface charge densities in </a:t>
+            </a:r>
+            <a:r>
+              <a:rPr lang="en-US" sz="1600" dirty="0" err="1"/>
+              <a:t>uC</a:t>
+            </a:r>
+            <a:r>
+              <a:rPr lang="en-US" sz="1600" dirty="0"/>
+              <a:t>/cm2</a:t>
+            </a:r>
+          </a:p>
+        </p:txBody>
+      </p:sp>
+    </p:spTree>
+    <p:extLst>
+      <p:ext uri="{BB962C8B-B14F-4D97-AF65-F5344CB8AC3E}">
+        <p14:creationId xmlns:p14="http://schemas.microsoft.com/office/powerpoint/2010/main" val="3614348224"/>
+      </p:ext>
+    </p:extLst>
+  </p:cSld>
+  <p:clrMapOvr>
+    <a:masterClrMapping/>
+  </p:clrMapOvr>
+</p:sld>
+</file>
+
+<file path=ppt/slides/slide8.xml><?xml version="1.0" encoding="utf-8"?>
+<p:sld xmlns:a="http://schemas.openxmlformats.org/drawingml/2006/main" xmlns:r="http://schemas.openxmlformats.org/officeDocument/2006/relationships" xmlns:p="http://schemas.openxmlformats.org/presentationml/2006/main">
+  <p:cSld>
+    <p:spTree>
+      <p:nvGrpSpPr>
+        <p:cNvPr id="1" name=""/>
+        <p:cNvGrpSpPr/>
+        <p:nvPr/>
+      </p:nvGrpSpPr>
+      <p:grpSpPr>
+        <a:xfrm>
+          <a:off x="0" y="0"/>
+          <a:ext cx="0" cy="0"/>
+          <a:chOff x="0" y="0"/>
+          <a:chExt cx="0" cy="0"/>
+        </a:xfrm>
+      </p:grpSpPr>
+      <p:sp>
+        <p:nvSpPr>
+          <p:cNvPr id="2" name="Title 1">
+            <a:extLst>
+              <a:ext uri="{FF2B5EF4-FFF2-40B4-BE49-F238E27FC236}">
+                <a16:creationId xmlns:a16="http://schemas.microsoft.com/office/drawing/2014/main" id="{B3436272-836D-489D-55E0-0D4D0B415472}"/>
+              </a:ext>
+            </a:extLst>
+          </p:cNvPr>
+          <p:cNvSpPr>
+            <a:spLocks noGrp="1"/>
+          </p:cNvSpPr>
+          <p:nvPr>
+            <p:ph type="title"/>
+          </p:nvPr>
+        </p:nvSpPr>
+        <p:spPr/>
+        <p:txBody>
+          <a:bodyPr/>
+          <a:lstStyle/>
+          <a:p>
+            <a:r>
+              <a:rPr lang="en-US" dirty="0"/>
+              <a:t>Effect of number of grid points (N)</a:t>
+            </a:r>
+          </a:p>
+        </p:txBody>
+      </p:sp>
+      <p:sp>
+        <p:nvSpPr>
+          <p:cNvPr id="3" name="Slide Number Placeholder 2">
+            <a:extLst>
+              <a:ext uri="{FF2B5EF4-FFF2-40B4-BE49-F238E27FC236}">
+                <a16:creationId xmlns:a16="http://schemas.microsoft.com/office/drawing/2014/main" id="{C7B67C98-748A-3022-A142-F88F92AB605F}"/>
+              </a:ext>
+            </a:extLst>
+          </p:cNvPr>
+          <p:cNvSpPr>
+            <a:spLocks noGrp="1"/>
+          </p:cNvSpPr>
+          <p:nvPr>
+            <p:ph type="sldNum" sz="quarter" idx="12"/>
+          </p:nvPr>
+        </p:nvSpPr>
+        <p:spPr/>
+        <p:txBody>
+          <a:bodyPr/>
+          <a:lstStyle/>
+          <a:p>
+            <a:fld id="{5911C0E6-D9CE-431C-92CB-BB39B872F930}" type="slidenum">
+              <a:rPr lang="en-US" smtClean="0"/>
+              <a:t>8</a:t>
+            </a:fld>
+            <a:endParaRPr lang="en-US"/>
+          </a:p>
+        </p:txBody>
+      </p:sp>
+      <p:pic>
+        <p:nvPicPr>
+          <p:cNvPr id="1042" name="Picture 18">
+            <a:extLst>
+              <a:ext uri="{FF2B5EF4-FFF2-40B4-BE49-F238E27FC236}">
+                <a16:creationId xmlns:a16="http://schemas.microsoft.com/office/drawing/2014/main" id="{A64E2537-7F5C-6576-CE5E-4997091DE72B}"/>
+              </a:ext>
+            </a:extLst>
+          </p:cNvPr>
+          <p:cNvPicPr>
+            <a:picLocks noChangeAspect="1" noChangeArrowheads="1"/>
+          </p:cNvPicPr>
+          <p:nvPr/>
+        </p:nvPicPr>
+        <p:blipFill>
+          <a:blip r:embed="rId2">
+            <a:extLst>
+              <a:ext uri="{28A0092B-C50C-407E-A947-70E740481C1C}">
+                <a14:useLocalDpi xmlns:a14="http://schemas.microsoft.com/office/drawing/2010/main" val="0"/>
+              </a:ext>
+            </a:extLst>
+          </a:blip>
+          <a:srcRect/>
+          <a:stretch>
+            <a:fillRect/>
+          </a:stretch>
+        </p:blipFill>
+        <p:spPr bwMode="auto">
+          <a:xfrm>
+            <a:off x="1075902" y="1036745"/>
+            <a:ext cx="1704553" cy="1253348"/>
+          </a:xfrm>
+          <a:prstGeom prst="rect">
+            <a:avLst/>
+          </a:prstGeom>
+          <a:noFill/>
+          <a:extLst>
+            <a:ext uri="{909E8E84-426E-40DD-AFC4-6F175D3DCCD1}">
+              <a14:hiddenFill xmlns:a14="http://schemas.microsoft.com/office/drawing/2010/main">
+                <a:solidFill>
+                  <a:srgbClr val="FFFFFF"/>
+                </a:solidFill>
+              </a14:hiddenFill>
+            </a:ext>
+          </a:extLst>
+        </p:spPr>
+      </p:pic>
+      <p:pic>
+        <p:nvPicPr>
+          <p:cNvPr id="1044" name="Picture 20">
+            <a:extLst>
+              <a:ext uri="{FF2B5EF4-FFF2-40B4-BE49-F238E27FC236}">
+                <a16:creationId xmlns:a16="http://schemas.microsoft.com/office/drawing/2014/main" id="{27394E69-756B-7B07-6C3E-0F0C4DA7B282}"/>
+              </a:ext>
+            </a:extLst>
+          </p:cNvPr>
+          <p:cNvPicPr>
+            <a:picLocks noChangeAspect="1" noChangeArrowheads="1"/>
+          </p:cNvPicPr>
+          <p:nvPr/>
+        </p:nvPicPr>
+        <p:blipFill>
+          <a:blip r:embed="rId3">
+            <a:extLst>
+              <a:ext uri="{28A0092B-C50C-407E-A947-70E740481C1C}">
+                <a14:useLocalDpi xmlns:a14="http://schemas.microsoft.com/office/drawing/2010/main" val="0"/>
+              </a:ext>
+            </a:extLst>
+          </a:blip>
+          <a:srcRect/>
+          <a:stretch>
+            <a:fillRect/>
+          </a:stretch>
+        </p:blipFill>
+        <p:spPr bwMode="auto">
+          <a:xfrm>
+            <a:off x="1058966" y="2179354"/>
+            <a:ext cx="1704553" cy="1253348"/>
+          </a:xfrm>
+          <a:prstGeom prst="rect">
+            <a:avLst/>
+          </a:prstGeom>
+          <a:noFill/>
+          <a:extLst>
+            <a:ext uri="{909E8E84-426E-40DD-AFC4-6F175D3DCCD1}">
+              <a14:hiddenFill xmlns:a14="http://schemas.microsoft.com/office/drawing/2010/main">
+                <a:solidFill>
+                  <a:srgbClr val="FFFFFF"/>
+                </a:solidFill>
+              </a14:hiddenFill>
+            </a:ext>
+          </a:extLst>
+        </p:spPr>
+      </p:pic>
+      <p:pic>
+        <p:nvPicPr>
+          <p:cNvPr id="1046" name="Picture 22">
+            <a:extLst>
+              <a:ext uri="{FF2B5EF4-FFF2-40B4-BE49-F238E27FC236}">
+                <a16:creationId xmlns:a16="http://schemas.microsoft.com/office/drawing/2014/main" id="{ADE9A683-F360-2DDB-5BEB-ADB131974DDD}"/>
+              </a:ext>
+            </a:extLst>
+          </p:cNvPr>
+          <p:cNvPicPr>
+            <a:picLocks noChangeAspect="1" noChangeArrowheads="1"/>
+          </p:cNvPicPr>
+          <p:nvPr/>
+        </p:nvPicPr>
+        <p:blipFill>
+          <a:blip r:embed="rId4">
+            <a:extLst>
+              <a:ext uri="{28A0092B-C50C-407E-A947-70E740481C1C}">
+                <a14:useLocalDpi xmlns:a14="http://schemas.microsoft.com/office/drawing/2010/main" val="0"/>
+              </a:ext>
+            </a:extLst>
+          </a:blip>
+          <a:srcRect/>
+          <a:stretch>
+            <a:fillRect/>
+          </a:stretch>
+        </p:blipFill>
+        <p:spPr bwMode="auto">
+          <a:xfrm>
+            <a:off x="1050497" y="3321120"/>
+            <a:ext cx="1704553" cy="1253348"/>
+          </a:xfrm>
+          <a:prstGeom prst="rect">
+            <a:avLst/>
+          </a:prstGeom>
+          <a:noFill/>
+          <a:extLst>
+            <a:ext uri="{909E8E84-426E-40DD-AFC4-6F175D3DCCD1}">
+              <a14:hiddenFill xmlns:a14="http://schemas.microsoft.com/office/drawing/2010/main">
+                <a:solidFill>
+                  <a:srgbClr val="FFFFFF"/>
+                </a:solidFill>
+              </a14:hiddenFill>
+            </a:ext>
+          </a:extLst>
+        </p:spPr>
+      </p:pic>
+      <p:pic>
+        <p:nvPicPr>
+          <p:cNvPr id="1048" name="Picture 24">
+            <a:extLst>
+              <a:ext uri="{FF2B5EF4-FFF2-40B4-BE49-F238E27FC236}">
+                <a16:creationId xmlns:a16="http://schemas.microsoft.com/office/drawing/2014/main" id="{B6ACD7A2-AE91-3798-8448-C4C2867489E4}"/>
+              </a:ext>
+            </a:extLst>
+          </p:cNvPr>
+          <p:cNvPicPr>
+            <a:picLocks noChangeAspect="1" noChangeArrowheads="1"/>
+          </p:cNvPicPr>
+          <p:nvPr/>
+        </p:nvPicPr>
+        <p:blipFill>
+          <a:blip r:embed="rId5">
+            <a:extLst>
+              <a:ext uri="{28A0092B-C50C-407E-A947-70E740481C1C}">
+                <a14:useLocalDpi xmlns:a14="http://schemas.microsoft.com/office/drawing/2010/main" val="0"/>
+              </a:ext>
+            </a:extLst>
+          </a:blip>
+          <a:srcRect/>
+          <a:stretch>
+            <a:fillRect/>
+          </a:stretch>
+        </p:blipFill>
+        <p:spPr bwMode="auto">
+          <a:xfrm>
+            <a:off x="1050496" y="4462886"/>
+            <a:ext cx="1704553" cy="1253348"/>
+          </a:xfrm>
+          <a:prstGeom prst="rect">
+            <a:avLst/>
+          </a:prstGeom>
+          <a:noFill/>
+          <a:extLst>
+            <a:ext uri="{909E8E84-426E-40DD-AFC4-6F175D3DCCD1}">
+              <a14:hiddenFill xmlns:a14="http://schemas.microsoft.com/office/drawing/2010/main">
+                <a:solidFill>
+                  <a:srgbClr val="FFFFFF"/>
+                </a:solidFill>
+              </a14:hiddenFill>
+            </a:ext>
+          </a:extLst>
+        </p:spPr>
+      </p:pic>
+      <p:pic>
+        <p:nvPicPr>
+          <p:cNvPr id="1050" name="Picture 26">
+            <a:extLst>
+              <a:ext uri="{FF2B5EF4-FFF2-40B4-BE49-F238E27FC236}">
+                <a16:creationId xmlns:a16="http://schemas.microsoft.com/office/drawing/2014/main" id="{428F7499-02F0-B225-5A07-BA7A38229A1E}"/>
+              </a:ext>
+            </a:extLst>
+          </p:cNvPr>
+          <p:cNvPicPr>
+            <a:picLocks noChangeAspect="1" noChangeArrowheads="1"/>
+          </p:cNvPicPr>
+          <p:nvPr/>
+        </p:nvPicPr>
+        <p:blipFill>
+          <a:blip r:embed="rId6">
+            <a:extLst>
+              <a:ext uri="{28A0092B-C50C-407E-A947-70E740481C1C}">
+                <a14:useLocalDpi xmlns:a14="http://schemas.microsoft.com/office/drawing/2010/main" val="0"/>
+              </a:ext>
+            </a:extLst>
+          </a:blip>
+          <a:srcRect/>
+          <a:stretch>
+            <a:fillRect/>
+          </a:stretch>
+        </p:blipFill>
+        <p:spPr bwMode="auto">
+          <a:xfrm>
+            <a:off x="1050495" y="5604652"/>
+            <a:ext cx="1704553" cy="1253348"/>
+          </a:xfrm>
+          <a:prstGeom prst="rect">
+            <a:avLst/>
+          </a:prstGeom>
+          <a:noFill/>
+          <a:extLst>
+            <a:ext uri="{909E8E84-426E-40DD-AFC4-6F175D3DCCD1}">
+              <a14:hiddenFill xmlns:a14="http://schemas.microsoft.com/office/drawing/2010/main">
+                <a:solidFill>
+                  <a:srgbClr val="FFFFFF"/>
+                </a:solidFill>
+              </a14:hiddenFill>
+            </a:ext>
+          </a:extLst>
+        </p:spPr>
+      </p:pic>
+      <p:sp>
+        <p:nvSpPr>
+          <p:cNvPr id="6" name="TextBox 5">
+            <a:extLst>
+              <a:ext uri="{FF2B5EF4-FFF2-40B4-BE49-F238E27FC236}">
+                <a16:creationId xmlns:a16="http://schemas.microsoft.com/office/drawing/2014/main" id="{040976B6-03C0-93A4-9F20-39B7C3E2C186}"/>
+              </a:ext>
+            </a:extLst>
+          </p:cNvPr>
+          <p:cNvSpPr txBox="1"/>
+          <p:nvPr/>
+        </p:nvSpPr>
+        <p:spPr>
+          <a:xfrm>
+            <a:off x="118533" y="1482694"/>
+            <a:ext cx="1109762" cy="369332"/>
+          </a:xfrm>
+          <a:prstGeom prst="rect">
+            <a:avLst/>
+          </a:prstGeom>
+          <a:noFill/>
+        </p:spPr>
+        <p:txBody>
+          <a:bodyPr wrap="square" rtlCol="0">
+            <a:spAutoFit/>
+          </a:bodyPr>
+          <a:lstStyle/>
+          <a:p>
+            <a:pPr algn="ctr"/>
+            <a:r>
+              <a:rPr lang="en-US" dirty="0"/>
+              <a:t>N = 50</a:t>
+            </a:r>
+          </a:p>
+        </p:txBody>
+      </p:sp>
+      <p:sp>
+        <p:nvSpPr>
+          <p:cNvPr id="7" name="TextBox 6">
+            <a:extLst>
+              <a:ext uri="{FF2B5EF4-FFF2-40B4-BE49-F238E27FC236}">
+                <a16:creationId xmlns:a16="http://schemas.microsoft.com/office/drawing/2014/main" id="{12A4C896-AC34-703A-9D84-D7C492C1F379}"/>
+              </a:ext>
+            </a:extLst>
+          </p:cNvPr>
+          <p:cNvSpPr txBox="1"/>
+          <p:nvPr/>
+        </p:nvSpPr>
+        <p:spPr>
+          <a:xfrm>
+            <a:off x="110068" y="2621362"/>
+            <a:ext cx="1109762" cy="369332"/>
+          </a:xfrm>
+          <a:prstGeom prst="rect">
+            <a:avLst/>
+          </a:prstGeom>
+          <a:noFill/>
+        </p:spPr>
+        <p:txBody>
+          <a:bodyPr wrap="square" rtlCol="0">
+            <a:spAutoFit/>
+          </a:bodyPr>
+          <a:lstStyle/>
+          <a:p>
+            <a:pPr algn="ctr"/>
+            <a:r>
+              <a:rPr lang="en-US" dirty="0"/>
+              <a:t>N = 100</a:t>
+            </a:r>
+          </a:p>
+        </p:txBody>
+      </p:sp>
+      <p:sp>
+        <p:nvSpPr>
+          <p:cNvPr id="8" name="TextBox 7">
+            <a:extLst>
+              <a:ext uri="{FF2B5EF4-FFF2-40B4-BE49-F238E27FC236}">
+                <a16:creationId xmlns:a16="http://schemas.microsoft.com/office/drawing/2014/main" id="{01596658-D5B9-C4F3-8E6C-A9B32C80B5FA}"/>
+              </a:ext>
+            </a:extLst>
+          </p:cNvPr>
+          <p:cNvSpPr txBox="1"/>
+          <p:nvPr/>
+        </p:nvSpPr>
+        <p:spPr>
+          <a:xfrm>
+            <a:off x="110066" y="3760030"/>
+            <a:ext cx="1109762" cy="369332"/>
+          </a:xfrm>
+          <a:prstGeom prst="rect">
+            <a:avLst/>
+          </a:prstGeom>
+          <a:noFill/>
+        </p:spPr>
+        <p:txBody>
+          <a:bodyPr wrap="square" rtlCol="0">
+            <a:spAutoFit/>
+          </a:bodyPr>
+          <a:lstStyle/>
+          <a:p>
+            <a:pPr algn="ctr"/>
+            <a:r>
+              <a:rPr lang="en-US" dirty="0"/>
+              <a:t>N = 250</a:t>
+            </a:r>
+          </a:p>
+        </p:txBody>
+      </p:sp>
+      <p:sp>
+        <p:nvSpPr>
+          <p:cNvPr id="9" name="TextBox 8">
+            <a:extLst>
+              <a:ext uri="{FF2B5EF4-FFF2-40B4-BE49-F238E27FC236}">
+                <a16:creationId xmlns:a16="http://schemas.microsoft.com/office/drawing/2014/main" id="{516EA0B1-2660-E27B-1BE9-D20619B11B15}"/>
+              </a:ext>
+            </a:extLst>
+          </p:cNvPr>
+          <p:cNvSpPr txBox="1"/>
+          <p:nvPr/>
+        </p:nvSpPr>
+        <p:spPr>
+          <a:xfrm>
+            <a:off x="110066" y="4867991"/>
+            <a:ext cx="1109762" cy="369332"/>
+          </a:xfrm>
+          <a:prstGeom prst="rect">
+            <a:avLst/>
+          </a:prstGeom>
+          <a:noFill/>
+        </p:spPr>
+        <p:txBody>
+          <a:bodyPr wrap="square" rtlCol="0">
+            <a:spAutoFit/>
+          </a:bodyPr>
+          <a:lstStyle/>
+          <a:p>
+            <a:pPr algn="ctr"/>
+            <a:r>
+              <a:rPr lang="en-US" dirty="0"/>
+              <a:t>N = 500</a:t>
+            </a:r>
+          </a:p>
+        </p:txBody>
+      </p:sp>
+      <p:sp>
+        <p:nvSpPr>
+          <p:cNvPr id="10" name="TextBox 9">
+            <a:extLst>
+              <a:ext uri="{FF2B5EF4-FFF2-40B4-BE49-F238E27FC236}">
+                <a16:creationId xmlns:a16="http://schemas.microsoft.com/office/drawing/2014/main" id="{0BE3DEF5-9259-C55E-CCBD-D61835F23BD8}"/>
+              </a:ext>
+            </a:extLst>
+          </p:cNvPr>
+          <p:cNvSpPr txBox="1"/>
+          <p:nvPr/>
+        </p:nvSpPr>
+        <p:spPr>
+          <a:xfrm>
+            <a:off x="110066" y="5975952"/>
+            <a:ext cx="1109762" cy="369332"/>
+          </a:xfrm>
+          <a:prstGeom prst="rect">
+            <a:avLst/>
+          </a:prstGeom>
+          <a:noFill/>
+        </p:spPr>
+        <p:txBody>
+          <a:bodyPr wrap="square" rtlCol="0">
+            <a:spAutoFit/>
+          </a:bodyPr>
+          <a:lstStyle/>
+          <a:p>
+            <a:pPr algn="ctr"/>
+            <a:r>
+              <a:rPr lang="en-US" dirty="0"/>
+              <a:t>N = 1000</a:t>
+            </a:r>
+          </a:p>
+        </p:txBody>
+      </p:sp>
+      <p:pic>
+        <p:nvPicPr>
+          <p:cNvPr id="1054" name="Picture 30">
+            <a:extLst>
+              <a:ext uri="{FF2B5EF4-FFF2-40B4-BE49-F238E27FC236}">
+                <a16:creationId xmlns:a16="http://schemas.microsoft.com/office/drawing/2014/main" id="{17D58055-CFDA-D44C-E657-8E42DB0F9227}"/>
+              </a:ext>
+            </a:extLst>
+          </p:cNvPr>
+          <p:cNvPicPr>
+            <a:picLocks noChangeAspect="1" noChangeArrowheads="1"/>
+          </p:cNvPicPr>
+          <p:nvPr/>
+        </p:nvPicPr>
+        <p:blipFill>
+          <a:blip r:embed="rId7">
+            <a:extLst>
+              <a:ext uri="{28A0092B-C50C-407E-A947-70E740481C1C}">
+                <a14:useLocalDpi xmlns:a14="http://schemas.microsoft.com/office/drawing/2010/main" val="0"/>
+              </a:ext>
+            </a:extLst>
+          </a:blip>
+          <a:srcRect/>
+          <a:stretch>
+            <a:fillRect/>
+          </a:stretch>
+        </p:blipFill>
+        <p:spPr bwMode="auto">
+          <a:xfrm>
+            <a:off x="6974441" y="1541611"/>
+            <a:ext cx="3347104" cy="2388785"/>
+          </a:xfrm>
+          <a:prstGeom prst="rect">
+            <a:avLst/>
+          </a:prstGeom>
+          <a:noFill/>
+          <a:extLst>
+            <a:ext uri="{909E8E84-426E-40DD-AFC4-6F175D3DCCD1}">
+              <a14:hiddenFill xmlns:a14="http://schemas.microsoft.com/office/drawing/2010/main">
+                <a:solidFill>
+                  <a:srgbClr val="FFFFFF"/>
+                </a:solidFill>
+              </a14:hiddenFill>
+            </a:ext>
+          </a:extLst>
+        </p:spPr>
+      </p:pic>
+      <p:pic>
+        <p:nvPicPr>
+          <p:cNvPr id="1058" name="Picture 34">
+            <a:extLst>
+              <a:ext uri="{FF2B5EF4-FFF2-40B4-BE49-F238E27FC236}">
+                <a16:creationId xmlns:a16="http://schemas.microsoft.com/office/drawing/2014/main" id="{6F34F49E-973E-D946-E050-9354D9AC18EE}"/>
+              </a:ext>
+            </a:extLst>
+          </p:cNvPr>
+          <p:cNvPicPr>
+            <a:picLocks noChangeAspect="1" noChangeArrowheads="1"/>
+          </p:cNvPicPr>
+          <p:nvPr/>
+        </p:nvPicPr>
+        <p:blipFill>
+          <a:blip r:embed="rId8">
+            <a:extLst>
+              <a:ext uri="{28A0092B-C50C-407E-A947-70E740481C1C}">
+                <a14:useLocalDpi xmlns:a14="http://schemas.microsoft.com/office/drawing/2010/main" val="0"/>
+              </a:ext>
+            </a:extLst>
+          </a:blip>
+          <a:srcRect/>
+          <a:stretch>
+            <a:fillRect/>
+          </a:stretch>
+        </p:blipFill>
+        <p:spPr bwMode="auto">
+          <a:xfrm>
+            <a:off x="7006111" y="3590171"/>
+            <a:ext cx="3211537" cy="2388784"/>
+          </a:xfrm>
+          <a:prstGeom prst="rect">
+            <a:avLst/>
+          </a:prstGeom>
+          <a:noFill/>
+          <a:extLst>
+            <a:ext uri="{909E8E84-426E-40DD-AFC4-6F175D3DCCD1}">
+              <a14:hiddenFill xmlns:a14="http://schemas.microsoft.com/office/drawing/2010/main">
+                <a:solidFill>
+                  <a:srgbClr val="FFFFFF"/>
+                </a:solidFill>
+              </a14:hiddenFill>
+            </a:ext>
+          </a:extLst>
+        </p:spPr>
+      </p:pic>
+      <p:pic>
+        <p:nvPicPr>
+          <p:cNvPr id="1052" name="Picture 28">
+            <a:extLst>
+              <a:ext uri="{FF2B5EF4-FFF2-40B4-BE49-F238E27FC236}">
+                <a16:creationId xmlns:a16="http://schemas.microsoft.com/office/drawing/2014/main" id="{8D14E277-BDD1-4CFC-BAD5-8AD4D035DA4D}"/>
+              </a:ext>
+            </a:extLst>
+          </p:cNvPr>
+          <p:cNvPicPr>
+            <a:picLocks noChangeAspect="1" noChangeArrowheads="1"/>
+          </p:cNvPicPr>
+          <p:nvPr/>
+        </p:nvPicPr>
+        <p:blipFill>
+          <a:blip r:embed="rId9">
+            <a:extLst>
+              <a:ext uri="{28A0092B-C50C-407E-A947-70E740481C1C}">
+                <a14:useLocalDpi xmlns:a14="http://schemas.microsoft.com/office/drawing/2010/main" val="0"/>
+              </a:ext>
+            </a:extLst>
+          </a:blip>
+          <a:srcRect/>
+          <a:stretch>
+            <a:fillRect/>
+          </a:stretch>
+        </p:blipFill>
+        <p:spPr bwMode="auto">
+          <a:xfrm>
+            <a:off x="3568565" y="1559682"/>
+            <a:ext cx="3347103" cy="2352641"/>
+          </a:xfrm>
+          <a:prstGeom prst="rect">
+            <a:avLst/>
+          </a:prstGeom>
+          <a:noFill/>
+          <a:extLst>
+            <a:ext uri="{909E8E84-426E-40DD-AFC4-6F175D3DCCD1}">
+              <a14:hiddenFill xmlns:a14="http://schemas.microsoft.com/office/drawing/2010/main">
+                <a:solidFill>
+                  <a:srgbClr val="FFFFFF"/>
+                </a:solidFill>
+              </a14:hiddenFill>
+            </a:ext>
+          </a:extLst>
+        </p:spPr>
+      </p:pic>
+      <p:pic>
+        <p:nvPicPr>
+          <p:cNvPr id="1056" name="Picture 32">
+            <a:extLst>
+              <a:ext uri="{FF2B5EF4-FFF2-40B4-BE49-F238E27FC236}">
+                <a16:creationId xmlns:a16="http://schemas.microsoft.com/office/drawing/2014/main" id="{E6C8F860-301E-1B4F-862A-9555AEA5C080}"/>
+              </a:ext>
+            </a:extLst>
+          </p:cNvPr>
+          <p:cNvPicPr>
+            <a:picLocks noChangeAspect="1" noChangeArrowheads="1"/>
+          </p:cNvPicPr>
+          <p:nvPr/>
+        </p:nvPicPr>
+        <p:blipFill>
+          <a:blip r:embed="rId10">
+            <a:extLst>
+              <a:ext uri="{28A0092B-C50C-407E-A947-70E740481C1C}">
+                <a14:useLocalDpi xmlns:a14="http://schemas.microsoft.com/office/drawing/2010/main" val="0"/>
+              </a:ext>
+            </a:extLst>
+          </a:blip>
+          <a:srcRect/>
+          <a:stretch>
+            <a:fillRect/>
+          </a:stretch>
+        </p:blipFill>
+        <p:spPr bwMode="auto">
+          <a:xfrm>
+            <a:off x="3536101" y="3598693"/>
+            <a:ext cx="3229563" cy="2304897"/>
+          </a:xfrm>
+          <a:prstGeom prst="rect">
+            <a:avLst/>
+          </a:prstGeom>
+          <a:noFill/>
+          <a:extLst>
+            <a:ext uri="{909E8E84-426E-40DD-AFC4-6F175D3DCCD1}">
+              <a14:hiddenFill xmlns:a14="http://schemas.microsoft.com/office/drawing/2010/main">
+                <a:solidFill>
+                  <a:srgbClr val="FFFFFF"/>
+                </a:solidFill>
+              </a14:hiddenFill>
+            </a:ext>
+          </a:extLst>
+        </p:spPr>
+      </p:pic>
+      <p:cxnSp>
+        <p:nvCxnSpPr>
+          <p:cNvPr id="12" name="Straight Connector 11">
+            <a:extLst>
+              <a:ext uri="{FF2B5EF4-FFF2-40B4-BE49-F238E27FC236}">
+                <a16:creationId xmlns:a16="http://schemas.microsoft.com/office/drawing/2014/main" id="{9B399F55-9CD1-7E09-D6F3-16DC0CEC9835}"/>
+              </a:ext>
+            </a:extLst>
+          </p:cNvPr>
+          <p:cNvCxnSpPr>
+            <a:cxnSpLocks/>
+          </p:cNvCxnSpPr>
+          <p:nvPr/>
+        </p:nvCxnSpPr>
+        <p:spPr>
+          <a:xfrm>
+            <a:off x="2514602" y="1036745"/>
+            <a:ext cx="0" cy="5684730"/>
+          </a:xfrm>
+          <a:prstGeom prst="line">
+            <a:avLst/>
+          </a:prstGeom>
+          <a:ln w="19050">
+            <a:solidFill>
+              <a:srgbClr val="C00000"/>
+            </a:solidFill>
+            <a:prstDash val="dash"/>
+          </a:ln>
+        </p:spPr>
+        <p:style>
+          <a:lnRef idx="1">
+            <a:schemeClr val="accent1"/>
+          </a:lnRef>
+          <a:fillRef idx="0">
+            <a:schemeClr val="accent1"/>
+          </a:fillRef>
+          <a:effectRef idx="0">
+            <a:schemeClr val="accent1"/>
+          </a:effectRef>
+          <a:fontRef idx="minor">
+            <a:schemeClr val="tx1"/>
+          </a:fontRef>
+        </p:style>
+      </p:cxnSp>
+      <p:sp>
+        <p:nvSpPr>
+          <p:cNvPr id="15" name="TextBox 14">
+            <a:extLst>
+              <a:ext uri="{FF2B5EF4-FFF2-40B4-BE49-F238E27FC236}">
+                <a16:creationId xmlns:a16="http://schemas.microsoft.com/office/drawing/2014/main" id="{A274E17C-510C-B562-FCB0-59D18E763C5B}"/>
+              </a:ext>
+            </a:extLst>
+          </p:cNvPr>
+          <p:cNvSpPr txBox="1"/>
+          <p:nvPr/>
+        </p:nvSpPr>
+        <p:spPr>
+          <a:xfrm>
+            <a:off x="2908358" y="1216563"/>
+            <a:ext cx="2277533" cy="461665"/>
+          </a:xfrm>
+          <a:prstGeom prst="rect">
+            <a:avLst/>
+          </a:prstGeom>
+          <a:noFill/>
+        </p:spPr>
+        <p:txBody>
+          <a:bodyPr wrap="square" rtlCol="0">
+            <a:spAutoFit/>
+          </a:bodyPr>
+          <a:lstStyle/>
+          <a:p>
+            <a:r>
+              <a:rPr lang="en-US" sz="1200" dirty="0">
+                <a:solidFill>
+                  <a:srgbClr val="C00000"/>
+                </a:solidFill>
+              </a:rPr>
+              <a:t>Transition knee in red (z ~ 90)</a:t>
+            </a:r>
+          </a:p>
+          <a:p>
+            <a:endParaRPr lang="en-US" sz="1200" dirty="0">
+              <a:solidFill>
+                <a:srgbClr val="C00000"/>
+              </a:solidFill>
+            </a:endParaRPr>
+          </a:p>
+        </p:txBody>
+      </p:sp>
+      <p:sp>
+        <p:nvSpPr>
+          <p:cNvPr id="11" name="TextBox 10">
+            <a:extLst>
+              <a:ext uri="{FF2B5EF4-FFF2-40B4-BE49-F238E27FC236}">
+                <a16:creationId xmlns:a16="http://schemas.microsoft.com/office/drawing/2014/main" id="{EADAF1DB-9397-854F-027F-767953804AA9}"/>
+              </a:ext>
+            </a:extLst>
+          </p:cNvPr>
+          <p:cNvSpPr txBox="1"/>
+          <p:nvPr/>
+        </p:nvSpPr>
+        <p:spPr>
+          <a:xfrm>
+            <a:off x="7884005" y="1122622"/>
+            <a:ext cx="898102" cy="461665"/>
+          </a:xfrm>
+          <a:prstGeom prst="rect">
+            <a:avLst/>
+          </a:prstGeom>
+          <a:noFill/>
+        </p:spPr>
+        <p:txBody>
+          <a:bodyPr wrap="square" rtlCol="0">
+            <a:spAutoFit/>
+          </a:bodyPr>
+          <a:lstStyle/>
+          <a:p>
+            <a:r>
+              <a:rPr lang="en-US" sz="1200" dirty="0"/>
+              <a:t>Analytical: </a:t>
+            </a:r>
+          </a:p>
+          <a:p>
+            <a:endParaRPr lang="en-US" sz="1200" dirty="0"/>
+          </a:p>
+        </p:txBody>
+      </p:sp>
+      <p:pic>
+        <p:nvPicPr>
+          <p:cNvPr id="4" name="Picture 3">
+            <a:extLst>
+              <a:ext uri="{FF2B5EF4-FFF2-40B4-BE49-F238E27FC236}">
+                <a16:creationId xmlns:a16="http://schemas.microsoft.com/office/drawing/2014/main" id="{01070BDF-5D02-13AC-BC1D-8341820DD67E}"/>
+              </a:ext>
+            </a:extLst>
+          </p:cNvPr>
+          <p:cNvPicPr>
+            <a:picLocks noChangeAspect="1"/>
+          </p:cNvPicPr>
+          <p:nvPr/>
+        </p:nvPicPr>
+        <p:blipFill>
+          <a:blip r:embed="rId11"/>
+          <a:stretch>
+            <a:fillRect/>
+          </a:stretch>
+        </p:blipFill>
+        <p:spPr>
+          <a:xfrm>
+            <a:off x="8835637" y="1122622"/>
+            <a:ext cx="3187028" cy="324992"/>
+          </a:xfrm>
+          <a:prstGeom prst="rect">
+            <a:avLst/>
+          </a:prstGeom>
+        </p:spPr>
+      </p:pic>
+      <p:sp>
+        <p:nvSpPr>
+          <p:cNvPr id="13" name="TextBox 12">
+            <a:extLst>
+              <a:ext uri="{FF2B5EF4-FFF2-40B4-BE49-F238E27FC236}">
+                <a16:creationId xmlns:a16="http://schemas.microsoft.com/office/drawing/2014/main" id="{AD9C17FF-BE22-3164-4E57-0CECAFDF297E}"/>
+              </a:ext>
+            </a:extLst>
+          </p:cNvPr>
+          <p:cNvSpPr txBox="1"/>
+          <p:nvPr/>
+        </p:nvSpPr>
+        <p:spPr>
+          <a:xfrm>
+            <a:off x="3417624" y="6063744"/>
+            <a:ext cx="7315511" cy="523220"/>
+          </a:xfrm>
+          <a:prstGeom prst="rect">
+            <a:avLst/>
+          </a:prstGeom>
+          <a:noFill/>
+        </p:spPr>
+        <p:txBody>
+          <a:bodyPr wrap="square" rtlCol="0">
+            <a:spAutoFit/>
+          </a:bodyPr>
+          <a:lstStyle/>
+          <a:p>
+            <a:pPr algn="ctr"/>
+            <a:r>
+              <a:rPr lang="en-US" sz="1400" dirty="0"/>
+              <a:t>Natural boundary condition met; for higher surface charge densities, more points needed (can also change mapping function but keeping the same for simplicity)</a:t>
+            </a:r>
+          </a:p>
+        </p:txBody>
+      </p:sp>
+    </p:spTree>
+    <p:extLst>
+      <p:ext uri="{BB962C8B-B14F-4D97-AF65-F5344CB8AC3E}">
+        <p14:creationId xmlns:p14="http://schemas.microsoft.com/office/powerpoint/2010/main" val="3168892698"/>
+      </p:ext>
+    </p:extLst>
+  </p:cSld>
+  <p:clrMapOvr>
+    <a:masterClrMapping/>
+  </p:clrMapOvr>
+</p:sld>
+</file>
+
+<file path=ppt/slides/slide9.xml><?xml version="1.0" encoding="utf-8"?>
+<p:sld xmlns:a="http://schemas.openxmlformats.org/drawingml/2006/main" xmlns:r="http://schemas.openxmlformats.org/officeDocument/2006/relationships" xmlns:p="http://schemas.openxmlformats.org/presentationml/2006/main">
+  <p:cSld>
+    <p:spTree>
+      <p:nvGrpSpPr>
+        <p:cNvPr id="1" name=""/>
+        <p:cNvGrpSpPr/>
+        <p:nvPr/>
+      </p:nvGrpSpPr>
+      <p:grpSpPr>
+        <a:xfrm>
+          <a:off x="0" y="0"/>
+          <a:ext cx="0" cy="0"/>
+          <a:chOff x="0" y="0"/>
+          <a:chExt cx="0" cy="0"/>
+        </a:xfrm>
+      </p:grpSpPr>
+      <p:pic>
+        <p:nvPicPr>
+          <p:cNvPr id="2066" name="Picture 18">
+            <a:extLst>
+              <a:ext uri="{FF2B5EF4-FFF2-40B4-BE49-F238E27FC236}">
+                <a16:creationId xmlns:a16="http://schemas.microsoft.com/office/drawing/2014/main" id="{3EABF0F0-F65D-7CB7-C728-06B648137B9C}"/>
+              </a:ext>
+            </a:extLst>
+          </p:cNvPr>
+          <p:cNvPicPr>
+            <a:picLocks noChangeAspect="1" noChangeArrowheads="1"/>
+          </p:cNvPicPr>
+          <p:nvPr/>
+        </p:nvPicPr>
+        <p:blipFill>
+          <a:blip r:embed="rId2">
+            <a:extLst>
+              <a:ext uri="{28A0092B-C50C-407E-A947-70E740481C1C}">
+                <a14:useLocalDpi xmlns:a14="http://schemas.microsoft.com/office/drawing/2010/main" val="0"/>
+              </a:ext>
+            </a:extLst>
+          </a:blip>
+          <a:srcRect/>
+          <a:stretch>
+            <a:fillRect/>
+          </a:stretch>
+        </p:blipFill>
+        <p:spPr bwMode="auto">
+          <a:xfrm>
+            <a:off x="1116873" y="1418133"/>
+            <a:ext cx="2016822" cy="1440587"/>
+          </a:xfrm>
+          <a:prstGeom prst="rect">
+            <a:avLst/>
+          </a:prstGeom>
+          <a:noFill/>
+          <a:extLst>
+            <a:ext uri="{909E8E84-426E-40DD-AFC4-6F175D3DCCD1}">
+              <a14:hiddenFill xmlns:a14="http://schemas.microsoft.com/office/drawing/2010/main">
+                <a:solidFill>
+                  <a:srgbClr val="FFFFFF"/>
+                </a:solidFill>
+              </a14:hiddenFill>
+            </a:ext>
+          </a:extLst>
+        </p:spPr>
+      </p:pic>
+      <p:pic>
+        <p:nvPicPr>
+          <p:cNvPr id="2060" name="Picture 12">
+            <a:extLst>
+              <a:ext uri="{FF2B5EF4-FFF2-40B4-BE49-F238E27FC236}">
+                <a16:creationId xmlns:a16="http://schemas.microsoft.com/office/drawing/2014/main" id="{41E8D11D-6FF1-B35C-B852-0F0A3F0ACA20}"/>
+              </a:ext>
+            </a:extLst>
+          </p:cNvPr>
+          <p:cNvPicPr>
+            <a:picLocks noChangeAspect="1" noChangeArrowheads="1"/>
+          </p:cNvPicPr>
+          <p:nvPr/>
+        </p:nvPicPr>
+        <p:blipFill>
+          <a:blip r:embed="rId3">
+            <a:extLst>
+              <a:ext uri="{28A0092B-C50C-407E-A947-70E740481C1C}">
+                <a14:useLocalDpi xmlns:a14="http://schemas.microsoft.com/office/drawing/2010/main" val="0"/>
+              </a:ext>
+            </a:extLst>
+          </a:blip>
+          <a:srcRect/>
+          <a:stretch>
+            <a:fillRect/>
+          </a:stretch>
+        </p:blipFill>
+        <p:spPr bwMode="auto">
+          <a:xfrm>
+            <a:off x="1116874" y="2760854"/>
+            <a:ext cx="2016821" cy="1440587"/>
+          </a:xfrm>
+          <a:prstGeom prst="rect">
+            <a:avLst/>
+          </a:prstGeom>
+          <a:noFill/>
+          <a:extLst>
+            <a:ext uri="{909E8E84-426E-40DD-AFC4-6F175D3DCCD1}">
+              <a14:hiddenFill xmlns:a14="http://schemas.microsoft.com/office/drawing/2010/main">
+                <a:solidFill>
+                  <a:srgbClr val="FFFFFF"/>
+                </a:solidFill>
+              </a14:hiddenFill>
+            </a:ext>
+          </a:extLst>
+        </p:spPr>
+      </p:pic>
+      <p:sp>
+        <p:nvSpPr>
+          <p:cNvPr id="2" name="Title 1">
+            <a:extLst>
+              <a:ext uri="{FF2B5EF4-FFF2-40B4-BE49-F238E27FC236}">
+                <a16:creationId xmlns:a16="http://schemas.microsoft.com/office/drawing/2014/main" id="{F6C7137D-573F-6D22-276C-4603F951633C}"/>
+              </a:ext>
+            </a:extLst>
+          </p:cNvPr>
+          <p:cNvSpPr>
+            <a:spLocks noGrp="1"/>
+          </p:cNvSpPr>
+          <p:nvPr>
+            <p:ph type="title"/>
+          </p:nvPr>
+        </p:nvSpPr>
+        <p:spPr/>
+        <p:txBody>
+          <a:bodyPr/>
+          <a:lstStyle/>
+          <a:p>
+            <a:r>
+              <a:rPr lang="en-US" dirty="0"/>
+              <a:t>Uneven grid (Lx, left)</a:t>
+            </a:r>
+          </a:p>
+        </p:txBody>
+      </p:sp>
+      <p:sp>
+        <p:nvSpPr>
+          <p:cNvPr id="3" name="Slide Number Placeholder 2">
+            <a:extLst>
+              <a:ext uri="{FF2B5EF4-FFF2-40B4-BE49-F238E27FC236}">
+                <a16:creationId xmlns:a16="http://schemas.microsoft.com/office/drawing/2014/main" id="{452CB1D3-714B-3463-C98F-0D71710BA68B}"/>
+              </a:ext>
+            </a:extLst>
+          </p:cNvPr>
+          <p:cNvSpPr>
+            <a:spLocks noGrp="1"/>
+          </p:cNvSpPr>
+          <p:nvPr>
+            <p:ph type="sldNum" sz="quarter" idx="12"/>
+          </p:nvPr>
+        </p:nvSpPr>
+        <p:spPr/>
+        <p:txBody>
+          <a:bodyPr/>
+          <a:lstStyle/>
+          <a:p>
+            <a:fld id="{5911C0E6-D9CE-431C-92CB-BB39B872F930}" type="slidenum">
+              <a:rPr lang="en-US" smtClean="0"/>
+              <a:t>9</a:t>
+            </a:fld>
+            <a:endParaRPr lang="en-US"/>
+          </a:p>
+        </p:txBody>
+      </p:sp>
+      <p:pic>
+        <p:nvPicPr>
+          <p:cNvPr id="2056" name="Picture 8">
+            <a:extLst>
+              <a:ext uri="{FF2B5EF4-FFF2-40B4-BE49-F238E27FC236}">
+                <a16:creationId xmlns:a16="http://schemas.microsoft.com/office/drawing/2014/main" id="{F7CC2312-09AA-87A9-C3C7-5513660A813C}"/>
+              </a:ext>
+            </a:extLst>
+          </p:cNvPr>
+          <p:cNvPicPr>
+            <a:picLocks noChangeAspect="1" noChangeArrowheads="1"/>
+          </p:cNvPicPr>
+          <p:nvPr/>
+        </p:nvPicPr>
+        <p:blipFill>
+          <a:blip r:embed="rId4">
+            <a:extLst>
+              <a:ext uri="{28A0092B-C50C-407E-A947-70E740481C1C}">
+                <a14:useLocalDpi xmlns:a14="http://schemas.microsoft.com/office/drawing/2010/main" val="0"/>
+              </a:ext>
+            </a:extLst>
+          </a:blip>
+          <a:srcRect/>
+          <a:stretch>
+            <a:fillRect/>
+          </a:stretch>
+        </p:blipFill>
+        <p:spPr bwMode="auto">
+          <a:xfrm>
+            <a:off x="1116875" y="4089612"/>
+            <a:ext cx="2016820" cy="1440586"/>
+          </a:xfrm>
+          <a:prstGeom prst="rect">
+            <a:avLst/>
+          </a:prstGeom>
+          <a:noFill/>
+          <a:extLst>
+            <a:ext uri="{909E8E84-426E-40DD-AFC4-6F175D3DCCD1}">
+              <a14:hiddenFill xmlns:a14="http://schemas.microsoft.com/office/drawing/2010/main">
+                <a:solidFill>
+                  <a:srgbClr val="FFFFFF"/>
+                </a:solidFill>
+              </a14:hiddenFill>
+            </a:ext>
+          </a:extLst>
+        </p:spPr>
+      </p:pic>
+      <p:pic>
+        <p:nvPicPr>
+          <p:cNvPr id="2058" name="Picture 10">
+            <a:extLst>
+              <a:ext uri="{FF2B5EF4-FFF2-40B4-BE49-F238E27FC236}">
+                <a16:creationId xmlns:a16="http://schemas.microsoft.com/office/drawing/2014/main" id="{01077240-9147-8861-AEBD-F32C43474A48}"/>
+              </a:ext>
+            </a:extLst>
+          </p:cNvPr>
+          <p:cNvPicPr>
+            <a:picLocks noChangeAspect="1" noChangeArrowheads="1"/>
+          </p:cNvPicPr>
+          <p:nvPr/>
+        </p:nvPicPr>
+        <p:blipFill>
+          <a:blip r:embed="rId5">
+            <a:extLst>
+              <a:ext uri="{28A0092B-C50C-407E-A947-70E740481C1C}">
+                <a14:useLocalDpi xmlns:a14="http://schemas.microsoft.com/office/drawing/2010/main" val="0"/>
+              </a:ext>
+            </a:extLst>
+          </a:blip>
+          <a:srcRect/>
+          <a:stretch>
+            <a:fillRect/>
+          </a:stretch>
+        </p:blipFill>
+        <p:spPr bwMode="auto">
+          <a:xfrm>
+            <a:off x="1116877" y="5417414"/>
+            <a:ext cx="2016820" cy="1440586"/>
+          </a:xfrm>
+          <a:prstGeom prst="rect">
+            <a:avLst/>
+          </a:prstGeom>
+          <a:noFill/>
+          <a:extLst>
+            <a:ext uri="{909E8E84-426E-40DD-AFC4-6F175D3DCCD1}">
+              <a14:hiddenFill xmlns:a14="http://schemas.microsoft.com/office/drawing/2010/main">
+                <a:solidFill>
+                  <a:srgbClr val="FFFFFF"/>
+                </a:solidFill>
+              </a14:hiddenFill>
+            </a:ext>
+          </a:extLst>
+        </p:spPr>
+      </p:pic>
+      <p:sp>
+        <p:nvSpPr>
+          <p:cNvPr id="4" name="TextBox 3">
+            <a:extLst>
+              <a:ext uri="{FF2B5EF4-FFF2-40B4-BE49-F238E27FC236}">
+                <a16:creationId xmlns:a16="http://schemas.microsoft.com/office/drawing/2014/main" id="{EA778F53-5D87-510E-4AAC-424D57EE9698}"/>
+              </a:ext>
+            </a:extLst>
+          </p:cNvPr>
+          <p:cNvSpPr txBox="1"/>
+          <p:nvPr/>
+        </p:nvSpPr>
+        <p:spPr>
+          <a:xfrm>
+            <a:off x="101600" y="3204148"/>
+            <a:ext cx="1109762" cy="646331"/>
+          </a:xfrm>
+          <a:prstGeom prst="rect">
+            <a:avLst/>
+          </a:prstGeom>
+          <a:noFill/>
+        </p:spPr>
+        <p:txBody>
+          <a:bodyPr wrap="square" rtlCol="0">
+            <a:spAutoFit/>
+          </a:bodyPr>
+          <a:lstStyle/>
+          <a:p>
+            <a:pPr algn="ctr"/>
+            <a:r>
+              <a:rPr lang="en-US" dirty="0"/>
+              <a:t>L = 100</a:t>
+            </a:r>
+          </a:p>
+          <a:p>
+            <a:pPr algn="ctr"/>
+            <a:r>
+              <a:rPr lang="en-US" dirty="0"/>
+              <a:t>(N=1000)</a:t>
+            </a:r>
+          </a:p>
+        </p:txBody>
+      </p:sp>
+      <p:sp>
+        <p:nvSpPr>
+          <p:cNvPr id="5" name="TextBox 4">
+            <a:extLst>
+              <a:ext uri="{FF2B5EF4-FFF2-40B4-BE49-F238E27FC236}">
+                <a16:creationId xmlns:a16="http://schemas.microsoft.com/office/drawing/2014/main" id="{EBE28790-2533-CF6B-362D-9021A52B0273}"/>
+              </a:ext>
+            </a:extLst>
+          </p:cNvPr>
+          <p:cNvSpPr txBox="1"/>
+          <p:nvPr/>
+        </p:nvSpPr>
+        <p:spPr>
+          <a:xfrm>
+            <a:off x="101600" y="4568369"/>
+            <a:ext cx="1109762" cy="646331"/>
+          </a:xfrm>
+          <a:prstGeom prst="rect">
+            <a:avLst/>
+          </a:prstGeom>
+          <a:noFill/>
+        </p:spPr>
+        <p:txBody>
+          <a:bodyPr wrap="square" rtlCol="0">
+            <a:spAutoFit/>
+          </a:bodyPr>
+          <a:lstStyle/>
+          <a:p>
+            <a:pPr algn="ctr"/>
+            <a:r>
+              <a:rPr lang="en-US" dirty="0"/>
+              <a:t>L = 200</a:t>
+            </a:r>
+          </a:p>
+          <a:p>
+            <a:pPr algn="ctr"/>
+            <a:r>
+              <a:rPr lang="en-US" dirty="0"/>
+              <a:t>(N=1471)</a:t>
+            </a:r>
+          </a:p>
+        </p:txBody>
+      </p:sp>
+      <p:sp>
+        <p:nvSpPr>
+          <p:cNvPr id="6" name="TextBox 5">
+            <a:extLst>
+              <a:ext uri="{FF2B5EF4-FFF2-40B4-BE49-F238E27FC236}">
+                <a16:creationId xmlns:a16="http://schemas.microsoft.com/office/drawing/2014/main" id="{AF6A6FB9-94F2-B181-AE59-941C276F4A5E}"/>
+              </a:ext>
+            </a:extLst>
+          </p:cNvPr>
+          <p:cNvSpPr txBox="1"/>
+          <p:nvPr/>
+        </p:nvSpPr>
+        <p:spPr>
+          <a:xfrm>
+            <a:off x="101600" y="5840976"/>
+            <a:ext cx="1109762" cy="646331"/>
+          </a:xfrm>
+          <a:prstGeom prst="rect">
+            <a:avLst/>
+          </a:prstGeom>
+          <a:noFill/>
+        </p:spPr>
+        <p:txBody>
+          <a:bodyPr wrap="square" rtlCol="0">
+            <a:spAutoFit/>
+          </a:bodyPr>
+          <a:lstStyle/>
+          <a:p>
+            <a:pPr algn="ctr"/>
+            <a:r>
+              <a:rPr lang="en-US" dirty="0"/>
+              <a:t>L = 500</a:t>
+            </a:r>
+          </a:p>
+          <a:p>
+            <a:pPr algn="ctr"/>
+            <a:r>
+              <a:rPr lang="en-US" dirty="0"/>
+              <a:t>(N=2884)</a:t>
+            </a:r>
+          </a:p>
+        </p:txBody>
+      </p:sp>
+      <p:sp>
+        <p:nvSpPr>
+          <p:cNvPr id="7" name="TextBox 6">
+            <a:extLst>
+              <a:ext uri="{FF2B5EF4-FFF2-40B4-BE49-F238E27FC236}">
+                <a16:creationId xmlns:a16="http://schemas.microsoft.com/office/drawing/2014/main" id="{9CBDA34D-E8FF-E373-D9E1-EA515746D6D6}"/>
+              </a:ext>
+            </a:extLst>
+          </p:cNvPr>
+          <p:cNvSpPr txBox="1"/>
+          <p:nvPr/>
+        </p:nvSpPr>
+        <p:spPr>
+          <a:xfrm>
+            <a:off x="3365486" y="3204148"/>
+            <a:ext cx="1109762" cy="369332"/>
+          </a:xfrm>
+          <a:prstGeom prst="rect">
+            <a:avLst/>
+          </a:prstGeom>
+          <a:noFill/>
+        </p:spPr>
+        <p:txBody>
+          <a:bodyPr wrap="square" rtlCol="0">
+            <a:spAutoFit/>
+          </a:bodyPr>
+          <a:lstStyle/>
+          <a:p>
+            <a:pPr algn="ctr"/>
+            <a:r>
+              <a:rPr lang="en-US" dirty="0"/>
+              <a:t>Original</a:t>
+            </a:r>
+          </a:p>
+        </p:txBody>
+      </p:sp>
+      <p:sp>
+        <p:nvSpPr>
+          <p:cNvPr id="8" name="TextBox 7">
+            <a:extLst>
+              <a:ext uri="{FF2B5EF4-FFF2-40B4-BE49-F238E27FC236}">
+                <a16:creationId xmlns:a16="http://schemas.microsoft.com/office/drawing/2014/main" id="{FD52D838-8109-9A4B-0545-A6F95DE6C2D8}"/>
+              </a:ext>
+            </a:extLst>
+          </p:cNvPr>
+          <p:cNvSpPr txBox="1"/>
+          <p:nvPr/>
+        </p:nvSpPr>
+        <p:spPr>
+          <a:xfrm>
+            <a:off x="3267227" y="4429869"/>
+            <a:ext cx="1306279" cy="646331"/>
+          </a:xfrm>
+          <a:prstGeom prst="rect">
+            <a:avLst/>
+          </a:prstGeom>
+          <a:noFill/>
+        </p:spPr>
+        <p:txBody>
+          <a:bodyPr wrap="square" rtlCol="0">
+            <a:spAutoFit/>
+          </a:bodyPr>
+          <a:lstStyle/>
+          <a:p>
+            <a:pPr algn="ctr"/>
+            <a:r>
+              <a:rPr lang="en-US" dirty="0"/>
+              <a:t>Extend left (evenly)</a:t>
+            </a:r>
+          </a:p>
+        </p:txBody>
+      </p:sp>
+      <p:sp>
+        <p:nvSpPr>
+          <p:cNvPr id="11" name="TextBox 10">
+            <a:extLst>
+              <a:ext uri="{FF2B5EF4-FFF2-40B4-BE49-F238E27FC236}">
+                <a16:creationId xmlns:a16="http://schemas.microsoft.com/office/drawing/2014/main" id="{29D334B9-E7FC-6D29-F751-1784F1B23D3E}"/>
+              </a:ext>
+            </a:extLst>
+          </p:cNvPr>
+          <p:cNvSpPr txBox="1"/>
+          <p:nvPr/>
+        </p:nvSpPr>
+        <p:spPr>
+          <a:xfrm>
+            <a:off x="101600" y="1934402"/>
+            <a:ext cx="1109762" cy="646331"/>
+          </a:xfrm>
+          <a:prstGeom prst="rect">
+            <a:avLst/>
+          </a:prstGeom>
+          <a:noFill/>
+        </p:spPr>
+        <p:txBody>
+          <a:bodyPr wrap="square" rtlCol="0">
+            <a:spAutoFit/>
+          </a:bodyPr>
+          <a:lstStyle/>
+          <a:p>
+            <a:pPr algn="ctr"/>
+            <a:r>
+              <a:rPr lang="en-US" dirty="0"/>
+              <a:t>L = 50</a:t>
+            </a:r>
+          </a:p>
+          <a:p>
+            <a:pPr algn="ctr"/>
+            <a:r>
+              <a:rPr lang="en-US" dirty="0"/>
+              <a:t>(N=764)</a:t>
+            </a:r>
+          </a:p>
+        </p:txBody>
+      </p:sp>
+      <p:sp>
+        <p:nvSpPr>
+          <p:cNvPr id="12" name="TextBox 11">
+            <a:extLst>
+              <a:ext uri="{FF2B5EF4-FFF2-40B4-BE49-F238E27FC236}">
+                <a16:creationId xmlns:a16="http://schemas.microsoft.com/office/drawing/2014/main" id="{38A82413-3E61-1A21-5EBE-E3996BA9F2DB}"/>
+              </a:ext>
+            </a:extLst>
+          </p:cNvPr>
+          <p:cNvSpPr txBox="1"/>
+          <p:nvPr/>
+        </p:nvSpPr>
+        <p:spPr>
+          <a:xfrm>
+            <a:off x="3365486" y="1885734"/>
+            <a:ext cx="1109762" cy="646331"/>
+          </a:xfrm>
+          <a:prstGeom prst="rect">
+            <a:avLst/>
+          </a:prstGeom>
+          <a:noFill/>
+        </p:spPr>
+        <p:txBody>
+          <a:bodyPr wrap="square" rtlCol="0">
+            <a:spAutoFit/>
+          </a:bodyPr>
+          <a:lstStyle/>
+          <a:p>
+            <a:pPr algn="ctr"/>
+            <a:r>
+              <a:rPr lang="en-US" dirty="0"/>
+              <a:t>Chop from left</a:t>
+            </a:r>
+          </a:p>
+        </p:txBody>
+      </p:sp>
+      <p:grpSp>
+        <p:nvGrpSpPr>
+          <p:cNvPr id="15" name="Group 14">
+            <a:extLst>
+              <a:ext uri="{FF2B5EF4-FFF2-40B4-BE49-F238E27FC236}">
+                <a16:creationId xmlns:a16="http://schemas.microsoft.com/office/drawing/2014/main" id="{9E4D3A00-289D-6224-45D4-B44A9531AD50}"/>
+              </a:ext>
+            </a:extLst>
+          </p:cNvPr>
+          <p:cNvGrpSpPr/>
+          <p:nvPr/>
+        </p:nvGrpSpPr>
+        <p:grpSpPr>
+          <a:xfrm>
+            <a:off x="5028140" y="2208899"/>
+            <a:ext cx="6993469" cy="3114979"/>
+            <a:chOff x="5028140" y="2208899"/>
+            <a:chExt cx="6993469" cy="3114979"/>
+          </a:xfrm>
+        </p:grpSpPr>
+        <p:grpSp>
+          <p:nvGrpSpPr>
+            <p:cNvPr id="9" name="Group 8">
+              <a:extLst>
+                <a:ext uri="{FF2B5EF4-FFF2-40B4-BE49-F238E27FC236}">
+                  <a16:creationId xmlns:a16="http://schemas.microsoft.com/office/drawing/2014/main" id="{6287314B-6AB7-763B-AB37-22318898F823}"/>
+                </a:ext>
+              </a:extLst>
+            </p:cNvPr>
+            <p:cNvGrpSpPr/>
+            <p:nvPr/>
+          </p:nvGrpSpPr>
+          <p:grpSpPr>
+            <a:xfrm>
+              <a:off x="5028140" y="2208899"/>
+              <a:ext cx="6993469" cy="3114979"/>
+              <a:chOff x="5198531" y="2143800"/>
+              <a:chExt cx="6993469" cy="3114979"/>
+            </a:xfrm>
+          </p:grpSpPr>
+          <p:sp>
+            <p:nvSpPr>
+              <p:cNvPr id="10" name="TextBox 9">
+                <a:extLst>
+                  <a:ext uri="{FF2B5EF4-FFF2-40B4-BE49-F238E27FC236}">
+                    <a16:creationId xmlns:a16="http://schemas.microsoft.com/office/drawing/2014/main" id="{6CB92EDC-32FC-797F-05EA-5C3F162CFF80}"/>
+                  </a:ext>
+                </a:extLst>
+              </p:cNvPr>
+              <p:cNvSpPr txBox="1"/>
+              <p:nvPr/>
+            </p:nvSpPr>
+            <p:spPr>
+              <a:xfrm>
+                <a:off x="7252475" y="2143800"/>
+                <a:ext cx="3213594" cy="369332"/>
+              </a:xfrm>
+              <a:prstGeom prst="rect">
+                <a:avLst/>
+              </a:prstGeom>
+              <a:noFill/>
+            </p:spPr>
+            <p:txBody>
+              <a:bodyPr wrap="square" rtlCol="0">
+                <a:spAutoFit/>
+              </a:bodyPr>
+              <a:lstStyle/>
+              <a:p>
+                <a:pPr algn="ctr"/>
+                <a:r>
+                  <a:rPr lang="en-US" dirty="0"/>
+                  <a:t>s = −20e-20</a:t>
+                </a:r>
+              </a:p>
+            </p:txBody>
+          </p:sp>
+          <p:pic>
+            <p:nvPicPr>
+              <p:cNvPr id="2064" name="Picture 16">
+                <a:extLst>
+                  <a:ext uri="{FF2B5EF4-FFF2-40B4-BE49-F238E27FC236}">
+                    <a16:creationId xmlns:a16="http://schemas.microsoft.com/office/drawing/2014/main" id="{B90DC5C4-0CF4-F56D-23C8-2AB17DE74EB2}"/>
+                  </a:ext>
+                </a:extLst>
+              </p:cNvPr>
+              <p:cNvPicPr>
+                <a:picLocks noChangeAspect="1" noChangeArrowheads="1"/>
+              </p:cNvPicPr>
+              <p:nvPr/>
+            </p:nvPicPr>
+            <p:blipFill>
+              <a:blip r:embed="rId6">
+                <a:extLst>
+                  <a:ext uri="{28A0092B-C50C-407E-A947-70E740481C1C}">
+                    <a14:useLocalDpi xmlns:a14="http://schemas.microsoft.com/office/drawing/2010/main" val="0"/>
+                  </a:ext>
+                </a:extLst>
+              </a:blip>
+              <a:srcRect/>
+              <a:stretch>
+                <a:fillRect/>
+              </a:stretch>
+            </p:blipFill>
+            <p:spPr bwMode="auto">
+              <a:xfrm>
+                <a:off x="8531260" y="2639942"/>
+                <a:ext cx="3660740" cy="2618837"/>
+              </a:xfrm>
+              <a:prstGeom prst="rect">
+                <a:avLst/>
+              </a:prstGeom>
+              <a:noFill/>
+              <a:extLst>
+                <a:ext uri="{909E8E84-426E-40DD-AFC4-6F175D3DCCD1}">
+                  <a14:hiddenFill xmlns:a14="http://schemas.microsoft.com/office/drawing/2010/main">
+                    <a:solidFill>
+                      <a:srgbClr val="FFFFFF"/>
+                    </a:solidFill>
+                  </a14:hiddenFill>
+                </a:ext>
+              </a:extLst>
+            </p:spPr>
+          </p:pic>
+          <p:pic>
+            <p:nvPicPr>
+              <p:cNvPr id="2062" name="Picture 14">
+                <a:extLst>
+                  <a:ext uri="{FF2B5EF4-FFF2-40B4-BE49-F238E27FC236}">
+                    <a16:creationId xmlns:a16="http://schemas.microsoft.com/office/drawing/2014/main" id="{9BD06989-FD30-A4BD-4097-14EE25BF5A8D}"/>
+                  </a:ext>
+                </a:extLst>
+              </p:cNvPr>
+              <p:cNvPicPr>
+                <a:picLocks noChangeAspect="1" noChangeArrowheads="1"/>
+              </p:cNvPicPr>
+              <p:nvPr/>
+            </p:nvPicPr>
+            <p:blipFill>
+              <a:blip r:embed="rId7">
+                <a:extLst>
+                  <a:ext uri="{28A0092B-C50C-407E-A947-70E740481C1C}">
+                    <a14:useLocalDpi xmlns:a14="http://schemas.microsoft.com/office/drawing/2010/main" val="0"/>
+                  </a:ext>
+                </a:extLst>
+              </a:blip>
+              <a:srcRect/>
+              <a:stretch>
+                <a:fillRect/>
+              </a:stretch>
+            </p:blipFill>
+            <p:spPr bwMode="auto">
+              <a:xfrm>
+                <a:off x="5198531" y="2639941"/>
+                <a:ext cx="3660741" cy="2618837"/>
+              </a:xfrm>
+              <a:prstGeom prst="rect">
+                <a:avLst/>
+              </a:prstGeom>
+              <a:noFill/>
+              <a:extLst>
+                <a:ext uri="{909E8E84-426E-40DD-AFC4-6F175D3DCCD1}">
+                  <a14:hiddenFill xmlns:a14="http://schemas.microsoft.com/office/drawing/2010/main">
+                    <a:solidFill>
+                      <a:srgbClr val="FFFFFF"/>
+                    </a:solidFill>
+                  </a14:hiddenFill>
+                </a:ext>
+              </a:extLst>
+            </p:spPr>
+          </p:pic>
+        </p:grpSp>
+        <p:sp>
+          <p:nvSpPr>
+            <p:cNvPr id="13" name="Rectangle 12">
+              <a:extLst>
+                <a:ext uri="{FF2B5EF4-FFF2-40B4-BE49-F238E27FC236}">
+                  <a16:creationId xmlns:a16="http://schemas.microsoft.com/office/drawing/2014/main" id="{05765789-B611-2B7D-959D-B48B72E7302A}"/>
+                </a:ext>
+              </a:extLst>
+            </p:cNvPr>
+            <p:cNvSpPr/>
+            <p:nvPr/>
+          </p:nvSpPr>
+          <p:spPr>
+            <a:xfrm>
+              <a:off x="7419976" y="2724089"/>
+              <a:ext cx="1152524" cy="2152711"/>
+            </a:xfrm>
+            <a:prstGeom prst="rect">
+              <a:avLst/>
+            </a:prstGeom>
+            <a:noFill/>
+            <a:ln w="19050">
+              <a:solidFill>
+                <a:srgbClr val="FF0000"/>
+              </a:solidFill>
+            </a:ln>
+          </p:spPr>
+          <p:style>
+            <a:lnRef idx="2">
+              <a:schemeClr val="accent1">
+                <a:shade val="15000"/>
+              </a:schemeClr>
+            </a:lnRef>
+            <a:fillRef idx="1">
+              <a:schemeClr val="accent1"/>
+            </a:fillRef>
+            <a:effectRef idx="0">
+              <a:schemeClr val="accent1"/>
+            </a:effectRef>
+            <a:fontRef idx="minor">
+              <a:schemeClr val="lt1"/>
+            </a:fontRef>
+          </p:style>
+          <p:txBody>
+            <a:bodyPr rtlCol="0" anchor="ctr"/>
+            <a:lstStyle/>
+            <a:p>
+              <a:pPr algn="ctr"/>
+              <a:endParaRPr lang="en-US"/>
+            </a:p>
+          </p:txBody>
+        </p:sp>
+      </p:grpSp>
+    </p:spTree>
+    <p:extLst>
+      <p:ext uri="{BB962C8B-B14F-4D97-AF65-F5344CB8AC3E}">
+        <p14:creationId xmlns:p14="http://schemas.microsoft.com/office/powerpoint/2010/main" val="2235809049"/>
       </p:ext>
     </p:extLst>
   </p:cSld>

--- a/20241018 NAF Update (multigrid).pptx
+++ b/20241018 NAF Update (multigrid).pptx
@@ -2944,12 +2944,14 @@
         </p:nvSpPr>
         <p:spPr/>
         <p:txBody>
-          <a:bodyPr/>
+          <a:bodyPr>
+            <a:normAutofit fontScale="90000"/>
+          </a:bodyPr>
           <a:lstStyle/>
           <a:p>
             <a:r>
               <a:rPr lang="en-US" dirty="0"/>
-              <a:t>Uneven grid (Lx, right)</a:t>
+              <a:t>Effect of domain size, modifying right grid</a:t>
             </a:r>
           </a:p>
         </p:txBody>
@@ -2997,8 +2999,8 @@
         </p:nvSpPr>
         <p:spPr>
           <a:xfrm>
-            <a:off x="101600" y="3204148"/>
-            <a:ext cx="1109762" cy="646331"/>
+            <a:off x="0" y="3204148"/>
+            <a:ext cx="1211362" cy="646331"/>
           </a:xfrm>
           <a:prstGeom prst="rect">
             <a:avLst/>
@@ -3040,8 +3042,8 @@
         </p:nvSpPr>
         <p:spPr>
           <a:xfrm>
-            <a:off x="101600" y="4568369"/>
-            <a:ext cx="1109762" cy="646331"/>
+            <a:off x="50800" y="4568369"/>
+            <a:ext cx="1160562" cy="646331"/>
           </a:xfrm>
           <a:prstGeom prst="rect">
             <a:avLst/>
@@ -3083,8 +3085,8 @@
         </p:nvSpPr>
         <p:spPr>
           <a:xfrm>
-            <a:off x="101600" y="5840976"/>
-            <a:ext cx="1109762" cy="646331"/>
+            <a:off x="50800" y="5840976"/>
+            <a:ext cx="1160562" cy="646331"/>
           </a:xfrm>
           <a:prstGeom prst="rect">
             <a:avLst/>
@@ -3142,7 +3144,7 @@
           <a:p>
             <a:pPr algn="ctr"/>
             <a:r>
-              <a:rPr lang="en-US" dirty="0"/>
+              <a:rPr lang="en-US" i="1" dirty="0"/>
               <a:t>Original</a:t>
             </a:r>
           </a:p>
@@ -8860,7 +8862,7 @@
           <a:p>
             <a:r>
               <a:rPr lang="en-US" dirty="0"/>
-              <a:t>Uneven grid (Lx, left)</a:t>
+              <a:t>Effect of domain size, modifying left grid</a:t>
             </a:r>
           </a:p>
         </p:txBody>
@@ -9002,8 +9004,8 @@
         </p:nvSpPr>
         <p:spPr>
           <a:xfrm>
-            <a:off x="101600" y="3204148"/>
-            <a:ext cx="1109762" cy="646331"/>
+            <a:off x="32758" y="3204148"/>
+            <a:ext cx="1178604" cy="646331"/>
           </a:xfrm>
           <a:prstGeom prst="rect">
             <a:avLst/>
@@ -9045,8 +9047,8 @@
         </p:nvSpPr>
         <p:spPr>
           <a:xfrm>
-            <a:off x="101600" y="4568369"/>
-            <a:ext cx="1109762" cy="646331"/>
+            <a:off x="32758" y="4568369"/>
+            <a:ext cx="1178604" cy="646331"/>
           </a:xfrm>
           <a:prstGeom prst="rect">
             <a:avLst/>
@@ -9088,8 +9090,8 @@
         </p:nvSpPr>
         <p:spPr>
           <a:xfrm>
-            <a:off x="101600" y="5840976"/>
-            <a:ext cx="1109762" cy="646331"/>
+            <a:off x="32758" y="5840976"/>
+            <a:ext cx="1178604" cy="646331"/>
           </a:xfrm>
           <a:prstGeom prst="rect">
             <a:avLst/>
@@ -9147,7 +9149,7 @@
           <a:p>
             <a:pPr algn="ctr"/>
             <a:r>
-              <a:rPr lang="en-US" dirty="0"/>
+              <a:rPr lang="en-US" i="1" dirty="0"/>
               <a:t>Original</a:t>
             </a:r>
           </a:p>

--- a/20241018 NAF Update (multigrid).pptx
+++ b/20241018 NAF Update (multigrid).pptx
@@ -3663,13 +3663,13 @@
         </p:spPr>
         <p:txBody>
           <a:bodyPr>
-            <a:normAutofit fontScale="90000"/>
+            <a:noAutofit/>
           </a:bodyPr>
           <a:lstStyle/>
           <a:p>
             <a:r>
-              <a:rPr lang="en-US" dirty="0"/>
-              <a:t>Uneven grid + homo “polymer” (neg/pos surf)</a:t>
+              <a:rPr lang="en-US" sz="3200" dirty="0"/>
+              <a:t>Addition of homogeneous background charge (z &gt; 95)</a:t>
             </a:r>
           </a:p>
         </p:txBody>
@@ -3717,7 +3717,7 @@
         </p:nvGrpSpPr>
         <p:grpSpPr>
           <a:xfrm>
-            <a:off x="38100" y="1216437"/>
+            <a:off x="38100" y="1597438"/>
             <a:ext cx="4043015" cy="5029791"/>
             <a:chOff x="2594" y="1399811"/>
             <a:chExt cx="4043015" cy="5029791"/>
@@ -3983,7 +3983,7 @@
         </p:nvGrpSpPr>
         <p:grpSpPr>
           <a:xfrm>
-            <a:off x="4070849" y="1216437"/>
+            <a:off x="4070849" y="1597438"/>
             <a:ext cx="4043016" cy="5040230"/>
             <a:chOff x="4005811" y="1396741"/>
             <a:chExt cx="4043016" cy="5040230"/>
@@ -4249,7 +4249,7 @@
         </p:nvGrpSpPr>
         <p:grpSpPr>
           <a:xfrm>
-            <a:off x="8063397" y="1251542"/>
+            <a:off x="8063397" y="1632543"/>
             <a:ext cx="4043016" cy="5015524"/>
             <a:chOff x="8025028" y="1399811"/>
             <a:chExt cx="4043016" cy="5015524"/>
@@ -4501,6 +4501,41 @@
           </p:txBody>
         </p:sp>
       </p:grpSp>
+      <p:sp>
+        <p:nvSpPr>
+          <p:cNvPr id="5" name="TextBox 4">
+            <a:extLst>
+              <a:ext uri="{FF2B5EF4-FFF2-40B4-BE49-F238E27FC236}">
+                <a16:creationId xmlns:a16="http://schemas.microsoft.com/office/drawing/2014/main" id="{6A783396-368F-C1F3-B720-EDC9FEF644AB}"/>
+              </a:ext>
+            </a:extLst>
+          </p:cNvPr>
+          <p:cNvSpPr txBox="1"/>
+          <p:nvPr/>
+        </p:nvSpPr>
+        <p:spPr>
+          <a:xfrm>
+            <a:off x="369969" y="1064863"/>
+            <a:ext cx="9188898" cy="369332"/>
+          </a:xfrm>
+          <a:prstGeom prst="rect">
+            <a:avLst/>
+          </a:prstGeom>
+          <a:noFill/>
+        </p:spPr>
+        <p:txBody>
+          <a:bodyPr wrap="square" rtlCol="0">
+            <a:spAutoFit/>
+          </a:bodyPr>
+          <a:lstStyle/>
+          <a:p>
+            <a:r>
+              <a:rPr lang="en-US" dirty="0"/>
+              <a:t>Homogeneous charge negative for (z&gt;95), colors indicate different charge densities</a:t>
+            </a:r>
+          </a:p>
+        </p:txBody>
+      </p:sp>
     </p:spTree>
     <p:extLst>
       <p:ext uri="{BB962C8B-B14F-4D97-AF65-F5344CB8AC3E}">

--- a/20241018 NAF Update (multigrid).pptx
+++ b/20241018 NAF Update (multigrid).pptx
@@ -5,7 +5,7 @@
     <p:sldMasterId id="2147483648" r:id="rId1"/>
   </p:sldMasterIdLst>
   <p:notesMasterIdLst>
-    <p:notesMasterId r:id="rId13"/>
+    <p:notesMasterId r:id="rId14"/>
   </p:notesMasterIdLst>
   <p:sldIdLst>
     <p:sldId id="258" r:id="rId2"/>
@@ -19,6 +19,7 @@
     <p:sldId id="271" r:id="rId10"/>
     <p:sldId id="274" r:id="rId11"/>
     <p:sldId id="273" r:id="rId12"/>
+    <p:sldId id="276" r:id="rId13"/>
   </p:sldIdLst>
   <p:sldSz cx="12192000" cy="6858000"/>
   <p:notesSz cx="6858000" cy="9144000"/>
@@ -4540,6 +4541,319 @@
     <p:extLst>
       <p:ext uri="{BB962C8B-B14F-4D97-AF65-F5344CB8AC3E}">
         <p14:creationId xmlns:p14="http://schemas.microsoft.com/office/powerpoint/2010/main" val="1173165859"/>
+      </p:ext>
+    </p:extLst>
+  </p:cSld>
+  <p:clrMapOvr>
+    <a:masterClrMapping/>
+  </p:clrMapOvr>
+</p:sld>
+</file>
+
+<file path=ppt/slides/slide12.xml><?xml version="1.0" encoding="utf-8"?>
+<p:sld xmlns:a="http://schemas.openxmlformats.org/drawingml/2006/main" xmlns:r="http://schemas.openxmlformats.org/officeDocument/2006/relationships" xmlns:p="http://schemas.openxmlformats.org/presentationml/2006/main">
+  <p:cSld>
+    <p:spTree>
+      <p:nvGrpSpPr>
+        <p:cNvPr id="1" name=""/>
+        <p:cNvGrpSpPr/>
+        <p:nvPr/>
+      </p:nvGrpSpPr>
+      <p:grpSpPr>
+        <a:xfrm>
+          <a:off x="0" y="0"/>
+          <a:ext cx="0" cy="0"/>
+          <a:chOff x="0" y="0"/>
+          <a:chExt cx="0" cy="0"/>
+        </a:xfrm>
+      </p:grpSpPr>
+      <p:sp>
+        <p:nvSpPr>
+          <p:cNvPr id="2" name="Title 1">
+            <a:extLst>
+              <a:ext uri="{FF2B5EF4-FFF2-40B4-BE49-F238E27FC236}">
+                <a16:creationId xmlns:a16="http://schemas.microsoft.com/office/drawing/2014/main" id="{59F0D2DA-E6EA-48A8-1E5F-8B94ECDF585D}"/>
+              </a:ext>
+            </a:extLst>
+          </p:cNvPr>
+          <p:cNvSpPr>
+            <a:spLocks noGrp="1"/>
+          </p:cNvSpPr>
+          <p:nvPr>
+            <p:ph type="title"/>
+          </p:nvPr>
+        </p:nvSpPr>
+        <p:spPr/>
+        <p:txBody>
+          <a:bodyPr/>
+          <a:lstStyle/>
+          <a:p>
+            <a:r>
+              <a:rPr lang="en-US" dirty="0"/>
+              <a:t>Next steps</a:t>
+            </a:r>
+          </a:p>
+        </p:txBody>
+      </p:sp>
+      <p:sp>
+        <p:nvSpPr>
+          <p:cNvPr id="3" name="Slide Number Placeholder 2">
+            <a:extLst>
+              <a:ext uri="{FF2B5EF4-FFF2-40B4-BE49-F238E27FC236}">
+                <a16:creationId xmlns:a16="http://schemas.microsoft.com/office/drawing/2014/main" id="{E6065F11-7EED-7880-F9B6-FC8F9A95C00A}"/>
+              </a:ext>
+            </a:extLst>
+          </p:cNvPr>
+          <p:cNvSpPr>
+            <a:spLocks noGrp="1"/>
+          </p:cNvSpPr>
+          <p:nvPr>
+            <p:ph type="sldNum" sz="quarter" idx="12"/>
+          </p:nvPr>
+        </p:nvSpPr>
+        <p:spPr/>
+        <p:txBody>
+          <a:bodyPr/>
+          <a:lstStyle/>
+          <a:p>
+            <a:fld id="{5911C0E6-D9CE-431C-92CB-BB39B872F930}" type="slidenum">
+              <a:rPr lang="en-US" smtClean="0"/>
+              <a:t>12</a:t>
+            </a:fld>
+            <a:endParaRPr lang="en-US"/>
+          </a:p>
+        </p:txBody>
+      </p:sp>
+      <p:sp>
+        <p:nvSpPr>
+          <p:cNvPr id="4" name="Content Placeholder 2">
+            <a:extLst>
+              <a:ext uri="{FF2B5EF4-FFF2-40B4-BE49-F238E27FC236}">
+                <a16:creationId xmlns:a16="http://schemas.microsoft.com/office/drawing/2014/main" id="{CB75EF46-9F03-0CF1-DB0D-08336609C1E5}"/>
+              </a:ext>
+            </a:extLst>
+          </p:cNvPr>
+          <p:cNvSpPr txBox="1">
+            <a:spLocks/>
+          </p:cNvSpPr>
+          <p:nvPr/>
+        </p:nvSpPr>
+        <p:spPr>
+          <a:xfrm>
+            <a:off x="838200" y="1566333"/>
+            <a:ext cx="10515600" cy="3462866"/>
+          </a:xfrm>
+          <a:prstGeom prst="rect">
+            <a:avLst/>
+          </a:prstGeom>
+        </p:spPr>
+        <p:txBody>
+          <a:bodyPr>
+            <a:normAutofit/>
+          </a:bodyPr>
+          <a:lstStyle>
+            <a:lvl1pPr marL="228600" indent="-228600" algn="l" defTabSz="914400" rtl="0" eaLnBrk="1" latinLnBrk="0" hangingPunct="1">
+              <a:lnSpc>
+                <a:spcPct val="100000"/>
+              </a:lnSpc>
+              <a:spcBef>
+                <a:spcPts val="1000"/>
+              </a:spcBef>
+              <a:spcAft>
+                <a:spcPts val="1200"/>
+              </a:spcAft>
+              <a:buFont typeface="Arial" panose="020B0604020202020204" pitchFamily="34" charset="0"/>
+              <a:buChar char="•"/>
+              <a:defRPr sz="2400" kern="1200">
+                <a:solidFill>
+                  <a:schemeClr val="tx1"/>
+                </a:solidFill>
+                <a:latin typeface="Lucida Grande" pitchFamily="2" charset="0"/>
+                <a:ea typeface="Lucida Grande" pitchFamily="2" charset="0"/>
+                <a:cs typeface="Lucida Grande" pitchFamily="2" charset="0"/>
+              </a:defRPr>
+            </a:lvl1pPr>
+            <a:lvl2pPr marL="685800" indent="-228600" algn="l" defTabSz="914400" rtl="0" eaLnBrk="1" latinLnBrk="0" hangingPunct="1">
+              <a:lnSpc>
+                <a:spcPct val="100000"/>
+              </a:lnSpc>
+              <a:spcBef>
+                <a:spcPts val="500"/>
+              </a:spcBef>
+              <a:spcAft>
+                <a:spcPts val="1200"/>
+              </a:spcAft>
+              <a:buFont typeface="Arial" panose="020B0604020202020204" pitchFamily="34" charset="0"/>
+              <a:buChar char="•"/>
+              <a:defRPr sz="2000" kern="1200">
+                <a:solidFill>
+                  <a:schemeClr val="tx1"/>
+                </a:solidFill>
+                <a:latin typeface="Lucida Grande" pitchFamily="2" charset="0"/>
+                <a:ea typeface="Lucida Grande" pitchFamily="2" charset="0"/>
+                <a:cs typeface="Lucida Grande" pitchFamily="2" charset="0"/>
+              </a:defRPr>
+            </a:lvl2pPr>
+            <a:lvl3pPr marL="1143000" indent="-228600" algn="l" defTabSz="914400" rtl="0" eaLnBrk="1" latinLnBrk="0" hangingPunct="1">
+              <a:lnSpc>
+                <a:spcPct val="100000"/>
+              </a:lnSpc>
+              <a:spcBef>
+                <a:spcPts val="500"/>
+              </a:spcBef>
+              <a:spcAft>
+                <a:spcPts val="1200"/>
+              </a:spcAft>
+              <a:buFont typeface="Arial" panose="020B0604020202020204" pitchFamily="34" charset="0"/>
+              <a:buChar char="•"/>
+              <a:defRPr sz="1800" kern="1200">
+                <a:solidFill>
+                  <a:schemeClr val="tx1"/>
+                </a:solidFill>
+                <a:latin typeface="Lucida Grande" pitchFamily="2" charset="0"/>
+                <a:ea typeface="Lucida Grande" pitchFamily="2" charset="0"/>
+                <a:cs typeface="Lucida Grande" pitchFamily="2" charset="0"/>
+              </a:defRPr>
+            </a:lvl3pPr>
+            <a:lvl4pPr marL="1600200" indent="-228600" algn="l" defTabSz="914400" rtl="0" eaLnBrk="1" latinLnBrk="0" hangingPunct="1">
+              <a:lnSpc>
+                <a:spcPct val="100000"/>
+              </a:lnSpc>
+              <a:spcBef>
+                <a:spcPts val="500"/>
+              </a:spcBef>
+              <a:spcAft>
+                <a:spcPts val="1200"/>
+              </a:spcAft>
+              <a:buFont typeface="Arial" panose="020B0604020202020204" pitchFamily="34" charset="0"/>
+              <a:buChar char="•"/>
+              <a:defRPr sz="1600" kern="1200">
+                <a:solidFill>
+                  <a:schemeClr val="tx1"/>
+                </a:solidFill>
+                <a:latin typeface="Lucida Grande" pitchFamily="2" charset="0"/>
+                <a:ea typeface="Lucida Grande" pitchFamily="2" charset="0"/>
+                <a:cs typeface="Lucida Grande" pitchFamily="2" charset="0"/>
+              </a:defRPr>
+            </a:lvl4pPr>
+            <a:lvl5pPr marL="2057400" indent="-228600" algn="l" defTabSz="914400" rtl="0" eaLnBrk="1" latinLnBrk="0" hangingPunct="1">
+              <a:lnSpc>
+                <a:spcPct val="100000"/>
+              </a:lnSpc>
+              <a:spcBef>
+                <a:spcPts val="500"/>
+              </a:spcBef>
+              <a:spcAft>
+                <a:spcPts val="1200"/>
+              </a:spcAft>
+              <a:buFont typeface="Arial" panose="020B0604020202020204" pitchFamily="34" charset="0"/>
+              <a:buChar char="•"/>
+              <a:defRPr sz="1600" kern="1200">
+                <a:solidFill>
+                  <a:schemeClr val="tx1"/>
+                </a:solidFill>
+                <a:latin typeface="Lucida Grande" pitchFamily="2" charset="0"/>
+                <a:ea typeface="Lucida Grande" pitchFamily="2" charset="0"/>
+                <a:cs typeface="Lucida Grande" pitchFamily="2" charset="0"/>
+              </a:defRPr>
+            </a:lvl5pPr>
+            <a:lvl6pPr marL="2514600" indent="-228600" algn="l" defTabSz="914400" rtl="0" eaLnBrk="1" latinLnBrk="0" hangingPunct="1">
+              <a:lnSpc>
+                <a:spcPct val="90000"/>
+              </a:lnSpc>
+              <a:spcBef>
+                <a:spcPts val="500"/>
+              </a:spcBef>
+              <a:buFont typeface="Arial" panose="020B0604020202020204" pitchFamily="34" charset="0"/>
+              <a:buChar char="•"/>
+              <a:defRPr sz="1800" kern="1200">
+                <a:solidFill>
+                  <a:schemeClr val="tx1"/>
+                </a:solidFill>
+                <a:latin typeface="+mn-lt"/>
+                <a:ea typeface="+mn-ea"/>
+                <a:cs typeface="+mn-cs"/>
+              </a:defRPr>
+            </a:lvl6pPr>
+            <a:lvl7pPr marL="2971800" indent="-228600" algn="l" defTabSz="914400" rtl="0" eaLnBrk="1" latinLnBrk="0" hangingPunct="1">
+              <a:lnSpc>
+                <a:spcPct val="90000"/>
+              </a:lnSpc>
+              <a:spcBef>
+                <a:spcPts val="500"/>
+              </a:spcBef>
+              <a:buFont typeface="Arial" panose="020B0604020202020204" pitchFamily="34" charset="0"/>
+              <a:buChar char="•"/>
+              <a:defRPr sz="1800" kern="1200">
+                <a:solidFill>
+                  <a:schemeClr val="tx1"/>
+                </a:solidFill>
+                <a:latin typeface="+mn-lt"/>
+                <a:ea typeface="+mn-ea"/>
+                <a:cs typeface="+mn-cs"/>
+              </a:defRPr>
+            </a:lvl7pPr>
+            <a:lvl8pPr marL="3429000" indent="-228600" algn="l" defTabSz="914400" rtl="0" eaLnBrk="1" latinLnBrk="0" hangingPunct="1">
+              <a:lnSpc>
+                <a:spcPct val="90000"/>
+              </a:lnSpc>
+              <a:spcBef>
+                <a:spcPts val="500"/>
+              </a:spcBef>
+              <a:buFont typeface="Arial" panose="020B0604020202020204" pitchFamily="34" charset="0"/>
+              <a:buChar char="•"/>
+              <a:defRPr sz="1800" kern="1200">
+                <a:solidFill>
+                  <a:schemeClr val="tx1"/>
+                </a:solidFill>
+                <a:latin typeface="+mn-lt"/>
+                <a:ea typeface="+mn-ea"/>
+                <a:cs typeface="+mn-cs"/>
+              </a:defRPr>
+            </a:lvl8pPr>
+            <a:lvl9pPr marL="3886200" indent="-228600" algn="l" defTabSz="914400" rtl="0" eaLnBrk="1" latinLnBrk="0" hangingPunct="1">
+              <a:lnSpc>
+                <a:spcPct val="90000"/>
+              </a:lnSpc>
+              <a:spcBef>
+                <a:spcPts val="500"/>
+              </a:spcBef>
+              <a:buFont typeface="Arial" panose="020B0604020202020204" pitchFamily="34" charset="0"/>
+              <a:buChar char="•"/>
+              <a:defRPr sz="1800" kern="1200">
+                <a:solidFill>
+                  <a:schemeClr val="tx1"/>
+                </a:solidFill>
+                <a:latin typeface="+mn-lt"/>
+                <a:ea typeface="+mn-ea"/>
+                <a:cs typeface="+mn-cs"/>
+              </a:defRPr>
+            </a:lvl9pPr>
+          </a:lstStyle>
+          <a:p>
+            <a:r>
+              <a:rPr lang="en-US" sz="2000" dirty="0"/>
+              <a:t>Map this grid onto the computational grid used in SCFT</a:t>
+            </a:r>
+          </a:p>
+          <a:p>
+            <a:r>
+              <a:rPr lang="en-US" sz="2000" dirty="0"/>
+              <a:t>Run SCFT</a:t>
+            </a:r>
+          </a:p>
+          <a:p>
+            <a:r>
+              <a:rPr lang="en-US" sz="2000" dirty="0"/>
+              <a:t>Get morphologies</a:t>
+            </a:r>
+          </a:p>
+        </p:txBody>
+      </p:sp>
+    </p:spTree>
+    <p:extLst>
+      <p:ext uri="{BB962C8B-B14F-4D97-AF65-F5344CB8AC3E}">
+        <p14:creationId xmlns:p14="http://schemas.microsoft.com/office/powerpoint/2010/main" val="682375862"/>
       </p:ext>
     </p:extLst>
   </p:cSld>

--- a/20241018 NAF Update (multigrid).pptx
+++ b/20241018 NAF Update (multigrid).pptx
@@ -5152,7 +5152,7 @@
             </a:r>
             <a:r>
               <a:rPr lang="en-US" sz="1400" dirty="0"/>
-              <a:t>/cm2, cannot provide natural boundary for higher surface charge densities even for very high N</a:t>
+              <a:t>/cm2, but cannot provide natural boundary for higher surface charge densities even for very high N</a:t>
             </a:r>
           </a:p>
         </p:txBody>
@@ -5842,7 +5842,7 @@
             <a:pPr algn="ctr"/>
             <a:r>
               <a:rPr lang="en-US" sz="1400" dirty="0"/>
-              <a:t>Natural boundary condition not met</a:t>
+              <a:t>Natural boundary condition not met for any mix of numerical conditions</a:t>
             </a:r>
           </a:p>
         </p:txBody>
@@ -6191,7 +6191,7 @@
             <a:pPr lvl="1"/>
             <a:r>
               <a:rPr lang="en-US" sz="1600" dirty="0"/>
-              <a:t>For numerical accuracy, stretching function low slope when solution high slope (requires some expectation of solution)</a:t>
+              <a:t>For numerical accuracy, stretching function should have low slope when solution high slope (requires some expectation of solution) and vice versa</a:t>
             </a:r>
           </a:p>
           <a:p>
@@ -6228,7 +6228,7 @@
         </p:blipFill>
         <p:spPr>
           <a:xfrm>
-            <a:off x="1487173" y="5129913"/>
+            <a:off x="1576390" y="5011800"/>
             <a:ext cx="3629940" cy="720972"/>
           </a:xfrm>
           <a:prstGeom prst="rect">

--- a/20241018 NAF Update (multigrid).pptx
+++ b/20241018 NAF Update (multigrid).pptx
@@ -7023,6 +7023,42 @@
           </a:p>
         </p:txBody>
       </p:sp>
+      <p:sp>
+        <p:nvSpPr>
+          <p:cNvPr id="51" name="TextBox 50">
+            <a:extLst>
+              <a:ext uri="{FF2B5EF4-FFF2-40B4-BE49-F238E27FC236}">
+                <a16:creationId xmlns:a16="http://schemas.microsoft.com/office/drawing/2014/main" id="{09DEA1C0-4CCE-75D4-64A2-2BB5E2C8A7EF}"/>
+              </a:ext>
+            </a:extLst>
+          </p:cNvPr>
+          <p:cNvSpPr txBox="1"/>
+          <p:nvPr/>
+        </p:nvSpPr>
+        <p:spPr>
+          <a:xfrm rot="16200000">
+            <a:off x="6588688" y="5194975"/>
+            <a:ext cx="1383725" cy="307777"/>
+          </a:xfrm>
+          <a:prstGeom prst="rect">
+            <a:avLst/>
+          </a:prstGeom>
+          <a:noFill/>
+        </p:spPr>
+        <p:txBody>
+          <a:bodyPr wrap="square" rtlCol="0">
+            <a:spAutoFit/>
+          </a:bodyPr>
+          <a:lstStyle/>
+          <a:p>
+            <a:pPr algn="ctr"/>
+            <a:r>
+              <a:rPr lang="en-US" sz="1400" dirty="0"/>
+              <a:t>Evenly spaced</a:t>
+            </a:r>
+          </a:p>
+        </p:txBody>
+      </p:sp>
     </p:spTree>
     <p:extLst>
       <p:ext uri="{BB962C8B-B14F-4D97-AF65-F5344CB8AC3E}">
@@ -7541,7 +7577,7 @@
         </p:nvCxnSpPr>
         <p:spPr>
           <a:xfrm>
-            <a:off x="4656669" y="1036745"/>
+            <a:off x="4682070" y="1036745"/>
             <a:ext cx="0" cy="5684730"/>
           </a:xfrm>
           <a:prstGeom prst="line">

--- a/20241018 NAF Update (multigrid).pptx
+++ b/20241018 NAF Update (multigrid).pptx
@@ -8061,7 +8061,7 @@
             <a:p>
               <a:r>
                 <a:rPr lang="en-US" sz="1200" dirty="0"/>
-                <a:t>Note: midpoint concentration can be calculated analytically but wasn’t quite right. In plots, used midpoint concentration obtained with N = 10,000</a:t>
+                <a:t>Note: midpoint concentration can be calculated analytically but couldn’t quite get it right. In plots, used midpoint concentration obtained with N = 10,000</a:t>
               </a:r>
             </a:p>
           </p:txBody>

--- a/20241018 NAF Update (multigrid).pptx
+++ b/20241018 NAF Update (multigrid).pptx
@@ -8061,7 +8061,7 @@
             <a:p>
               <a:r>
                 <a:rPr lang="en-US" sz="1200" dirty="0"/>
-                <a:t>Note: midpoint concentration can be calculated analytically but couldn’t quite get it right. In plots, used midpoint concentration obtained with N = 10,000</a:t>
+                <a:t>Note: midpoint concentration can be calculated analytically but couldn’t quite get it right. In plots, used midpoint concentration obtained from N = 10,000</a:t>
               </a:r>
             </a:p>
           </p:txBody>
